--- a/Presentations/Docker/Docker.pptx
+++ b/Presentations/Docker/Docker.pptx
@@ -162,6 +162,22 @@
       </a:defRPr>
     </a:lvl9pPr>
   </p:defaultTextStyle>
+  <p:extLst>
+    <p:ext uri="{EFAFB233-063F-42B5-8137-9DF3F51BA10A}">
+      <p15:sldGuideLst xmlns:p15="http://schemas.microsoft.com/office/powerpoint/2012/main">
+        <p15:guide id="1" orient="horz" pos="2160">
+          <p15:clr>
+            <a:srgbClr val="A4A3A4"/>
+          </p15:clr>
+        </p15:guide>
+        <p15:guide id="2" pos="2880">
+          <p15:clr>
+            <a:srgbClr val="A4A3A4"/>
+          </p15:clr>
+        </p15:guide>
+      </p15:sldGuideLst>
+    </p:ext>
+  </p:extLst>
 </p:presentation>
 </file>
 
@@ -203,7 +219,7 @@
           <a:lstStyle/>
           <a:p>
             <a:r>
-              <a:rPr lang="en-US" smtClean="0"/>
+              <a:rPr lang="en-US"/>
               <a:t>Click to edit Master title style</a:t>
             </a:r>
             <a:endParaRPr lang="fr-CA"/>
@@ -322,7 +338,7 @@
           </a:lstStyle>
           <a:p>
             <a:r>
-              <a:rPr lang="en-US" smtClean="0"/>
+              <a:rPr lang="en-US"/>
               <a:t>Click to edit Master subtitle style</a:t>
             </a:r>
             <a:endParaRPr lang="fr-CA"/>
@@ -356,7 +372,7 @@
               <a:pPr>
                 <a:defRPr/>
               </a:pPr>
-              <a:t>18/02/2015</a:t>
+              <a:t>19/09/2019</a:t>
             </a:fld>
             <a:endParaRPr lang="fr-CA"/>
           </a:p>
@@ -462,7 +478,7 @@
           <a:lstStyle/>
           <a:p>
             <a:r>
-              <a:rPr lang="en-US" smtClean="0"/>
+              <a:rPr lang="en-US"/>
               <a:t>Click to edit Master title style</a:t>
             </a:r>
             <a:endParaRPr lang="fr-CA"/>
@@ -486,35 +502,35 @@
           <a:p>
             <a:pPr lvl="0"/>
             <a:r>
-              <a:rPr lang="en-US" smtClean="0"/>
+              <a:rPr lang="en-US"/>
               <a:t>Click to edit Master text styles</a:t>
             </a:r>
           </a:p>
           <a:p>
             <a:pPr lvl="1"/>
             <a:r>
-              <a:rPr lang="en-US" smtClean="0"/>
+              <a:rPr lang="en-US"/>
               <a:t>Second level</a:t>
             </a:r>
           </a:p>
           <a:p>
             <a:pPr lvl="2"/>
             <a:r>
-              <a:rPr lang="en-US" smtClean="0"/>
+              <a:rPr lang="en-US"/>
               <a:t>Third level</a:t>
             </a:r>
           </a:p>
           <a:p>
             <a:pPr lvl="3"/>
             <a:r>
-              <a:rPr lang="en-US" smtClean="0"/>
+              <a:rPr lang="en-US"/>
               <a:t>Fourth level</a:t>
             </a:r>
           </a:p>
           <a:p>
             <a:pPr lvl="4"/>
             <a:r>
-              <a:rPr lang="en-US" smtClean="0"/>
+              <a:rPr lang="en-US"/>
               <a:t>Fifth level</a:t>
             </a:r>
             <a:endParaRPr lang="fr-CA"/>
@@ -548,7 +564,7 @@
               <a:pPr>
                 <a:defRPr/>
               </a:pPr>
-              <a:t>18/02/2015</a:t>
+              <a:t>19/09/2019</a:t>
             </a:fld>
             <a:endParaRPr lang="fr-CA"/>
           </a:p>
@@ -659,7 +675,7 @@
           <a:lstStyle/>
           <a:p>
             <a:r>
-              <a:rPr lang="en-US" smtClean="0"/>
+              <a:rPr lang="en-US"/>
               <a:t>Click to edit Master title style</a:t>
             </a:r>
             <a:endParaRPr lang="fr-CA"/>
@@ -688,35 +704,35 @@
           <a:p>
             <a:pPr lvl="0"/>
             <a:r>
-              <a:rPr lang="en-US" smtClean="0"/>
+              <a:rPr lang="en-US"/>
               <a:t>Click to edit Master text styles</a:t>
             </a:r>
           </a:p>
           <a:p>
             <a:pPr lvl="1"/>
             <a:r>
-              <a:rPr lang="en-US" smtClean="0"/>
+              <a:rPr lang="en-US"/>
               <a:t>Second level</a:t>
             </a:r>
           </a:p>
           <a:p>
             <a:pPr lvl="2"/>
             <a:r>
-              <a:rPr lang="en-US" smtClean="0"/>
+              <a:rPr lang="en-US"/>
               <a:t>Third level</a:t>
             </a:r>
           </a:p>
           <a:p>
             <a:pPr lvl="3"/>
             <a:r>
-              <a:rPr lang="en-US" smtClean="0"/>
+              <a:rPr lang="en-US"/>
               <a:t>Fourth level</a:t>
             </a:r>
           </a:p>
           <a:p>
             <a:pPr lvl="4"/>
             <a:r>
-              <a:rPr lang="en-US" smtClean="0"/>
+              <a:rPr lang="en-US"/>
               <a:t>Fifth level</a:t>
             </a:r>
             <a:endParaRPr lang="fr-CA"/>
@@ -750,7 +766,7 @@
               <a:pPr>
                 <a:defRPr/>
               </a:pPr>
-              <a:t>18/02/2015</a:t>
+              <a:t>19/09/2019</a:t>
             </a:fld>
             <a:endParaRPr lang="fr-CA"/>
           </a:p>
@@ -856,7 +872,7 @@
           <a:lstStyle/>
           <a:p>
             <a:r>
-              <a:rPr lang="en-US" smtClean="0"/>
+              <a:rPr lang="en-US"/>
               <a:t>Click to edit Master title style</a:t>
             </a:r>
             <a:endParaRPr lang="fr-CA"/>
@@ -880,35 +896,35 @@
           <a:p>
             <a:pPr lvl="0"/>
             <a:r>
-              <a:rPr lang="en-US" smtClean="0"/>
+              <a:rPr lang="en-US"/>
               <a:t>Click to edit Master text styles</a:t>
             </a:r>
           </a:p>
           <a:p>
             <a:pPr lvl="1"/>
             <a:r>
-              <a:rPr lang="en-US" smtClean="0"/>
+              <a:rPr lang="en-US"/>
               <a:t>Second level</a:t>
             </a:r>
           </a:p>
           <a:p>
             <a:pPr lvl="2"/>
             <a:r>
-              <a:rPr lang="en-US" smtClean="0"/>
+              <a:rPr lang="en-US"/>
               <a:t>Third level</a:t>
             </a:r>
           </a:p>
           <a:p>
             <a:pPr lvl="3"/>
             <a:r>
-              <a:rPr lang="en-US" smtClean="0"/>
+              <a:rPr lang="en-US"/>
               <a:t>Fourth level</a:t>
             </a:r>
           </a:p>
           <a:p>
             <a:pPr lvl="4"/>
             <a:r>
-              <a:rPr lang="en-US" smtClean="0"/>
+              <a:rPr lang="en-US"/>
               <a:t>Fifth level</a:t>
             </a:r>
             <a:endParaRPr lang="fr-CA"/>
@@ -942,7 +958,7 @@
               <a:pPr>
                 <a:defRPr/>
               </a:pPr>
-              <a:t>18/02/2015</a:t>
+              <a:t>19/09/2019</a:t>
             </a:fld>
             <a:endParaRPr lang="fr-CA"/>
           </a:p>
@@ -1057,7 +1073,7 @@
           </a:lstStyle>
           <a:p>
             <a:r>
-              <a:rPr lang="en-US" smtClean="0"/>
+              <a:rPr lang="en-US"/>
               <a:t>Click to edit Master title style</a:t>
             </a:r>
             <a:endParaRPr lang="fr-CA"/>
@@ -1177,7 +1193,7 @@
           <a:p>
             <a:pPr lvl="0"/>
             <a:r>
-              <a:rPr lang="en-US" smtClean="0"/>
+              <a:rPr lang="en-US"/>
               <a:t>Click to edit Master text styles</a:t>
             </a:r>
           </a:p>
@@ -1210,7 +1226,7 @@
               <a:pPr>
                 <a:defRPr/>
               </a:pPr>
-              <a:t>18/02/2015</a:t>
+              <a:t>19/09/2019</a:t>
             </a:fld>
             <a:endParaRPr lang="fr-CA"/>
           </a:p>
@@ -1316,7 +1332,7 @@
           <a:lstStyle/>
           <a:p>
             <a:r>
-              <a:rPr lang="en-US" smtClean="0"/>
+              <a:rPr lang="en-US"/>
               <a:t>Click to edit Master title style</a:t>
             </a:r>
             <a:endParaRPr lang="fr-CA"/>
@@ -1373,35 +1389,35 @@
           <a:p>
             <a:pPr lvl="0"/>
             <a:r>
-              <a:rPr lang="en-US" smtClean="0"/>
+              <a:rPr lang="en-US"/>
               <a:t>Click to edit Master text styles</a:t>
             </a:r>
           </a:p>
           <a:p>
             <a:pPr lvl="1"/>
             <a:r>
-              <a:rPr lang="en-US" smtClean="0"/>
+              <a:rPr lang="en-US"/>
               <a:t>Second level</a:t>
             </a:r>
           </a:p>
           <a:p>
             <a:pPr lvl="2"/>
             <a:r>
-              <a:rPr lang="en-US" smtClean="0"/>
+              <a:rPr lang="en-US"/>
               <a:t>Third level</a:t>
             </a:r>
           </a:p>
           <a:p>
             <a:pPr lvl="3"/>
             <a:r>
-              <a:rPr lang="en-US" smtClean="0"/>
+              <a:rPr lang="en-US"/>
               <a:t>Fourth level</a:t>
             </a:r>
           </a:p>
           <a:p>
             <a:pPr lvl="4"/>
             <a:r>
-              <a:rPr lang="en-US" smtClean="0"/>
+              <a:rPr lang="en-US"/>
               <a:t>Fifth level</a:t>
             </a:r>
             <a:endParaRPr lang="fr-CA"/>
@@ -1458,35 +1474,35 @@
           <a:p>
             <a:pPr lvl="0"/>
             <a:r>
-              <a:rPr lang="en-US" smtClean="0"/>
+              <a:rPr lang="en-US"/>
               <a:t>Click to edit Master text styles</a:t>
             </a:r>
           </a:p>
           <a:p>
             <a:pPr lvl="1"/>
             <a:r>
-              <a:rPr lang="en-US" smtClean="0"/>
+              <a:rPr lang="en-US"/>
               <a:t>Second level</a:t>
             </a:r>
           </a:p>
           <a:p>
             <a:pPr lvl="2"/>
             <a:r>
-              <a:rPr lang="en-US" smtClean="0"/>
+              <a:rPr lang="en-US"/>
               <a:t>Third level</a:t>
             </a:r>
           </a:p>
           <a:p>
             <a:pPr lvl="3"/>
             <a:r>
-              <a:rPr lang="en-US" smtClean="0"/>
+              <a:rPr lang="en-US"/>
               <a:t>Fourth level</a:t>
             </a:r>
           </a:p>
           <a:p>
             <a:pPr lvl="4"/>
             <a:r>
-              <a:rPr lang="en-US" smtClean="0"/>
+              <a:rPr lang="en-US"/>
               <a:t>Fifth level</a:t>
             </a:r>
             <a:endParaRPr lang="fr-CA"/>
@@ -1520,7 +1536,7 @@
               <a:pPr>
                 <a:defRPr/>
               </a:pPr>
-              <a:t>18/02/2015</a:t>
+              <a:t>19/09/2019</a:t>
             </a:fld>
             <a:endParaRPr lang="fr-CA"/>
           </a:p>
@@ -1630,7 +1646,7 @@
           </a:lstStyle>
           <a:p>
             <a:r>
-              <a:rPr lang="en-US" smtClean="0"/>
+              <a:rPr lang="en-US"/>
               <a:t>Click to edit Master title style</a:t>
             </a:r>
             <a:endParaRPr lang="fr-CA"/>
@@ -1696,7 +1712,7 @@
           <a:p>
             <a:pPr lvl="0"/>
             <a:r>
-              <a:rPr lang="en-US" smtClean="0"/>
+              <a:rPr lang="en-US"/>
               <a:t>Click to edit Master text styles</a:t>
             </a:r>
           </a:p>
@@ -1752,35 +1768,35 @@
           <a:p>
             <a:pPr lvl="0"/>
             <a:r>
-              <a:rPr lang="en-US" smtClean="0"/>
+              <a:rPr lang="en-US"/>
               <a:t>Click to edit Master text styles</a:t>
             </a:r>
           </a:p>
           <a:p>
             <a:pPr lvl="1"/>
             <a:r>
-              <a:rPr lang="en-US" smtClean="0"/>
+              <a:rPr lang="en-US"/>
               <a:t>Second level</a:t>
             </a:r>
           </a:p>
           <a:p>
             <a:pPr lvl="2"/>
             <a:r>
-              <a:rPr lang="en-US" smtClean="0"/>
+              <a:rPr lang="en-US"/>
               <a:t>Third level</a:t>
             </a:r>
           </a:p>
           <a:p>
             <a:pPr lvl="3"/>
             <a:r>
-              <a:rPr lang="en-US" smtClean="0"/>
+              <a:rPr lang="en-US"/>
               <a:t>Fourth level</a:t>
             </a:r>
           </a:p>
           <a:p>
             <a:pPr lvl="4"/>
             <a:r>
-              <a:rPr lang="en-US" smtClean="0"/>
+              <a:rPr lang="en-US"/>
               <a:t>Fifth level</a:t>
             </a:r>
             <a:endParaRPr lang="fr-CA"/>
@@ -1846,7 +1862,7 @@
           <a:p>
             <a:pPr lvl="0"/>
             <a:r>
-              <a:rPr lang="en-US" smtClean="0"/>
+              <a:rPr lang="en-US"/>
               <a:t>Click to edit Master text styles</a:t>
             </a:r>
           </a:p>
@@ -1902,35 +1918,35 @@
           <a:p>
             <a:pPr lvl="0"/>
             <a:r>
-              <a:rPr lang="en-US" smtClean="0"/>
+              <a:rPr lang="en-US"/>
               <a:t>Click to edit Master text styles</a:t>
             </a:r>
           </a:p>
           <a:p>
             <a:pPr lvl="1"/>
             <a:r>
-              <a:rPr lang="en-US" smtClean="0"/>
+              <a:rPr lang="en-US"/>
               <a:t>Second level</a:t>
             </a:r>
           </a:p>
           <a:p>
             <a:pPr lvl="2"/>
             <a:r>
-              <a:rPr lang="en-US" smtClean="0"/>
+              <a:rPr lang="en-US"/>
               <a:t>Third level</a:t>
             </a:r>
           </a:p>
           <a:p>
             <a:pPr lvl="3"/>
             <a:r>
-              <a:rPr lang="en-US" smtClean="0"/>
+              <a:rPr lang="en-US"/>
               <a:t>Fourth level</a:t>
             </a:r>
           </a:p>
           <a:p>
             <a:pPr lvl="4"/>
             <a:r>
-              <a:rPr lang="en-US" smtClean="0"/>
+              <a:rPr lang="en-US"/>
               <a:t>Fifth level</a:t>
             </a:r>
             <a:endParaRPr lang="fr-CA"/>
@@ -1964,7 +1980,7 @@
               <a:pPr>
                 <a:defRPr/>
               </a:pPr>
-              <a:t>18/02/2015</a:t>
+              <a:t>19/09/2019</a:t>
             </a:fld>
             <a:endParaRPr lang="fr-CA"/>
           </a:p>
@@ -2070,7 +2086,7 @@
           <a:lstStyle/>
           <a:p>
             <a:r>
-              <a:rPr lang="en-US" smtClean="0"/>
+              <a:rPr lang="en-US"/>
               <a:t>Click to edit Master title style</a:t>
             </a:r>
             <a:endParaRPr lang="fr-CA"/>
@@ -2104,7 +2120,7 @@
               <a:pPr>
                 <a:defRPr/>
               </a:pPr>
-              <a:t>18/02/2015</a:t>
+              <a:t>19/09/2019</a:t>
             </a:fld>
             <a:endParaRPr lang="fr-CA"/>
           </a:p>
@@ -2221,7 +2237,7 @@
               <a:pPr>
                 <a:defRPr/>
               </a:pPr>
-              <a:t>18/02/2015</a:t>
+              <a:t>19/09/2019</a:t>
             </a:fld>
             <a:endParaRPr lang="fr-CA"/>
           </a:p>
@@ -2336,7 +2352,7 @@
           </a:lstStyle>
           <a:p>
             <a:r>
-              <a:rPr lang="en-US" smtClean="0"/>
+              <a:rPr lang="en-US"/>
               <a:t>Click to edit Master title style</a:t>
             </a:r>
             <a:endParaRPr lang="fr-CA"/>
@@ -2393,35 +2409,35 @@
           <a:p>
             <a:pPr lvl="0"/>
             <a:r>
-              <a:rPr lang="en-US" smtClean="0"/>
+              <a:rPr lang="en-US"/>
               <a:t>Click to edit Master text styles</a:t>
             </a:r>
           </a:p>
           <a:p>
             <a:pPr lvl="1"/>
             <a:r>
-              <a:rPr lang="en-US" smtClean="0"/>
+              <a:rPr lang="en-US"/>
               <a:t>Second level</a:t>
             </a:r>
           </a:p>
           <a:p>
             <a:pPr lvl="2"/>
             <a:r>
-              <a:rPr lang="en-US" smtClean="0"/>
+              <a:rPr lang="en-US"/>
               <a:t>Third level</a:t>
             </a:r>
           </a:p>
           <a:p>
             <a:pPr lvl="3"/>
             <a:r>
-              <a:rPr lang="en-US" smtClean="0"/>
+              <a:rPr lang="en-US"/>
               <a:t>Fourth level</a:t>
             </a:r>
           </a:p>
           <a:p>
             <a:pPr lvl="4"/>
             <a:r>
-              <a:rPr lang="en-US" smtClean="0"/>
+              <a:rPr lang="en-US"/>
               <a:t>Fifth level</a:t>
             </a:r>
             <a:endParaRPr lang="fr-CA"/>
@@ -2487,7 +2503,7 @@
           <a:p>
             <a:pPr lvl="0"/>
             <a:r>
-              <a:rPr lang="en-US" smtClean="0"/>
+              <a:rPr lang="en-US"/>
               <a:t>Click to edit Master text styles</a:t>
             </a:r>
           </a:p>
@@ -2520,7 +2536,7 @@
               <a:pPr>
                 <a:defRPr/>
               </a:pPr>
-              <a:t>18/02/2015</a:t>
+              <a:t>19/09/2019</a:t>
             </a:fld>
             <a:endParaRPr lang="fr-CA"/>
           </a:p>
@@ -2635,7 +2651,7 @@
           </a:lstStyle>
           <a:p>
             <a:r>
-              <a:rPr lang="en-US" smtClean="0"/>
+              <a:rPr lang="en-US"/>
               <a:t>Click to edit Master title style</a:t>
             </a:r>
             <a:endParaRPr lang="fr-CA"/>
@@ -2703,10 +2719,10 @@
           <a:p>
             <a:pPr lvl="0"/>
             <a:r>
-              <a:rPr lang="en-US" noProof="0" smtClean="0"/>
+              <a:rPr lang="en-US" noProof="0"/>
               <a:t>Click icon to add picture</a:t>
             </a:r>
-            <a:endParaRPr lang="fr-CA" noProof="0" smtClean="0"/>
+            <a:endParaRPr lang="fr-CA" noProof="0"/>
           </a:p>
         </p:txBody>
       </p:sp>
@@ -2769,7 +2785,7 @@
           <a:p>
             <a:pPr lvl="0"/>
             <a:r>
-              <a:rPr lang="en-US" smtClean="0"/>
+              <a:rPr lang="en-US"/>
               <a:t>Click to edit Master text styles</a:t>
             </a:r>
           </a:p>
@@ -2802,7 +2818,7 @@
               <a:pPr>
                 <a:defRPr/>
               </a:pPr>
-              <a:t>18/02/2015</a:t>
+              <a:t>19/09/2019</a:t>
             </a:fld>
             <a:endParaRPr lang="fr-CA"/>
           </a:p>
@@ -2940,10 +2956,10 @@
           <a:p>
             <a:pPr lvl="0"/>
             <a:r>
-              <a:rPr lang="fr-FR" smtClean="0"/>
+              <a:rPr lang="fr-FR"/>
               <a:t>Cliquez pour modifier le style du titre</a:t>
             </a:r>
-            <a:endParaRPr lang="fr-CA" smtClean="0"/>
+            <a:endParaRPr lang="fr-CA"/>
           </a:p>
         </p:txBody>
       </p:sp>
@@ -2983,38 +2999,38 @@
           <a:p>
             <a:pPr lvl="0"/>
             <a:r>
-              <a:rPr lang="fr-FR" smtClean="0"/>
+              <a:rPr lang="fr-FR"/>
               <a:t>Cliquez pour modifier les styles du texte du masque</a:t>
             </a:r>
           </a:p>
           <a:p>
             <a:pPr lvl="1"/>
             <a:r>
-              <a:rPr lang="fr-FR" smtClean="0"/>
+              <a:rPr lang="fr-FR"/>
               <a:t>Deuxième niveau</a:t>
             </a:r>
           </a:p>
           <a:p>
             <a:pPr lvl="2"/>
             <a:r>
-              <a:rPr lang="fr-FR" smtClean="0"/>
+              <a:rPr lang="fr-FR"/>
               <a:t>Troisième niveau</a:t>
             </a:r>
           </a:p>
           <a:p>
             <a:pPr lvl="3"/>
             <a:r>
-              <a:rPr lang="fr-FR" smtClean="0"/>
+              <a:rPr lang="fr-FR"/>
               <a:t>Quatrième niveau</a:t>
             </a:r>
           </a:p>
           <a:p>
             <a:pPr lvl="4"/>
             <a:r>
-              <a:rPr lang="fr-FR" smtClean="0"/>
+              <a:rPr lang="fr-FR"/>
               <a:t>Cinquième niveau</a:t>
             </a:r>
-            <a:endParaRPr lang="fr-CA" smtClean="0"/>
+            <a:endParaRPr lang="fr-CA"/>
           </a:p>
         </p:txBody>
       </p:sp>
@@ -3066,7 +3082,7 @@
               <a:pPr>
                 <a:defRPr/>
               </a:pPr>
-              <a:t>18/02/2015</a:t>
+              <a:t>19/09/2019</a:t>
             </a:fld>
             <a:endParaRPr lang="fr-CA"/>
           </a:p>
@@ -3621,14 +3637,14 @@
           <a:lstStyle/>
           <a:p>
             <a:r>
-              <a:rPr lang="ro-RO" sz="4000" dirty="0" smtClean="0">
+              <a:rPr lang="en-US" sz="4000" dirty="0">
                 <a:solidFill>
                   <a:schemeClr val="bg1"/>
                 </a:solidFill>
               </a:rPr>
-              <a:t>Selenium</a:t>
-            </a:r>
-            <a:endParaRPr lang="fr-CA" sz="3800" dirty="0" smtClean="0">
+              <a:t>Docker</a:t>
+            </a:r>
+            <a:endParaRPr lang="fr-CA" sz="3800" dirty="0">
               <a:solidFill>
                 <a:schemeClr val="bg1"/>
               </a:solidFill>
@@ -3657,7 +3673,7 @@
           <a:lstStyle/>
           <a:p>
             <a:r>
-              <a:rPr lang="fr-CA" sz="2600" dirty="0" smtClean="0">
+              <a:rPr lang="fr-CA" sz="2600" dirty="0">
                 <a:solidFill>
                   <a:schemeClr val="bg1"/>
                 </a:solidFill>
@@ -3672,13 +3688,6 @@
   <p:clrMapOvr>
     <a:masterClrMapping/>
   </p:clrMapOvr>
-  <p:timing>
-    <p:tnLst>
-      <p:par>
-        <p:cTn id="1" dur="indefinite" restart="never" nodeType="tmRoot"/>
-      </p:par>
-    </p:tnLst>
-  </p:timing>
 </p:sld>
 </file>
 
@@ -3727,14 +3736,14 @@
           <a:lstStyle/>
           <a:p>
             <a:r>
-              <a:rPr lang="ro-RO" dirty="0" smtClean="0">
+              <a:rPr lang="ro-RO" dirty="0">
                 <a:solidFill>
                   <a:schemeClr val="bg1"/>
                 </a:solidFill>
               </a:rPr>
               <a:t>Linux Containers (cont.)</a:t>
             </a:r>
-            <a:endParaRPr lang="fr-CA" dirty="0" smtClean="0">
+            <a:endParaRPr lang="fr-CA" dirty="0">
               <a:solidFill>
                 <a:schemeClr val="bg1"/>
               </a:solidFill>
@@ -3763,7 +3772,7 @@
           <a:lstStyle/>
           <a:p>
             <a:r>
-              <a:rPr lang="en-US" sz="1400" dirty="0" smtClean="0">
+              <a:rPr lang="en-US" sz="1400" dirty="0">
                 <a:solidFill>
                   <a:srgbClr val="3C5790"/>
                 </a:solidFill>
@@ -3773,7 +3782,7 @@
           </a:p>
           <a:p>
             <a:r>
-              <a:rPr lang="en-US" sz="1400" dirty="0" smtClean="0">
+              <a:rPr lang="en-US" sz="1400" dirty="0">
                 <a:solidFill>
                   <a:srgbClr val="3C5790"/>
                 </a:solidFill>
@@ -3783,7 +3792,7 @@
           </a:p>
           <a:p>
             <a:r>
-              <a:rPr lang="en-US" sz="1400" dirty="0" smtClean="0">
+              <a:rPr lang="en-US" sz="1400" dirty="0">
                 <a:solidFill>
                   <a:srgbClr val="3C5790"/>
                 </a:solidFill>
@@ -3791,7 +3800,7 @@
               <a:t>1. </a:t>
             </a:r>
             <a:r>
-              <a:rPr lang="en-US" sz="1400" b="1" dirty="0" smtClean="0">
+              <a:rPr lang="en-US" sz="1400" b="1" dirty="0">
                 <a:solidFill>
                   <a:srgbClr val="3C5790"/>
                 </a:solidFill>
@@ -3799,14 +3808,14 @@
               <a:t>Namespaces</a:t>
             </a:r>
             <a:r>
-              <a:rPr lang="ro-RO" sz="1400" dirty="0" smtClean="0">
+              <a:rPr lang="ro-RO" sz="1400" dirty="0">
                 <a:solidFill>
                   <a:srgbClr val="3C5790"/>
                 </a:solidFill>
               </a:rPr>
               <a:t>.</a:t>
             </a:r>
-            <a:endParaRPr lang="en-US" sz="1400" dirty="0" smtClean="0">
+            <a:endParaRPr lang="en-US" sz="1400" dirty="0">
               <a:solidFill>
                 <a:srgbClr val="3C5790"/>
               </a:solidFill>
@@ -3814,7 +3823,7 @@
           </a:p>
           <a:p>
             <a:r>
-              <a:rPr lang="en-US" sz="1400" b="1" dirty="0" smtClean="0">
+              <a:rPr lang="en-US" sz="1400" b="1" dirty="0">
                 <a:solidFill>
                   <a:srgbClr val="3C5790"/>
                 </a:solidFill>
@@ -3822,7 +3831,7 @@
               <a:t>2. </a:t>
             </a:r>
             <a:r>
-              <a:rPr lang="en-US" sz="1400" b="1" dirty="0" err="1" smtClean="0">
+              <a:rPr lang="en-US" sz="1400" b="1" dirty="0" err="1">
                 <a:solidFill>
                   <a:srgbClr val="3C5790"/>
                 </a:solidFill>
@@ -3830,14 +3839,14 @@
               <a:t>Cgroups</a:t>
             </a:r>
             <a:r>
-              <a:rPr lang="en-US" sz="1400" b="1" dirty="0" smtClean="0">
+              <a:rPr lang="en-US" sz="1400" b="1" dirty="0">
                 <a:solidFill>
                   <a:srgbClr val="3C5790"/>
                 </a:solidFill>
               </a:rPr>
               <a:t> (Control groups.)</a:t>
             </a:r>
-            <a:endParaRPr lang="en-US" sz="1200" b="1" dirty="0" smtClean="0">
+            <a:endParaRPr lang="en-US" sz="1200" b="1" dirty="0">
               <a:solidFill>
                 <a:srgbClr val="3C5790"/>
               </a:solidFill>
@@ -3882,13 +3891,6 @@
   <p:clrMapOvr>
     <a:masterClrMapping/>
   </p:clrMapOvr>
-  <p:timing>
-    <p:tnLst>
-      <p:par>
-        <p:cTn id="1" dur="indefinite" restart="never" nodeType="tmRoot"/>
-      </p:par>
-    </p:tnLst>
-  </p:timing>
 </p:sld>
 </file>
 
@@ -3937,14 +3939,14 @@
           <a:lstStyle/>
           <a:p>
             <a:r>
-              <a:rPr lang="ro-RO" dirty="0" smtClean="0">
+              <a:rPr lang="ro-RO" dirty="0">
                 <a:solidFill>
                   <a:schemeClr val="bg1"/>
                 </a:solidFill>
               </a:rPr>
               <a:t>Linux Containers (cont.)</a:t>
             </a:r>
-            <a:endParaRPr lang="fr-CA" dirty="0" smtClean="0">
+            <a:endParaRPr lang="fr-CA" dirty="0">
               <a:solidFill>
                 <a:schemeClr val="bg1"/>
               </a:solidFill>
@@ -3973,7 +3975,7 @@
           <a:lstStyle/>
           <a:p>
             <a:r>
-              <a:rPr lang="en-US" sz="1400" dirty="0" smtClean="0">
+              <a:rPr lang="en-US" sz="1400" dirty="0">
                 <a:solidFill>
                   <a:srgbClr val="3C5790"/>
                 </a:solidFill>
@@ -3983,7 +3985,7 @@
           </a:p>
           <a:p>
             <a:r>
-              <a:rPr lang="en-US" sz="1400" dirty="0" smtClean="0">
+              <a:rPr lang="en-US" sz="1400" dirty="0">
                 <a:solidFill>
                   <a:srgbClr val="3C5790"/>
                 </a:solidFill>
@@ -3993,7 +3995,7 @@
           </a:p>
           <a:p>
             <a:r>
-              <a:rPr lang="en-US" sz="1400" dirty="0" smtClean="0">
+              <a:rPr lang="en-US" sz="1400" dirty="0">
                 <a:solidFill>
                   <a:srgbClr val="3C5790"/>
                 </a:solidFill>
@@ -4003,7 +4005,7 @@
           </a:p>
           <a:p>
             <a:r>
-              <a:rPr lang="en-US" sz="1400" b="1" dirty="0" err="1" smtClean="0">
+              <a:rPr lang="en-US" sz="1400" b="1" dirty="0" err="1">
                 <a:solidFill>
                   <a:srgbClr val="3C5790"/>
                 </a:solidFill>
@@ -4011,26 +4013,18 @@
               <a:t>Pid</a:t>
             </a:r>
             <a:r>
-              <a:rPr lang="en-US" sz="1400" b="1" dirty="0" smtClean="0">
-                <a:solidFill>
-                  <a:srgbClr val="3C5790"/>
-                </a:solidFill>
-              </a:rPr>
-              <a:t> </a:t>
-            </a:r>
-            <a:r>
-              <a:rPr lang="en-US" sz="1400" b="1" dirty="0" smtClean="0">
-                <a:solidFill>
-                  <a:srgbClr val="3C5790"/>
-                </a:solidFill>
-              </a:rPr>
-              <a:t>namespace</a:t>
+              <a:rPr lang="en-US" sz="1400" b="1" dirty="0">
+                <a:solidFill>
+                  <a:srgbClr val="3C5790"/>
+                </a:solidFill>
+              </a:rPr>
+              <a:t> namespace</a:t>
             </a:r>
           </a:p>
           <a:p>
             <a:pPr lvl="1"/>
             <a:r>
-              <a:rPr lang="en-US" sz="1200" dirty="0" smtClean="0">
+              <a:rPr lang="en-US" sz="1200" dirty="0">
                 <a:solidFill>
                   <a:srgbClr val="3C5790"/>
                 </a:solidFill>
@@ -4038,7 +4032,7 @@
               <a:t>Every </a:t>
             </a:r>
             <a:r>
-              <a:rPr lang="en-US" sz="1200" dirty="0" err="1" smtClean="0">
+              <a:rPr lang="en-US" sz="1200" dirty="0" err="1">
                 <a:solidFill>
                   <a:srgbClr val="3C5790"/>
                 </a:solidFill>
@@ -4046,7 +4040,7 @@
               <a:t>pid</a:t>
             </a:r>
             <a:r>
-              <a:rPr lang="en-US" sz="1200" dirty="0" smtClean="0">
+              <a:rPr lang="en-US" sz="1200" dirty="0">
                 <a:solidFill>
                   <a:srgbClr val="3C5790"/>
                 </a:solidFill>
@@ -4057,7 +4051,7 @@
           <a:p>
             <a:pPr lvl="1"/>
             <a:r>
-              <a:rPr lang="en-US" sz="1200" dirty="0" smtClean="0">
+              <a:rPr lang="en-US" sz="1200" dirty="0">
                 <a:solidFill>
                   <a:srgbClr val="3C5790"/>
                 </a:solidFill>
@@ -4065,7 +4059,7 @@
               <a:t>The parent </a:t>
             </a:r>
             <a:r>
-              <a:rPr lang="en-US" sz="1200" dirty="0" err="1" smtClean="0">
+              <a:rPr lang="en-US" sz="1200" dirty="0" err="1">
                 <a:solidFill>
                   <a:srgbClr val="3C5790"/>
                 </a:solidFill>
@@ -4073,7 +4067,7 @@
               <a:t>pid’s</a:t>
             </a:r>
             <a:r>
-              <a:rPr lang="en-US" sz="1200" dirty="0" smtClean="0">
+              <a:rPr lang="en-US" sz="1200" dirty="0">
                 <a:solidFill>
                   <a:srgbClr val="3C5790"/>
                 </a:solidFill>
@@ -4081,7 +4075,7 @@
               <a:t> can control the children </a:t>
             </a:r>
             <a:r>
-              <a:rPr lang="en-US" sz="1200" dirty="0" err="1" smtClean="0">
+              <a:rPr lang="en-US" sz="1200" dirty="0" err="1">
                 <a:solidFill>
                   <a:srgbClr val="3C5790"/>
                 </a:solidFill>
@@ -4089,7 +4083,7 @@
               <a:t>pid’s</a:t>
             </a:r>
             <a:r>
-              <a:rPr lang="en-US" sz="1200" dirty="0" smtClean="0">
+              <a:rPr lang="en-US" sz="1200" dirty="0">
                 <a:solidFill>
                   <a:srgbClr val="3C5790"/>
                 </a:solidFill>
@@ -4097,7 +4091,7 @@
               <a:t> but the children </a:t>
             </a:r>
             <a:r>
-              <a:rPr lang="en-US" sz="1200" dirty="0" err="1" smtClean="0">
+              <a:rPr lang="en-US" sz="1200" dirty="0" err="1">
                 <a:solidFill>
                   <a:srgbClr val="3C5790"/>
                 </a:solidFill>
@@ -4105,7 +4099,7 @@
               <a:t>pid’s</a:t>
             </a:r>
             <a:r>
-              <a:rPr lang="en-US" sz="1200" dirty="0" smtClean="0">
+              <a:rPr lang="en-US" sz="1200" dirty="0">
                 <a:solidFill>
                   <a:srgbClr val="3C5790"/>
                 </a:solidFill>
@@ -4113,7 +4107,7 @@
               <a:t> cannot signal or control the parent </a:t>
             </a:r>
             <a:r>
-              <a:rPr lang="en-US" sz="1200" dirty="0" err="1" smtClean="0">
+              <a:rPr lang="en-US" sz="1200" dirty="0" err="1">
                 <a:solidFill>
                   <a:srgbClr val="3C5790"/>
                 </a:solidFill>
@@ -4121,7 +4115,7 @@
               <a:t>pid</a:t>
             </a:r>
             <a:r>
-              <a:rPr lang="en-US" sz="1200" dirty="0" smtClean="0">
+              <a:rPr lang="en-US" sz="1200" dirty="0">
                 <a:solidFill>
                   <a:srgbClr val="3C5790"/>
                 </a:solidFill>
@@ -4131,26 +4125,18 @@
           </a:p>
           <a:p>
             <a:r>
-              <a:rPr lang="en-US" sz="1400" b="1" dirty="0" smtClean="0">
-                <a:solidFill>
-                  <a:srgbClr val="3C5790"/>
-                </a:solidFill>
-              </a:rPr>
-              <a:t>Net </a:t>
-            </a:r>
-            <a:r>
-              <a:rPr lang="en-US" sz="1400" b="1" dirty="0" smtClean="0">
-                <a:solidFill>
-                  <a:srgbClr val="3C5790"/>
-                </a:solidFill>
-              </a:rPr>
-              <a:t>namespace</a:t>
+              <a:rPr lang="en-US" sz="1400" b="1" dirty="0">
+                <a:solidFill>
+                  <a:srgbClr val="3C5790"/>
+                </a:solidFill>
+              </a:rPr>
+              <a:t>Net namespace</a:t>
             </a:r>
           </a:p>
           <a:p>
             <a:pPr lvl="1"/>
             <a:r>
-              <a:rPr lang="en-US" sz="1200" dirty="0" smtClean="0">
+              <a:rPr lang="en-US" sz="1200" dirty="0">
                 <a:solidFill>
                   <a:srgbClr val="3C5790"/>
                 </a:solidFill>
@@ -4160,7 +4146,7 @@
           </a:p>
           <a:p>
             <a:r>
-              <a:rPr lang="en-US" sz="1400" b="1" dirty="0" err="1" smtClean="0">
+              <a:rPr lang="en-US" sz="1400" b="1" dirty="0" err="1">
                 <a:solidFill>
                   <a:srgbClr val="3C5790"/>
                 </a:solidFill>
@@ -4168,37 +4154,24 @@
               <a:t>Ipc</a:t>
             </a:r>
             <a:r>
-              <a:rPr lang="en-US" sz="1400" b="1" dirty="0" smtClean="0">
-                <a:solidFill>
-                  <a:srgbClr val="3C5790"/>
-                </a:solidFill>
-              </a:rPr>
-              <a:t> </a:t>
-            </a:r>
-            <a:r>
-              <a:rPr lang="en-US" sz="1400" b="1" dirty="0" smtClean="0">
-                <a:solidFill>
-                  <a:srgbClr val="3C5790"/>
-                </a:solidFill>
-              </a:rPr>
-              <a:t>namespace</a:t>
+              <a:rPr lang="en-US" sz="1400" b="1" dirty="0">
+                <a:solidFill>
+                  <a:srgbClr val="3C5790"/>
+                </a:solidFill>
+              </a:rPr>
+              <a:t> namespace</a:t>
             </a:r>
           </a:p>
           <a:p>
             <a:pPr lvl="1"/>
             <a:r>
-              <a:rPr lang="en-US" sz="1200" dirty="0" smtClean="0">
+              <a:rPr lang="en-US" sz="1200" dirty="0">
                 <a:solidFill>
                   <a:srgbClr val="3C5790"/>
                 </a:solidFill>
               </a:rPr>
               <a:t>This namespace isolates the inter-process communication.</a:t>
             </a:r>
-            <a:endParaRPr lang="en-US" sz="1200" dirty="0" smtClean="0">
-              <a:solidFill>
-                <a:srgbClr val="3C5790"/>
-              </a:solidFill>
-            </a:endParaRPr>
           </a:p>
         </p:txBody>
       </p:sp>
@@ -4207,13 +4180,6 @@
   <p:clrMapOvr>
     <a:masterClrMapping/>
   </p:clrMapOvr>
-  <p:timing>
-    <p:tnLst>
-      <p:par>
-        <p:cTn id="1" dur="indefinite" restart="never" nodeType="tmRoot"/>
-      </p:par>
-    </p:tnLst>
-  </p:timing>
 </p:sld>
 </file>
 
@@ -4262,14 +4228,14 @@
           <a:lstStyle/>
           <a:p>
             <a:r>
-              <a:rPr lang="ro-RO" dirty="0" smtClean="0">
+              <a:rPr lang="ro-RO" dirty="0">
                 <a:solidFill>
                   <a:schemeClr val="bg1"/>
                 </a:solidFill>
               </a:rPr>
               <a:t>Linux Containers (cont.)</a:t>
             </a:r>
-            <a:endParaRPr lang="fr-CA" dirty="0" smtClean="0">
+            <a:endParaRPr lang="fr-CA" dirty="0">
               <a:solidFill>
                 <a:schemeClr val="bg1"/>
               </a:solidFill>
@@ -4298,7 +4264,7 @@
           <a:lstStyle/>
           <a:p>
             <a:r>
-              <a:rPr lang="en-US" sz="1400" b="1" dirty="0" err="1" smtClean="0">
+              <a:rPr lang="en-US" sz="1400" b="1" dirty="0" err="1">
                 <a:solidFill>
                   <a:srgbClr val="3C5790"/>
                 </a:solidFill>
@@ -4306,52 +4272,28 @@
               <a:t>Mnt</a:t>
             </a:r>
             <a:r>
-              <a:rPr lang="en-US" sz="1400" b="1" dirty="0" smtClean="0">
-                <a:solidFill>
-                  <a:srgbClr val="3C5790"/>
-                </a:solidFill>
-              </a:rPr>
-              <a:t> </a:t>
-            </a:r>
-            <a:r>
-              <a:rPr lang="en-US" sz="1400" b="1" dirty="0" smtClean="0">
-                <a:solidFill>
-                  <a:srgbClr val="3C5790"/>
-                </a:solidFill>
-              </a:rPr>
-              <a:t>namespace</a:t>
+              <a:rPr lang="en-US" sz="1400" b="1" dirty="0">
+                <a:solidFill>
+                  <a:srgbClr val="3C5790"/>
+                </a:solidFill>
+              </a:rPr>
+              <a:t> namespace</a:t>
             </a:r>
           </a:p>
           <a:p>
             <a:pPr lvl="1"/>
             <a:r>
-              <a:rPr lang="en-US" sz="1200" dirty="0" smtClean="0">
-                <a:solidFill>
-                  <a:srgbClr val="3C5790"/>
-                </a:solidFill>
-              </a:rPr>
-              <a:t>It </a:t>
-            </a:r>
-            <a:r>
-              <a:rPr lang="en-US" sz="1200" dirty="0" smtClean="0">
-                <a:solidFill>
-                  <a:srgbClr val="3C5790"/>
-                </a:solidFill>
-              </a:rPr>
-              <a:t>isolates </a:t>
-            </a:r>
-            <a:r>
-              <a:rPr lang="en-US" sz="1200" dirty="0" smtClean="0">
-                <a:solidFill>
-                  <a:srgbClr val="3C5790"/>
-                </a:solidFill>
-              </a:rPr>
-              <a:t>the file system mount points for a set of processes.</a:t>
-            </a:r>
-          </a:p>
-          <a:p>
-            <a:r>
-              <a:rPr lang="en-US" sz="1400" b="1" dirty="0" err="1" smtClean="0">
+              <a:rPr lang="en-US" sz="1200" dirty="0">
+                <a:solidFill>
+                  <a:srgbClr val="3C5790"/>
+                </a:solidFill>
+              </a:rPr>
+              <a:t>It isolates the file system mount points for a set of processes.</a:t>
+            </a:r>
+          </a:p>
+          <a:p>
+            <a:r>
+              <a:rPr lang="en-US" sz="1400" b="1" dirty="0" err="1">
                 <a:solidFill>
                   <a:srgbClr val="3C5790"/>
                 </a:solidFill>
@@ -4359,26 +4301,18 @@
               <a:t>Uts</a:t>
             </a:r>
             <a:r>
-              <a:rPr lang="en-US" sz="1400" b="1" dirty="0" smtClean="0">
-                <a:solidFill>
-                  <a:srgbClr val="3C5790"/>
-                </a:solidFill>
-              </a:rPr>
-              <a:t> </a:t>
-            </a:r>
-            <a:r>
-              <a:rPr lang="en-US" sz="1400" b="1" dirty="0" smtClean="0">
-                <a:solidFill>
-                  <a:srgbClr val="3C5790"/>
-                </a:solidFill>
-              </a:rPr>
-              <a:t>namespace</a:t>
+              <a:rPr lang="en-US" sz="1400" b="1" dirty="0">
+                <a:solidFill>
+                  <a:srgbClr val="3C5790"/>
+                </a:solidFill>
+              </a:rPr>
+              <a:t> namespace</a:t>
             </a:r>
           </a:p>
           <a:p>
             <a:pPr lvl="1"/>
             <a:r>
-              <a:rPr lang="en-US" sz="1200" dirty="0" smtClean="0">
+              <a:rPr lang="en-US" sz="1200" dirty="0">
                 <a:solidFill>
                   <a:srgbClr val="3C5790"/>
                 </a:solidFill>
@@ -4388,26 +4322,18 @@
           </a:p>
           <a:p>
             <a:r>
-              <a:rPr lang="en-US" sz="1400" b="1" dirty="0" smtClean="0">
-                <a:solidFill>
-                  <a:srgbClr val="3C5790"/>
-                </a:solidFill>
-              </a:rPr>
-              <a:t>User </a:t>
-            </a:r>
-            <a:r>
-              <a:rPr lang="en-US" sz="1400" b="1" dirty="0" smtClean="0">
-                <a:solidFill>
-                  <a:srgbClr val="3C5790"/>
-                </a:solidFill>
-              </a:rPr>
-              <a:t>namespace</a:t>
+              <a:rPr lang="en-US" sz="1400" b="1" dirty="0">
+                <a:solidFill>
+                  <a:srgbClr val="3C5790"/>
+                </a:solidFill>
+              </a:rPr>
+              <a:t>User namespace</a:t>
             </a:r>
           </a:p>
           <a:p>
             <a:pPr lvl="1"/>
             <a:r>
-              <a:rPr lang="en-US" sz="1200" dirty="0" smtClean="0">
+              <a:rPr lang="en-US" sz="1200" dirty="0">
                 <a:solidFill>
                   <a:srgbClr val="3C5790"/>
                 </a:solidFill>
@@ -4418,22 +4344,14 @@
           <a:p>
             <a:pPr lvl="1"/>
             <a:r>
-              <a:rPr lang="en-US" sz="1200" dirty="0" smtClean="0">
-                <a:solidFill>
-                  <a:srgbClr val="3C5790"/>
-                </a:solidFill>
-              </a:rPr>
-              <a:t>User namespace allows per-namespace mappings of user and group IDS</a:t>
-            </a:r>
-            <a:r>
-              <a:rPr lang="en-US" sz="1200" dirty="0" smtClean="0">
-                <a:solidFill>
-                  <a:srgbClr val="3C5790"/>
-                </a:solidFill>
-              </a:rPr>
-              <a:t>.</a:t>
-            </a:r>
-            <a:endParaRPr lang="ro-RO" sz="1200" dirty="0" smtClean="0">
+              <a:rPr lang="en-US" sz="1200" dirty="0">
+                <a:solidFill>
+                  <a:srgbClr val="3C5790"/>
+                </a:solidFill>
+              </a:rPr>
+              <a:t>User namespace allows per-namespace mappings of user and group IDS.</a:t>
+            </a:r>
+            <a:endParaRPr lang="ro-RO" sz="1200" dirty="0">
               <a:solidFill>
                 <a:srgbClr val="3C5790"/>
               </a:solidFill>
@@ -4441,7 +4359,7 @@
           </a:p>
           <a:p>
             <a:r>
-              <a:rPr lang="en-US" sz="1400" b="1" dirty="0" err="1" smtClean="0">
+              <a:rPr lang="en-US" sz="1400" b="1" dirty="0" err="1">
                 <a:solidFill>
                   <a:srgbClr val="3C5790"/>
                 </a:solidFill>
@@ -4449,7 +4367,7 @@
               <a:t>Cgroups</a:t>
             </a:r>
             <a:r>
-              <a:rPr lang="en-US" sz="1400" b="1" dirty="0" smtClean="0">
+              <a:rPr lang="en-US" sz="1400" b="1" dirty="0">
                 <a:solidFill>
                   <a:srgbClr val="3C5790"/>
                 </a:solidFill>
@@ -4457,7 +4375,7 @@
               <a:t>(control groups) </a:t>
             </a:r>
             <a:r>
-              <a:rPr lang="en-US" sz="1400" dirty="0" smtClean="0">
+              <a:rPr lang="en-US" sz="1400" dirty="0">
                 <a:solidFill>
                   <a:srgbClr val="3C5790"/>
                 </a:solidFill>
@@ -4467,7 +4385,7 @@
           </a:p>
           <a:p>
             <a:r>
-              <a:rPr lang="en-US" sz="1400" dirty="0" smtClean="0">
+              <a:rPr lang="en-US" sz="1400" dirty="0">
                 <a:solidFill>
                   <a:srgbClr val="3C5790"/>
                 </a:solidFill>
@@ -4477,14 +4395,14 @@
           </a:p>
           <a:p>
             <a:r>
-              <a:rPr lang="en-US" sz="1400" dirty="0" smtClean="0">
+              <a:rPr lang="en-US" sz="1400" dirty="0">
                 <a:solidFill>
                   <a:srgbClr val="3C5790"/>
                 </a:solidFill>
               </a:rPr>
               <a:t>Linux container is basically a process or a set of processes than can run in an isolated environment on the host system.</a:t>
             </a:r>
-            <a:endParaRPr lang="en-US" sz="1200" dirty="0" smtClean="0">
+            <a:endParaRPr lang="en-US" sz="1200" dirty="0">
               <a:solidFill>
                 <a:srgbClr val="3C5790"/>
               </a:solidFill>
@@ -4497,13 +4415,6 @@
   <p:clrMapOvr>
     <a:masterClrMapping/>
   </p:clrMapOvr>
-  <p:timing>
-    <p:tnLst>
-      <p:par>
-        <p:cTn id="1" dur="indefinite" restart="never" nodeType="tmRoot"/>
-      </p:par>
-    </p:tnLst>
-  </p:timing>
 </p:sld>
 </file>
 
@@ -4552,14 +4463,14 @@
           <a:lstStyle/>
           <a:p>
             <a:r>
-              <a:rPr lang="ro-RO" dirty="0" smtClean="0">
+              <a:rPr lang="ro-RO" dirty="0">
                 <a:solidFill>
                   <a:schemeClr val="bg1"/>
                 </a:solidFill>
               </a:rPr>
               <a:t>Linux Containers (cont.)</a:t>
             </a:r>
-            <a:endParaRPr lang="fr-CA" dirty="0" smtClean="0">
+            <a:endParaRPr lang="fr-CA" dirty="0">
               <a:solidFill>
                 <a:schemeClr val="bg1"/>
               </a:solidFill>
@@ -4604,13 +4515,6 @@
   <p:clrMapOvr>
     <a:masterClrMapping/>
   </p:clrMapOvr>
-  <p:timing>
-    <p:tnLst>
-      <p:par>
-        <p:cTn id="1" dur="indefinite" restart="never" nodeType="tmRoot"/>
-      </p:par>
-    </p:tnLst>
-  </p:timing>
 </p:sld>
 </file>
 
@@ -4659,14 +4563,14 @@
           <a:lstStyle/>
           <a:p>
             <a:r>
-              <a:rPr lang="ro-RO" dirty="0" smtClean="0">
+              <a:rPr lang="ro-RO" dirty="0">
                 <a:solidFill>
                   <a:schemeClr val="bg1"/>
                 </a:solidFill>
               </a:rPr>
               <a:t>Copy on Write</a:t>
             </a:r>
-            <a:endParaRPr lang="fr-CA" dirty="0" smtClean="0">
+            <a:endParaRPr lang="fr-CA" dirty="0">
               <a:solidFill>
                 <a:schemeClr val="bg1"/>
               </a:solidFill>
@@ -4695,33 +4599,17 @@
           <a:lstStyle/>
           <a:p>
             <a:r>
-              <a:rPr lang="en-US" sz="1400" dirty="0" smtClean="0">
-                <a:solidFill>
-                  <a:srgbClr val="3C5790"/>
-                </a:solidFill>
-              </a:rPr>
-              <a:t>All new data is </a:t>
-            </a:r>
-            <a:r>
-              <a:rPr lang="en-US" sz="1400" dirty="0" smtClean="0">
-                <a:solidFill>
-                  <a:srgbClr val="3C5790"/>
-                </a:solidFill>
-              </a:rPr>
-              <a:t>overwritten </a:t>
-            </a:r>
-            <a:r>
-              <a:rPr lang="en-US" sz="1400" dirty="0" smtClean="0">
-                <a:solidFill>
-                  <a:srgbClr val="3C5790"/>
-                </a:solidFill>
-              </a:rPr>
-              <a:t>on top of existing data and creates a new copy.</a:t>
-            </a:r>
-          </a:p>
-          <a:p>
-            <a:r>
-              <a:rPr lang="en-US" sz="1400" dirty="0" smtClean="0">
+              <a:rPr lang="en-US" sz="1400" dirty="0">
+                <a:solidFill>
+                  <a:srgbClr val="3C5790"/>
+                </a:solidFill>
+              </a:rPr>
+              <a:t>All new data is overwritten on top of existing data and creates a new copy.</a:t>
+            </a:r>
+          </a:p>
+          <a:p>
+            <a:r>
+              <a:rPr lang="en-US" sz="1400" dirty="0">
                 <a:solidFill>
                   <a:srgbClr val="3C5790"/>
                 </a:solidFill>
@@ -4731,30 +4619,17 @@
           </a:p>
           <a:p>
             <a:r>
-              <a:rPr lang="en-US" sz="1400" dirty="0" smtClean="0">
-                <a:solidFill>
-                  <a:srgbClr val="3C5790"/>
-                </a:solidFill>
-              </a:rPr>
-              <a:t>Instead its updating using the existing unused blocks in the disk using copy on write functionality(COW</a:t>
-            </a:r>
-            <a:r>
-              <a:rPr lang="en-US" sz="1400" dirty="0" smtClean="0">
-                <a:solidFill>
-                  <a:srgbClr val="3C5790"/>
-                </a:solidFill>
-              </a:rPr>
-              <a:t>).</a:t>
-            </a:r>
-            <a:endParaRPr lang="en-US" sz="1400" dirty="0" smtClean="0">
-              <a:solidFill>
-                <a:srgbClr val="3C5790"/>
-              </a:solidFill>
-            </a:endParaRPr>
-          </a:p>
-          <a:p>
-            <a:r>
-              <a:rPr lang="en-US" sz="1400" dirty="0" smtClean="0">
+              <a:rPr lang="en-US" sz="1400" dirty="0">
+                <a:solidFill>
+                  <a:srgbClr val="3C5790"/>
+                </a:solidFill>
+              </a:rPr>
+              <a:t>Instead its updating using the existing unused blocks in the disk using copy on write functionality(COW).</a:t>
+            </a:r>
+          </a:p>
+          <a:p>
+            <a:r>
+              <a:rPr lang="en-US" sz="1400" dirty="0">
                 <a:solidFill>
                   <a:srgbClr val="3C5790"/>
                 </a:solidFill>
@@ -4764,23 +4639,15 @@
           </a:p>
           <a:p>
             <a:r>
-              <a:rPr lang="en-US" sz="1400" dirty="0" smtClean="0">
-                <a:solidFill>
-                  <a:srgbClr val="3C5790"/>
-                </a:solidFill>
-              </a:rPr>
-              <a:t>Once the modification is complete, the pointers to original data remain unmodified and there will be new set of </a:t>
-            </a:r>
-            <a:r>
-              <a:rPr lang="en-US" sz="1400" dirty="0" smtClean="0">
-                <a:solidFill>
-                  <a:srgbClr val="3C5790"/>
-                </a:solidFill>
-              </a:rPr>
-              <a:t>pointers,</a:t>
-            </a:r>
-            <a:r>
-              <a:rPr lang="ro-RO" sz="1400" dirty="0" smtClean="0">
+              <a:rPr lang="en-US" sz="1400" dirty="0">
+                <a:solidFill>
+                  <a:srgbClr val="3C5790"/>
+                </a:solidFill>
+              </a:rPr>
+              <a:t>Once the modification is complete, the pointers to original data remain unmodified and there will be new set of pointers,</a:t>
+            </a:r>
+            <a:r>
+              <a:rPr lang="ro-RO" sz="1400" dirty="0">
                 <a:solidFill>
                   <a:srgbClr val="3C5790"/>
                 </a:solidFill>
@@ -4788,23 +4655,15 @@
               <a:t> </a:t>
             </a:r>
             <a:r>
-              <a:rPr lang="en-US" sz="1400" dirty="0" smtClean="0">
-                <a:solidFill>
-                  <a:srgbClr val="3C5790"/>
-                </a:solidFill>
-              </a:rPr>
-              <a:t>blocks </a:t>
-            </a:r>
-            <a:r>
-              <a:rPr lang="en-US" sz="1400" dirty="0" smtClean="0">
-                <a:solidFill>
-                  <a:srgbClr val="3C5790"/>
-                </a:solidFill>
-              </a:rPr>
-              <a:t>and </a:t>
-            </a:r>
-            <a:r>
-              <a:rPr lang="en-US" sz="1400" dirty="0" err="1" smtClean="0">
+              <a:rPr lang="en-US" sz="1400" dirty="0">
+                <a:solidFill>
+                  <a:srgbClr val="3C5790"/>
+                </a:solidFill>
+              </a:rPr>
+              <a:t>blocks and </a:t>
+            </a:r>
+            <a:r>
+              <a:rPr lang="en-US" sz="1400" dirty="0" err="1">
                 <a:solidFill>
                   <a:srgbClr val="3C5790"/>
                 </a:solidFill>
@@ -4812,14 +4671,14 @@
               <a:t>innode</a:t>
             </a:r>
             <a:r>
-              <a:rPr lang="en-US" sz="1400" dirty="0" smtClean="0">
+              <a:rPr lang="en-US" sz="1400" dirty="0">
                 <a:solidFill>
                   <a:srgbClr val="3C5790"/>
                 </a:solidFill>
               </a:rPr>
               <a:t> for the updated data</a:t>
             </a:r>
-            <a:endParaRPr lang="en-US" sz="1200" dirty="0" smtClean="0">
+            <a:endParaRPr lang="en-US" sz="1200" dirty="0">
               <a:solidFill>
                 <a:srgbClr val="3C5790"/>
               </a:solidFill>
@@ -4864,13 +4723,6 @@
   <p:clrMapOvr>
     <a:masterClrMapping/>
   </p:clrMapOvr>
-  <p:timing>
-    <p:tnLst>
-      <p:par>
-        <p:cTn id="1" dur="indefinite" restart="never" nodeType="tmRoot"/>
-      </p:par>
-    </p:tnLst>
-  </p:timing>
 </p:sld>
 </file>
 
@@ -4919,14 +4771,14 @@
           <a:lstStyle/>
           <a:p>
             <a:r>
-              <a:rPr lang="ro-RO" dirty="0" smtClean="0">
+              <a:rPr lang="ro-RO" dirty="0">
                 <a:solidFill>
                   <a:schemeClr val="bg1"/>
                 </a:solidFill>
               </a:rPr>
               <a:t>Copy on Write (cont.)</a:t>
             </a:r>
-            <a:endParaRPr lang="fr-CA" dirty="0" smtClean="0">
+            <a:endParaRPr lang="fr-CA" dirty="0">
               <a:solidFill>
                 <a:schemeClr val="bg1"/>
               </a:solidFill>
@@ -4955,7 +4807,7 @@
           <a:lstStyle/>
           <a:p>
             <a:r>
-              <a:rPr lang="en-US" sz="1400" dirty="0" smtClean="0">
+              <a:rPr lang="en-US" sz="1400" dirty="0">
                 <a:solidFill>
                   <a:srgbClr val="3C5790"/>
                 </a:solidFill>
@@ -4963,7 +4815,7 @@
               <a:t>One of the file systems used by </a:t>
             </a:r>
             <a:r>
-              <a:rPr lang="en-US" sz="1400" dirty="0" err="1" smtClean="0">
+              <a:rPr lang="en-US" sz="1400" dirty="0" err="1">
                 <a:solidFill>
                   <a:srgbClr val="3C5790"/>
                 </a:solidFill>
@@ -4971,7 +4823,7 @@
               <a:t>Docker</a:t>
             </a:r>
             <a:r>
-              <a:rPr lang="en-US" sz="1400" dirty="0" smtClean="0">
+              <a:rPr lang="en-US" sz="1400" dirty="0">
                 <a:solidFill>
                   <a:srgbClr val="3C5790"/>
                 </a:solidFill>
@@ -4981,56 +4833,27 @@
           </a:p>
           <a:p>
             <a:r>
-              <a:rPr lang="en-US" sz="1400" dirty="0" smtClean="0">
-                <a:solidFill>
-                  <a:srgbClr val="3C5790"/>
-                </a:solidFill>
-              </a:rPr>
-              <a:t>Resources are handles using Copy on Write (COW) when same data is utilized by multiple tasks</a:t>
-            </a:r>
-            <a:r>
-              <a:rPr lang="en-US" sz="1400" dirty="0" smtClean="0">
-                <a:solidFill>
-                  <a:srgbClr val="3C5790"/>
-                </a:solidFill>
-              </a:rPr>
-              <a:t>.</a:t>
-            </a:r>
-            <a:endParaRPr lang="en-US" sz="1400" dirty="0" smtClean="0">
-              <a:solidFill>
-                <a:srgbClr val="3C5790"/>
-              </a:solidFill>
-            </a:endParaRPr>
-          </a:p>
-          <a:p>
-            <a:r>
-              <a:rPr lang="en-US" sz="1400" dirty="0" smtClean="0">
-                <a:solidFill>
-                  <a:srgbClr val="3C5790"/>
-                </a:solidFill>
-              </a:rPr>
-              <a:t>BTRFS uses the file system level </a:t>
-            </a:r>
-            <a:r>
-              <a:rPr lang="en-US" sz="1400" dirty="0" smtClean="0">
-                <a:solidFill>
-                  <a:srgbClr val="3C5790"/>
-                </a:solidFill>
-              </a:rPr>
-              <a:t>snapshot ting </a:t>
-            </a:r>
-            <a:r>
-              <a:rPr lang="en-US" sz="1400" dirty="0" smtClean="0">
-                <a:solidFill>
-                  <a:srgbClr val="3C5790"/>
-                </a:solidFill>
-              </a:rPr>
-              <a:t>to implement layers. </a:t>
-            </a:r>
-          </a:p>
-          <a:p>
-            <a:r>
-              <a:rPr lang="en-US" sz="1400" dirty="0" smtClean="0">
+              <a:rPr lang="en-US" sz="1400" dirty="0">
+                <a:solidFill>
+                  <a:srgbClr val="3C5790"/>
+                </a:solidFill>
+              </a:rPr>
+              <a:t>Resources are handles using Copy on Write (COW) when same data is utilized by multiple tasks.</a:t>
+            </a:r>
+          </a:p>
+          <a:p>
+            <a:r>
+              <a:rPr lang="en-US" sz="1400" dirty="0">
+                <a:solidFill>
+                  <a:srgbClr val="3C5790"/>
+                </a:solidFill>
+              </a:rPr>
+              <a:t>BTRFS uses the file system level snapshot ting to implement layers. </a:t>
+            </a:r>
+          </a:p>
+          <a:p>
+            <a:r>
+              <a:rPr lang="en-US" sz="1400" dirty="0">
                 <a:solidFill>
                   <a:srgbClr val="3C5790"/>
                 </a:solidFill>
@@ -5040,14 +4863,14 @@
           </a:p>
           <a:p>
             <a:r>
-              <a:rPr lang="en-US" sz="1400" dirty="0" smtClean="0">
+              <a:rPr lang="en-US" sz="1400" dirty="0">
                 <a:solidFill>
                   <a:srgbClr val="3C5790"/>
                 </a:solidFill>
               </a:rPr>
               <a:t>Whenever a snapshot is created, the metadata associated with the original data is stored as a copy.</a:t>
             </a:r>
-            <a:endParaRPr lang="en-US" sz="1200" dirty="0" smtClean="0">
+            <a:endParaRPr lang="en-US" sz="1200" dirty="0">
               <a:solidFill>
                 <a:srgbClr val="3C5790"/>
               </a:solidFill>
@@ -5092,13 +4915,6 @@
   <p:clrMapOvr>
     <a:masterClrMapping/>
   </p:clrMapOvr>
-  <p:timing>
-    <p:tnLst>
-      <p:par>
-        <p:cTn id="1" dur="indefinite" restart="never" nodeType="tmRoot"/>
-      </p:par>
-    </p:tnLst>
-  </p:timing>
 </p:sld>
 </file>
 
@@ -5153,14 +4969,14 @@
           <a:p>
             <a:pPr lvl="1"/>
             <a:r>
-              <a:rPr lang="ro-RO" dirty="0" smtClean="0">
+              <a:rPr lang="ro-RO" dirty="0">
                 <a:solidFill>
                   <a:schemeClr val="bg1"/>
                 </a:solidFill>
               </a:rPr>
               <a:t>Features</a:t>
             </a:r>
-            <a:endParaRPr lang="fr-CA" dirty="0" smtClean="0">
+            <a:endParaRPr lang="fr-CA" dirty="0">
               <a:solidFill>
                 <a:schemeClr val="bg1"/>
               </a:solidFill>
@@ -5189,7 +5005,7 @@
           <a:lstStyle/>
           <a:p>
             <a:r>
-              <a:rPr lang="en-US" sz="1400" b="1" dirty="0" smtClean="0">
+              <a:rPr lang="en-US" sz="1400" b="1" dirty="0">
                 <a:solidFill>
                   <a:srgbClr val="3C5790"/>
                 </a:solidFill>
@@ -5197,7 +5013,7 @@
               <a:t>Portable Deployments</a:t>
             </a:r>
             <a:r>
-              <a:rPr lang="en-US" sz="1400" dirty="0" smtClean="0">
+              <a:rPr lang="en-US" sz="1400" dirty="0">
                 <a:solidFill>
                   <a:srgbClr val="3C5790"/>
                 </a:solidFill>
@@ -5208,7 +5024,7 @@
           <a:p>
             <a:pPr lvl="1"/>
             <a:r>
-              <a:rPr lang="en-US" sz="1200" dirty="0" smtClean="0">
+              <a:rPr lang="en-US" sz="1200" dirty="0">
                 <a:solidFill>
                   <a:srgbClr val="3C5790"/>
                 </a:solidFill>
@@ -5218,7 +5034,7 @@
           </a:p>
           <a:p>
             <a:r>
-              <a:rPr lang="en-US" sz="1400" b="1" dirty="0" smtClean="0">
+              <a:rPr lang="en-US" sz="1400" b="1" dirty="0">
                 <a:solidFill>
                   <a:srgbClr val="3C5790"/>
                 </a:solidFill>
@@ -5229,7 +5045,7 @@
           <a:p>
             <a:pPr lvl="1"/>
             <a:r>
-              <a:rPr lang="en-US" sz="1200" dirty="0" err="1" smtClean="0">
+              <a:rPr lang="en-US" sz="1200" dirty="0" err="1">
                 <a:solidFill>
                   <a:srgbClr val="3C5790"/>
                 </a:solidFill>
@@ -5237,7 +5053,7 @@
               <a:t>Docker</a:t>
             </a:r>
             <a:r>
-              <a:rPr lang="en-US" sz="1200" dirty="0" smtClean="0">
+              <a:rPr lang="en-US" sz="1200" dirty="0">
                 <a:solidFill>
                   <a:srgbClr val="3C5790"/>
                 </a:solidFill>
@@ -5248,14 +5064,14 @@
           <a:p>
             <a:pPr lvl="1"/>
             <a:r>
-              <a:rPr lang="en-US" sz="1200" dirty="0" smtClean="0">
+              <a:rPr lang="en-US" sz="1200" dirty="0">
                 <a:solidFill>
                   <a:srgbClr val="3C5790"/>
                 </a:solidFill>
               </a:rPr>
               <a:t>Containers can be deployed on cloud environments, desktops, on premise datacenters, physical servers and so on.</a:t>
             </a:r>
-            <a:endParaRPr lang="ro-RO" sz="1200" dirty="0" smtClean="0">
+            <a:endParaRPr lang="ro-RO" sz="1200" dirty="0">
               <a:solidFill>
                 <a:srgbClr val="3C5790"/>
               </a:solidFill>
@@ -5263,23 +5079,15 @@
           </a:p>
           <a:p>
             <a:r>
-              <a:rPr lang="en-US" sz="1400" b="1" dirty="0" smtClean="0">
-                <a:solidFill>
-                  <a:srgbClr val="3C5790"/>
-                </a:solidFill>
-              </a:rPr>
-              <a:t>Fast </a:t>
-            </a:r>
-            <a:r>
-              <a:rPr lang="en-US" sz="1400" b="1" dirty="0" smtClean="0">
-                <a:solidFill>
-                  <a:srgbClr val="3C5790"/>
-                </a:solidFill>
-              </a:rPr>
-              <a:t>application delivery</a:t>
-            </a:r>
-            <a:r>
-              <a:rPr lang="en-US" sz="1400" dirty="0" smtClean="0">
+              <a:rPr lang="en-US" sz="1400" b="1" dirty="0">
+                <a:solidFill>
+                  <a:srgbClr val="3C5790"/>
+                </a:solidFill>
+              </a:rPr>
+              <a:t>Fast application delivery</a:t>
+            </a:r>
+            <a:r>
+              <a:rPr lang="en-US" sz="1400" dirty="0">
                 <a:solidFill>
                   <a:srgbClr val="3C5790"/>
                 </a:solidFill>
@@ -5290,22 +5098,14 @@
           <a:p>
             <a:pPr lvl="1"/>
             <a:r>
-              <a:rPr lang="en-US" sz="1200" dirty="0" smtClean="0">
-                <a:solidFill>
-                  <a:srgbClr val="3C5790"/>
-                </a:solidFill>
-              </a:rPr>
-              <a:t>deploy the applications to production environments really fast</a:t>
-            </a:r>
-            <a:r>
-              <a:rPr lang="en-US" sz="1200" dirty="0" smtClean="0">
-                <a:solidFill>
-                  <a:srgbClr val="3C5790"/>
-                </a:solidFill>
-              </a:rPr>
-              <a:t>.</a:t>
-            </a:r>
-            <a:endParaRPr lang="ro-RO" sz="1200" dirty="0" smtClean="0">
+              <a:rPr lang="en-US" sz="1200" dirty="0">
+                <a:solidFill>
+                  <a:srgbClr val="3C5790"/>
+                </a:solidFill>
+              </a:rPr>
+              <a:t>deploy the applications to production environments really fast.</a:t>
+            </a:r>
+            <a:endParaRPr lang="ro-RO" sz="1200" dirty="0">
               <a:solidFill>
                 <a:srgbClr val="3C5790"/>
               </a:solidFill>
@@ -5350,13 +5150,6 @@
   <p:clrMapOvr>
     <a:masterClrMapping/>
   </p:clrMapOvr>
-  <p:timing>
-    <p:tnLst>
-      <p:par>
-        <p:cTn id="1" dur="indefinite" restart="never" nodeType="tmRoot"/>
-      </p:par>
-    </p:tnLst>
-  </p:timing>
 </p:sld>
 </file>
 
@@ -5411,14 +5204,14 @@
           <a:p>
             <a:pPr lvl="1"/>
             <a:r>
-              <a:rPr lang="ro-RO" dirty="0" smtClean="0">
+              <a:rPr lang="ro-RO" dirty="0">
                 <a:solidFill>
                   <a:schemeClr val="bg1"/>
                 </a:solidFill>
               </a:rPr>
               <a:t>Features (cont.)</a:t>
             </a:r>
-            <a:endParaRPr lang="fr-CA" dirty="0" smtClean="0">
+            <a:endParaRPr lang="fr-CA" dirty="0">
               <a:solidFill>
                 <a:schemeClr val="bg1"/>
               </a:solidFill>
@@ -5479,7 +5272,7 @@
           <a:lstStyle/>
           <a:p>
             <a:r>
-              <a:rPr lang="en-US" sz="1400" dirty="0" smtClean="0">
+              <a:rPr lang="en-US" sz="1400" dirty="0">
                 <a:solidFill>
                   <a:srgbClr val="3C5790"/>
                 </a:solidFill>
@@ -5487,7 +5280,7 @@
               <a:t>Images can be searched from </a:t>
             </a:r>
             <a:r>
-              <a:rPr lang="en-US" sz="1400" dirty="0" err="1" smtClean="0">
+              <a:rPr lang="en-US" sz="1400" dirty="0" err="1">
                 <a:solidFill>
                   <a:srgbClr val="3C5790"/>
                 </a:solidFill>
@@ -5495,7 +5288,7 @@
               <a:t>Docker</a:t>
             </a:r>
             <a:r>
-              <a:rPr lang="en-US" sz="1400" dirty="0" smtClean="0">
+              <a:rPr lang="en-US" sz="1400" dirty="0">
                 <a:solidFill>
                   <a:srgbClr val="3C5790"/>
                 </a:solidFill>
@@ -5503,7 +5296,7 @@
               <a:t> client and </a:t>
             </a:r>
             <a:r>
-              <a:rPr lang="en-US" sz="1400" dirty="0" err="1" smtClean="0">
+              <a:rPr lang="en-US" sz="1400" dirty="0" err="1">
                 <a:solidFill>
                   <a:srgbClr val="3C5790"/>
                 </a:solidFill>
@@ -5511,7 +5304,7 @@
               <a:t>Docker</a:t>
             </a:r>
             <a:r>
-              <a:rPr lang="en-US" sz="1400" dirty="0" smtClean="0">
+              <a:rPr lang="en-US" sz="1400" dirty="0">
                 <a:solidFill>
                   <a:srgbClr val="3C5790"/>
                 </a:solidFill>
@@ -5519,7 +5312,7 @@
               <a:t> hub web </a:t>
             </a:r>
             <a:r>
-              <a:rPr lang="en-US" sz="1400" dirty="0" err="1" smtClean="0">
+              <a:rPr lang="en-US" sz="1400" dirty="0" err="1">
                 <a:solidFill>
                   <a:srgbClr val="3C5790"/>
                 </a:solidFill>
@@ -5527,14 +5320,14 @@
               <a:t>ui</a:t>
             </a:r>
             <a:r>
-              <a:rPr lang="en-US" sz="1400" dirty="0" smtClean="0">
+              <a:rPr lang="en-US" sz="1400" dirty="0">
                 <a:solidFill>
                   <a:srgbClr val="3C5790"/>
                 </a:solidFill>
               </a:rPr>
               <a:t>.</a:t>
             </a:r>
-            <a:endParaRPr lang="ro-RO" sz="1200" dirty="0" smtClean="0">
+            <a:endParaRPr lang="ro-RO" sz="1200" dirty="0">
               <a:solidFill>
                 <a:srgbClr val="3C5790"/>
               </a:solidFill>
@@ -5547,13 +5340,6 @@
   <p:clrMapOvr>
     <a:masterClrMapping/>
   </p:clrMapOvr>
-  <p:timing>
-    <p:tnLst>
-      <p:par>
-        <p:cTn id="1" dur="indefinite" restart="never" nodeType="tmRoot"/>
-      </p:par>
-    </p:tnLst>
-  </p:timing>
 </p:sld>
 </file>
 
@@ -5608,7 +5394,7 @@
           <a:p>
             <a:pPr lvl="1"/>
             <a:r>
-              <a:rPr lang="en-US" dirty="0" smtClean="0">
+              <a:rPr lang="en-US" dirty="0">
                 <a:solidFill>
                   <a:schemeClr val="bg1"/>
                 </a:solidFill>
@@ -5616,14 +5402,14 @@
               <a:t>Co</a:t>
             </a:r>
             <a:r>
-              <a:rPr lang="ro-RO" dirty="0" smtClean="0">
+              <a:rPr lang="ro-RO" dirty="0">
                 <a:solidFill>
                   <a:schemeClr val="bg1"/>
                 </a:solidFill>
               </a:rPr>
               <a:t>re</a:t>
             </a:r>
-            <a:endParaRPr lang="fr-CA" dirty="0" smtClean="0">
+            <a:endParaRPr lang="fr-CA" dirty="0">
               <a:solidFill>
                 <a:schemeClr val="bg1"/>
               </a:solidFill>
@@ -5652,7 +5438,7 @@
           <a:lstStyle/>
           <a:p>
             <a:r>
-              <a:rPr lang="en-US" sz="1400" dirty="0" err="1" smtClean="0">
+              <a:rPr lang="en-US" sz="1400" dirty="0" err="1">
                 <a:solidFill>
                   <a:srgbClr val="3C5790"/>
                 </a:solidFill>
@@ -5660,7 +5446,7 @@
               <a:t>Docker</a:t>
             </a:r>
             <a:r>
-              <a:rPr lang="en-US" sz="1400" dirty="0" smtClean="0">
+              <a:rPr lang="en-US" sz="1400" dirty="0">
                 <a:solidFill>
                   <a:srgbClr val="3C5790"/>
                 </a:solidFill>
@@ -5670,7 +5456,7 @@
           </a:p>
           <a:p>
             <a:r>
-              <a:rPr lang="en-US" sz="1400" dirty="0" smtClean="0">
+              <a:rPr lang="en-US" sz="1400" dirty="0">
                 <a:solidFill>
                   <a:srgbClr val="3C5790"/>
                 </a:solidFill>
@@ -5678,7 +5464,7 @@
               <a:t>A developer can install and configure an application in </a:t>
             </a:r>
             <a:r>
-              <a:rPr lang="en-US" sz="1400" dirty="0" err="1" smtClean="0">
+              <a:rPr lang="en-US" sz="1400" dirty="0" err="1">
                 <a:solidFill>
                   <a:srgbClr val="3C5790"/>
                 </a:solidFill>
@@ -5686,7 +5472,7 @@
               <a:t>Docker</a:t>
             </a:r>
             <a:r>
-              <a:rPr lang="en-US" sz="1400" dirty="0" smtClean="0">
+              <a:rPr lang="en-US" sz="1400" dirty="0">
                 <a:solidFill>
                   <a:srgbClr val="3C5790"/>
                 </a:solidFill>
@@ -5694,7 +5480,7 @@
               <a:t> container, pass it on to an ops person and he can deploy it on to any server running </a:t>
             </a:r>
             <a:r>
-              <a:rPr lang="en-US" sz="1400" dirty="0" err="1" smtClean="0">
+              <a:rPr lang="en-US" sz="1400" dirty="0" err="1">
                 <a:solidFill>
                   <a:srgbClr val="3C5790"/>
                 </a:solidFill>
@@ -5702,7 +5488,7 @@
               <a:t>Docker</a:t>
             </a:r>
             <a:r>
-              <a:rPr lang="en-US" sz="1400" dirty="0" smtClean="0">
+              <a:rPr lang="en-US" sz="1400" dirty="0">
                 <a:solidFill>
                   <a:srgbClr val="3C5790"/>
                 </a:solidFill>
@@ -5712,7 +5498,7 @@
           </a:p>
           <a:p>
             <a:r>
-              <a:rPr lang="en-US" sz="1400" dirty="0" smtClean="0">
+              <a:rPr lang="en-US" sz="1400" dirty="0">
                 <a:solidFill>
                   <a:srgbClr val="3C5790"/>
                 </a:solidFill>
@@ -5722,7 +5508,7 @@
           </a:p>
           <a:p>
             <a:r>
-              <a:rPr lang="en-US" sz="1400" dirty="0" err="1" smtClean="0">
+              <a:rPr lang="en-US" sz="1400" dirty="0" err="1">
                 <a:solidFill>
                   <a:srgbClr val="3C5790"/>
                 </a:solidFill>
@@ -5730,7 +5516,7 @@
               <a:t>Docker</a:t>
             </a:r>
             <a:r>
-              <a:rPr lang="en-US" sz="1400" dirty="0" smtClean="0">
+              <a:rPr lang="en-US" sz="1400" dirty="0">
                 <a:solidFill>
                   <a:srgbClr val="3C5790"/>
                 </a:solidFill>
@@ -5738,7 +5524,7 @@
               <a:t> Inc operates the </a:t>
             </a:r>
             <a:r>
-              <a:rPr lang="en-US" sz="1400" dirty="0" err="1" smtClean="0">
+              <a:rPr lang="en-US" sz="1400" dirty="0" err="1">
                 <a:solidFill>
                   <a:srgbClr val="3C5790"/>
                 </a:solidFill>
@@ -5746,18 +5532,13 @@
               <a:t>Docker</a:t>
             </a:r>
             <a:r>
-              <a:rPr lang="en-US" sz="1400" dirty="0" smtClean="0">
+              <a:rPr lang="en-US" sz="1400" dirty="0">
                 <a:solidFill>
                   <a:srgbClr val="3C5790"/>
                 </a:solidFill>
               </a:rPr>
               <a:t> Hub public registry, which hosts official repositories for a variety of operating systems, middleware and databases.</a:t>
             </a:r>
-            <a:endParaRPr lang="en-US" sz="1400" dirty="0" smtClean="0">
-              <a:solidFill>
-                <a:srgbClr val="3C5790"/>
-              </a:solidFill>
-            </a:endParaRPr>
           </a:p>
         </p:txBody>
       </p:sp>
@@ -5766,13 +5547,6 @@
   <p:clrMapOvr>
     <a:masterClrMapping/>
   </p:clrMapOvr>
-  <p:timing>
-    <p:tnLst>
-      <p:par>
-        <p:cTn id="1" dur="indefinite" restart="never" nodeType="tmRoot"/>
-      </p:par>
-    </p:tnLst>
-  </p:timing>
 </p:sld>
 </file>
 
@@ -5827,7 +5601,7 @@
           <a:p>
             <a:pPr lvl="1"/>
             <a:r>
-              <a:rPr lang="en-US" dirty="0" smtClean="0">
+              <a:rPr lang="en-US" dirty="0">
                 <a:solidFill>
                   <a:schemeClr val="bg1"/>
                 </a:solidFill>
@@ -5835,14 +5609,14 @@
               <a:t>Co</a:t>
             </a:r>
             <a:r>
-              <a:rPr lang="ro-RO" dirty="0" smtClean="0">
+              <a:rPr lang="ro-RO" dirty="0">
                 <a:solidFill>
                   <a:schemeClr val="bg1"/>
                 </a:solidFill>
               </a:rPr>
               <a:t>re (cont.)</a:t>
             </a:r>
-            <a:endParaRPr lang="fr-CA" dirty="0" smtClean="0">
+            <a:endParaRPr lang="fr-CA" dirty="0">
               <a:solidFill>
                 <a:schemeClr val="bg1"/>
               </a:solidFill>
@@ -5871,31 +5645,15 @@
           <a:lstStyle/>
           <a:p>
             <a:r>
-              <a:rPr lang="en-US" sz="1400" dirty="0" smtClean="0">
-                <a:solidFill>
-                  <a:srgbClr val="3C5790"/>
-                </a:solidFill>
-              </a:rPr>
-              <a:t>There are two </a:t>
-            </a:r>
-            <a:r>
-              <a:rPr lang="en-US" sz="1400" dirty="0" smtClean="0">
-                <a:solidFill>
-                  <a:srgbClr val="3C5790"/>
-                </a:solidFill>
-              </a:rPr>
-              <a:t>ways </a:t>
-            </a:r>
-            <a:r>
-              <a:rPr lang="en-US" sz="1400" dirty="0" smtClean="0">
-                <a:solidFill>
-                  <a:srgbClr val="3C5790"/>
-                </a:solidFill>
-              </a:rPr>
-              <a:t>to create application packages for containers </a:t>
-            </a:r>
-            <a:r>
-              <a:rPr lang="en-US" sz="1400" b="1" dirty="0" smtClean="0">
+              <a:rPr lang="en-US" sz="1400" dirty="0">
+                <a:solidFill>
+                  <a:srgbClr val="3C5790"/>
+                </a:solidFill>
+              </a:rPr>
+              <a:t>There are two ways to create application packages for containers </a:t>
+            </a:r>
+            <a:r>
+              <a:rPr lang="en-US" sz="1400" b="1" dirty="0">
                 <a:solidFill>
                   <a:srgbClr val="3C5790"/>
                 </a:solidFill>
@@ -5903,7 +5661,7 @@
               <a:t>Manual</a:t>
             </a:r>
             <a:r>
-              <a:rPr lang="en-US" sz="1400" dirty="0" smtClean="0">
+              <a:rPr lang="en-US" sz="1400" dirty="0">
                 <a:solidFill>
                   <a:srgbClr val="3C5790"/>
                 </a:solidFill>
@@ -5911,7 +5669,7 @@
               <a:t> and </a:t>
             </a:r>
             <a:r>
-              <a:rPr lang="en-US" sz="1400" b="1" dirty="0" err="1" smtClean="0">
+              <a:rPr lang="en-US" sz="1400" b="1" dirty="0" err="1">
                 <a:solidFill>
                   <a:srgbClr val="3C5790"/>
                 </a:solidFill>
@@ -5919,14 +5677,14 @@
               <a:t>Dockerfile</a:t>
             </a:r>
             <a:r>
-              <a:rPr lang="en-US" sz="1400" dirty="0" smtClean="0">
+              <a:rPr lang="en-US" sz="1400" dirty="0">
                 <a:solidFill>
                   <a:srgbClr val="3C5790"/>
                 </a:solidFill>
               </a:rPr>
               <a:t>.</a:t>
             </a:r>
-            <a:endParaRPr lang="ro-RO" sz="1400" dirty="0" smtClean="0">
+            <a:endParaRPr lang="ro-RO" sz="1400" dirty="0">
               <a:solidFill>
                 <a:srgbClr val="3C5790"/>
               </a:solidFill>
@@ -5934,7 +5692,7 @@
           </a:p>
           <a:p>
             <a:r>
-              <a:rPr lang="en-US" sz="1400" b="1" dirty="0" smtClean="0">
+              <a:rPr lang="en-US" sz="1400" b="1" dirty="0">
                 <a:solidFill>
                   <a:srgbClr val="3C5790"/>
                 </a:solidFill>
@@ -5945,7 +5703,7 @@
           <a:p>
             <a:pPr lvl="1"/>
             <a:r>
-              <a:rPr lang="en-US" sz="1200" dirty="0" smtClean="0">
+              <a:rPr lang="en-US" sz="1200" dirty="0">
                 <a:solidFill>
                   <a:srgbClr val="3C5790"/>
                 </a:solidFill>
@@ -5956,7 +5714,7 @@
           <a:p>
             <a:pPr lvl="1"/>
             <a:r>
-              <a:rPr lang="en-US" sz="1200" dirty="0" smtClean="0">
+              <a:rPr lang="en-US" sz="1200" dirty="0">
                 <a:solidFill>
                   <a:srgbClr val="3C5790"/>
                 </a:solidFill>
@@ -5967,7 +5725,7 @@
           <a:p>
             <a:pPr lvl="1"/>
             <a:r>
-              <a:rPr lang="en-US" sz="1200" dirty="0" smtClean="0">
+              <a:rPr lang="en-US" sz="1200" dirty="0">
                 <a:solidFill>
                   <a:srgbClr val="3C5790"/>
                 </a:solidFill>
@@ -5975,7 +5733,7 @@
               <a:t>The container can be exported to a tar file or can be pushed to a registry like </a:t>
             </a:r>
             <a:r>
-              <a:rPr lang="en-US" sz="1200" dirty="0" err="1" smtClean="0">
+              <a:rPr lang="en-US" sz="1200" dirty="0" err="1">
                 <a:solidFill>
                   <a:srgbClr val="3C5790"/>
                 </a:solidFill>
@@ -5983,7 +5741,7 @@
               <a:t>Docker</a:t>
             </a:r>
             <a:r>
-              <a:rPr lang="en-US" sz="1200" dirty="0" smtClean="0">
+              <a:rPr lang="en-US" sz="1200" dirty="0">
                 <a:solidFill>
                   <a:srgbClr val="3C5790"/>
                 </a:solidFill>
@@ -5993,14 +5751,14 @@
           </a:p>
           <a:p>
             <a:r>
-              <a:rPr lang="en-US" sz="1400" b="1" dirty="0" err="1" smtClean="0">
+              <a:rPr lang="en-US" sz="1400" b="1" dirty="0" err="1">
                 <a:solidFill>
                   <a:srgbClr val="3C5790"/>
                 </a:solidFill>
               </a:rPr>
               <a:t>Dockerfile</a:t>
             </a:r>
-            <a:endParaRPr lang="en-US" sz="1400" b="1" dirty="0" smtClean="0">
+            <a:endParaRPr lang="en-US" sz="1400" b="1" dirty="0">
               <a:solidFill>
                 <a:srgbClr val="3C5790"/>
               </a:solidFill>
@@ -6009,7 +5767,7 @@
           <a:p>
             <a:pPr lvl="1"/>
             <a:r>
-              <a:rPr lang="en-US" sz="1200" dirty="0" smtClean="0">
+              <a:rPr lang="en-US" sz="1200" dirty="0">
                 <a:solidFill>
                   <a:srgbClr val="3C5790"/>
                 </a:solidFill>
@@ -6017,7 +5775,7 @@
               <a:t>The </a:t>
             </a:r>
             <a:r>
-              <a:rPr lang="en-US" sz="1200" dirty="0" err="1" smtClean="0">
+              <a:rPr lang="en-US" sz="1200" dirty="0" err="1">
                 <a:solidFill>
                   <a:srgbClr val="3C5790"/>
                 </a:solidFill>
@@ -6025,7 +5783,7 @@
               <a:t>Dockerfile</a:t>
             </a:r>
             <a:r>
-              <a:rPr lang="en-US" sz="1200" dirty="0" smtClean="0">
+              <a:rPr lang="en-US" sz="1200" dirty="0">
                 <a:solidFill>
                   <a:srgbClr val="3C5790"/>
                 </a:solidFill>
@@ -6036,7 +5794,7 @@
           <a:p>
             <a:pPr lvl="1"/>
             <a:r>
-              <a:rPr lang="en-US" sz="1200" dirty="0" smtClean="0">
+              <a:rPr lang="en-US" sz="1200" dirty="0">
                 <a:solidFill>
                   <a:srgbClr val="3C5790"/>
                 </a:solidFill>
@@ -6044,7 +5802,7 @@
               <a:t>The </a:t>
             </a:r>
             <a:r>
-              <a:rPr lang="en-US" sz="1200" dirty="0" err="1" smtClean="0">
+              <a:rPr lang="en-US" sz="1200" dirty="0" err="1">
                 <a:solidFill>
                   <a:srgbClr val="3C5790"/>
                 </a:solidFill>
@@ -6052,29 +5810,21 @@
               <a:t>Dockerfile</a:t>
             </a:r>
             <a:r>
-              <a:rPr lang="en-US" sz="1200" dirty="0" smtClean="0">
-                <a:solidFill>
-                  <a:srgbClr val="3C5790"/>
-                </a:solidFill>
-              </a:rPr>
-              <a:t> also can specify other aspects of configuration of a container such as ports, default commands to be run on startup, etc</a:t>
-            </a:r>
-            <a:r>
-              <a:rPr lang="en-US" sz="1200" dirty="0" smtClean="0">
-                <a:solidFill>
-                  <a:srgbClr val="3C5790"/>
-                </a:solidFill>
-              </a:rPr>
-              <a:t>.</a:t>
-            </a:r>
-            <a:endParaRPr lang="ro-RO" sz="1200" dirty="0" smtClean="0">
+              <a:rPr lang="en-US" sz="1200" dirty="0">
+                <a:solidFill>
+                  <a:srgbClr val="3C5790"/>
+                </a:solidFill>
+              </a:rPr>
+              <a:t> also can specify other aspects of configuration of a container such as ports, default commands to be run on startup, etc.</a:t>
+            </a:r>
+            <a:endParaRPr lang="ro-RO" sz="1200" dirty="0">
               <a:solidFill>
                 <a:srgbClr val="3C5790"/>
               </a:solidFill>
             </a:endParaRPr>
           </a:p>
           <a:p>
-            <a:endParaRPr lang="en-US" sz="1400" dirty="0" smtClean="0">
+            <a:endParaRPr lang="en-US" sz="1400" dirty="0">
               <a:solidFill>
                 <a:srgbClr val="3C5790"/>
               </a:solidFill>
@@ -6087,13 +5837,6 @@
   <p:clrMapOvr>
     <a:masterClrMapping/>
   </p:clrMapOvr>
-  <p:timing>
-    <p:tnLst>
-      <p:par>
-        <p:cTn id="1" dur="indefinite" restart="never" nodeType="tmRoot"/>
-      </p:par>
-    </p:tnLst>
-  </p:timing>
 </p:sld>
 </file>
 
@@ -6136,7 +5879,7 @@
           <a:p>
             <a:pPr algn="l"/>
             <a:r>
-              <a:rPr lang="fr-CA" sz="4000" dirty="0" smtClean="0">
+              <a:rPr lang="fr-CA" sz="4000" dirty="0">
                 <a:solidFill>
                   <a:srgbClr val="3C5790"/>
                 </a:solidFill>
@@ -6167,7 +5910,7 @@
           <a:lstStyle/>
           <a:p>
             <a:r>
-              <a:rPr lang="fr-CA" sz="1600" dirty="0" err="1" smtClean="0">
+              <a:rPr lang="fr-CA" sz="1600" dirty="0" err="1">
                 <a:solidFill>
                   <a:srgbClr val="3C5790"/>
                 </a:solidFill>
@@ -6175,7 +5918,7 @@
               <a:t>What</a:t>
             </a:r>
             <a:r>
-              <a:rPr lang="fr-CA" sz="1600" dirty="0" smtClean="0">
+              <a:rPr lang="fr-CA" sz="1600" dirty="0">
                 <a:solidFill>
                   <a:srgbClr val="3C5790"/>
                 </a:solidFill>
@@ -6183,7 +5926,7 @@
               <a:t> </a:t>
             </a:r>
             <a:r>
-              <a:rPr lang="fr-CA" sz="1600" dirty="0" err="1" smtClean="0">
+              <a:rPr lang="fr-CA" sz="1600" dirty="0" err="1">
                 <a:solidFill>
                   <a:srgbClr val="3C5790"/>
                 </a:solidFill>
@@ -6191,7 +5934,7 @@
               <a:t>is</a:t>
             </a:r>
             <a:r>
-              <a:rPr lang="fr-CA" sz="1600" dirty="0" smtClean="0">
+              <a:rPr lang="fr-CA" sz="1600" dirty="0">
                 <a:solidFill>
                   <a:srgbClr val="3C5790"/>
                 </a:solidFill>
@@ -6199,7 +5942,7 @@
               <a:t> </a:t>
             </a:r>
             <a:r>
-              <a:rPr lang="ro-RO" sz="1600" dirty="0" smtClean="0">
+              <a:rPr lang="ro-RO" sz="1600" dirty="0">
                 <a:solidFill>
                   <a:srgbClr val="3C5790"/>
                 </a:solidFill>
@@ -6207,14 +5950,14 @@
               <a:t>Docker</a:t>
             </a:r>
             <a:r>
-              <a:rPr lang="fr-CA" sz="1600" dirty="0" smtClean="0">
+              <a:rPr lang="fr-CA" sz="1600" dirty="0">
                 <a:solidFill>
                   <a:srgbClr val="3C5790"/>
                 </a:solidFill>
               </a:rPr>
               <a:t>?</a:t>
             </a:r>
-            <a:endParaRPr lang="ro-RO" sz="1600" dirty="0" smtClean="0">
+            <a:endParaRPr lang="ro-RO" sz="1600" dirty="0">
               <a:solidFill>
                 <a:srgbClr val="3C5790"/>
               </a:solidFill>
@@ -6222,14 +5965,14 @@
           </a:p>
           <a:p>
             <a:r>
-              <a:rPr lang="ro-RO" sz="1600" dirty="0" smtClean="0">
+              <a:rPr lang="ro-RO" sz="1600" dirty="0">
                 <a:solidFill>
                   <a:srgbClr val="3C5790"/>
                 </a:solidFill>
               </a:rPr>
               <a:t>Architecture</a:t>
             </a:r>
-            <a:endParaRPr lang="fr-CA" sz="1600" dirty="0" smtClean="0">
+            <a:endParaRPr lang="fr-CA" sz="1600" dirty="0">
               <a:solidFill>
                 <a:srgbClr val="3C5790"/>
               </a:solidFill>
@@ -6237,7 +5980,7 @@
           </a:p>
           <a:p>
             <a:r>
-              <a:rPr lang="ro-RO" sz="1600" dirty="0" smtClean="0">
+              <a:rPr lang="ro-RO" sz="1600" dirty="0">
                 <a:solidFill>
                   <a:srgbClr val="3C5790"/>
                 </a:solidFill>
@@ -6247,7 +5990,7 @@
           </a:p>
           <a:p>
             <a:r>
-              <a:rPr lang="ro-RO" sz="1600" dirty="0" smtClean="0">
+              <a:rPr lang="ro-RO" sz="1600" dirty="0">
                 <a:solidFill>
                   <a:srgbClr val="3C5790"/>
                 </a:solidFill>
@@ -6257,7 +6000,7 @@
           </a:p>
           <a:p>
             <a:r>
-              <a:rPr lang="ro-RO" sz="1600" dirty="0" smtClean="0">
+              <a:rPr lang="ro-RO" sz="1600" dirty="0">
                 <a:solidFill>
                   <a:srgbClr val="3C5790"/>
                 </a:solidFill>
@@ -6267,7 +6010,7 @@
           </a:p>
           <a:p>
             <a:r>
-              <a:rPr lang="ro-RO" sz="1600" dirty="0" smtClean="0">
+              <a:rPr lang="ro-RO" sz="1600" dirty="0">
                 <a:solidFill>
                   <a:srgbClr val="3C5790"/>
                 </a:solidFill>
@@ -6277,14 +6020,14 @@
           </a:p>
           <a:p>
             <a:r>
-              <a:rPr lang="ro-RO" sz="1600" dirty="0" smtClean="0">
+              <a:rPr lang="ro-RO" sz="1600" dirty="0">
                 <a:solidFill>
                   <a:srgbClr val="3C5790"/>
                 </a:solidFill>
               </a:rPr>
               <a:t>Building Containers</a:t>
             </a:r>
-            <a:endParaRPr lang="fr-CA" sz="1600" dirty="0" smtClean="0">
+            <a:endParaRPr lang="fr-CA" sz="1600" dirty="0">
               <a:solidFill>
                 <a:srgbClr val="3C5790"/>
               </a:solidFill>
@@ -6292,7 +6035,7 @@
           </a:p>
           <a:p>
             <a:r>
-              <a:rPr lang="fr-CA" sz="1600" dirty="0" smtClean="0">
+              <a:rPr lang="fr-CA" sz="1600" dirty="0">
                 <a:solidFill>
                   <a:srgbClr val="3C5790"/>
                 </a:solidFill>
@@ -6302,14 +6045,14 @@
           </a:p>
           <a:p>
             <a:r>
-              <a:rPr lang="fr-CA" sz="1600" dirty="0" err="1" smtClean="0">
+              <a:rPr lang="fr-CA" sz="1600" dirty="0" err="1">
                 <a:solidFill>
                   <a:srgbClr val="3C5790"/>
                 </a:solidFill>
               </a:rPr>
               <a:t>Bibliography</a:t>
             </a:r>
-            <a:endParaRPr lang="fr-CA" sz="1600" dirty="0" smtClean="0">
+            <a:endParaRPr lang="fr-CA" sz="1600" dirty="0">
               <a:solidFill>
                 <a:srgbClr val="3C5790"/>
               </a:solidFill>
@@ -6319,22 +6062,14 @@
             <a:pPr>
               <a:buNone/>
             </a:pPr>
-            <a:r>
-              <a:rPr lang="fr-CA" sz="1600" dirty="0" smtClean="0">
-                <a:solidFill>
-                  <a:srgbClr val="3C5790"/>
-                </a:solidFill>
-              </a:rPr>
-              <a:t/>
-            </a:r>
             <a:br>
-              <a:rPr lang="fr-CA" sz="1600" dirty="0" smtClean="0">
+              <a:rPr lang="fr-CA" sz="1600" dirty="0">
                 <a:solidFill>
                   <a:srgbClr val="3C5790"/>
                 </a:solidFill>
               </a:rPr>
             </a:br>
-            <a:endParaRPr lang="fr-CA" sz="1600" dirty="0" smtClean="0">
+            <a:endParaRPr lang="fr-CA" sz="1600" dirty="0">
               <a:solidFill>
                 <a:srgbClr val="3C5790"/>
               </a:solidFill>
@@ -6347,13 +6082,6 @@
   <p:clrMapOvr>
     <a:masterClrMapping/>
   </p:clrMapOvr>
-  <p:timing>
-    <p:tnLst>
-      <p:par>
-        <p:cTn id="1" dur="indefinite" restart="never" nodeType="tmRoot"/>
-      </p:par>
-    </p:tnLst>
-  </p:timing>
 </p:sld>
 </file>
 
@@ -6408,7 +6136,7 @@
           <a:p>
             <a:pPr lvl="1"/>
             <a:r>
-              <a:rPr lang="en-US" dirty="0" smtClean="0">
+              <a:rPr lang="en-US" dirty="0">
                 <a:solidFill>
                   <a:schemeClr val="bg1"/>
                 </a:solidFill>
@@ -6416,14 +6144,14 @@
               <a:t>Co</a:t>
             </a:r>
             <a:r>
-              <a:rPr lang="ro-RO" dirty="0" smtClean="0">
+              <a:rPr lang="ro-RO" dirty="0">
                 <a:solidFill>
                   <a:schemeClr val="bg1"/>
                 </a:solidFill>
               </a:rPr>
               <a:t>re (cont.)</a:t>
             </a:r>
-            <a:endParaRPr lang="fr-CA" dirty="0" smtClean="0">
+            <a:endParaRPr lang="fr-CA" dirty="0">
               <a:solidFill>
                 <a:schemeClr val="bg1"/>
               </a:solidFill>
@@ -6452,7 +6180,7 @@
           <a:lstStyle/>
           <a:p>
             <a:r>
-              <a:rPr lang="en-US" sz="1400" dirty="0" err="1" smtClean="0">
+              <a:rPr lang="en-US" sz="1400" dirty="0" err="1">
                 <a:solidFill>
                   <a:srgbClr val="3C5790"/>
                 </a:solidFill>
@@ -6460,7 +6188,7 @@
               <a:t>Docker</a:t>
             </a:r>
             <a:r>
-              <a:rPr lang="en-US" sz="1400" dirty="0" smtClean="0">
+              <a:rPr lang="en-US" sz="1400" dirty="0">
                 <a:solidFill>
                   <a:srgbClr val="3C5790"/>
                 </a:solidFill>
@@ -6468,7 +6196,7 @@
               <a:t> Hub is a repository for uploading and downloading </a:t>
             </a:r>
             <a:r>
-              <a:rPr lang="en-US" sz="1400" dirty="0" err="1" smtClean="0">
+              <a:rPr lang="en-US" sz="1400" dirty="0" err="1">
                 <a:solidFill>
                   <a:srgbClr val="3C5790"/>
                 </a:solidFill>
@@ -6476,22 +6204,14 @@
               <a:t>Docker</a:t>
             </a:r>
             <a:r>
-              <a:rPr lang="en-US" sz="1400" dirty="0" smtClean="0">
-                <a:solidFill>
-                  <a:srgbClr val="3C5790"/>
-                </a:solidFill>
-              </a:rPr>
-              <a:t> images</a:t>
-            </a:r>
-            <a:r>
-              <a:rPr lang="en-US" sz="1400" dirty="0" smtClean="0">
-                <a:solidFill>
-                  <a:srgbClr val="3C5790"/>
-                </a:solidFill>
-              </a:rPr>
-              <a:t>.</a:t>
-            </a:r>
-            <a:endParaRPr lang="ro-RO" sz="1400" dirty="0" smtClean="0">
+              <a:rPr lang="en-US" sz="1400" dirty="0">
+                <a:solidFill>
+                  <a:srgbClr val="3C5790"/>
+                </a:solidFill>
+              </a:rPr>
+              <a:t> images.</a:t>
+            </a:r>
+            <a:endParaRPr lang="ro-RO" sz="1400" dirty="0">
               <a:solidFill>
                 <a:srgbClr val="3C5790"/>
               </a:solidFill>
@@ -6499,7 +6219,7 @@
           </a:p>
           <a:p>
             <a:r>
-              <a:rPr lang="en-US" sz="1400" dirty="0" smtClean="0">
+              <a:rPr lang="en-US" sz="1400" dirty="0">
                 <a:solidFill>
                   <a:srgbClr val="3C5790"/>
                 </a:solidFill>
@@ -6507,7 +6227,7 @@
               <a:t>The </a:t>
             </a:r>
             <a:r>
-              <a:rPr lang="en-US" sz="1400" dirty="0" err="1" smtClean="0">
+              <a:rPr lang="en-US" sz="1400" dirty="0" err="1">
                 <a:solidFill>
                   <a:srgbClr val="3C5790"/>
                 </a:solidFill>
@@ -6515,7 +6235,7 @@
               <a:t>Docker</a:t>
             </a:r>
             <a:r>
-              <a:rPr lang="en-US" sz="1400" dirty="0" smtClean="0">
+              <a:rPr lang="en-US" sz="1400" dirty="0">
                 <a:solidFill>
                   <a:srgbClr val="3C5790"/>
                 </a:solidFill>
@@ -6525,7 +6245,7 @@
           </a:p>
           <a:p>
             <a:r>
-              <a:rPr lang="en-US" sz="1400" dirty="0" smtClean="0">
+              <a:rPr lang="en-US" sz="1400" dirty="0">
                 <a:solidFill>
                   <a:srgbClr val="3C5790"/>
                 </a:solidFill>
@@ -6533,7 +6253,7 @@
               <a:t>The standard use of a </a:t>
             </a:r>
             <a:r>
-              <a:rPr lang="en-US" sz="1400" dirty="0" err="1" smtClean="0">
+              <a:rPr lang="en-US" sz="1400" dirty="0" err="1">
                 <a:solidFill>
                   <a:srgbClr val="3C5790"/>
                 </a:solidFill>
@@ -6541,7 +6261,7 @@
               <a:t>Docker</a:t>
             </a:r>
             <a:r>
-              <a:rPr lang="en-US" sz="1400" dirty="0" smtClean="0">
+              <a:rPr lang="en-US" sz="1400" dirty="0">
                 <a:solidFill>
                   <a:srgbClr val="3C5790"/>
                 </a:solidFill>
@@ -6549,7 +6269,7 @@
               <a:t> command is: </a:t>
             </a:r>
             <a:r>
-              <a:rPr lang="en-US" sz="1400" b="1" dirty="0" err="1" smtClean="0">
+              <a:rPr lang="en-US" sz="1400" b="1" dirty="0" err="1">
                 <a:solidFill>
                   <a:srgbClr val="3C5790"/>
                 </a:solidFill>
@@ -6557,7 +6277,7 @@
               <a:t>docker</a:t>
             </a:r>
             <a:r>
-              <a:rPr lang="en-US" sz="1400" b="1" dirty="0" smtClean="0">
+              <a:rPr lang="en-US" sz="1400" b="1" dirty="0">
                 <a:solidFill>
                   <a:srgbClr val="3C5790"/>
                 </a:solidFill>
@@ -6567,7 +6287,7 @@
           </a:p>
           <a:p>
             <a:r>
-              <a:rPr lang="en-US" sz="1400" dirty="0" smtClean="0">
+              <a:rPr lang="en-US" sz="1400" dirty="0">
                 <a:solidFill>
                   <a:srgbClr val="3C5790"/>
                 </a:solidFill>
@@ -6575,7 +6295,7 @@
               <a:t>The </a:t>
             </a:r>
             <a:r>
-              <a:rPr lang="en-US" sz="1400" b="1" dirty="0" smtClean="0">
+              <a:rPr lang="en-US" sz="1400" b="1" dirty="0">
                 <a:solidFill>
                   <a:srgbClr val="3C5790"/>
                 </a:solidFill>
@@ -6583,7 +6303,7 @@
               <a:t>-t</a:t>
             </a:r>
             <a:r>
-              <a:rPr lang="en-US" sz="1400" dirty="0" smtClean="0">
+              <a:rPr lang="en-US" sz="1400" dirty="0">
                 <a:solidFill>
                   <a:srgbClr val="3C5790"/>
                 </a:solidFill>
@@ -6593,7 +6313,7 @@
           </a:p>
           <a:p>
             <a:r>
-              <a:rPr lang="en-US" sz="1400" dirty="0" smtClean="0">
+              <a:rPr lang="en-US" sz="1400" dirty="0">
                 <a:solidFill>
                   <a:srgbClr val="3C5790"/>
                 </a:solidFill>
@@ -6601,7 +6321,7 @@
               <a:t>The </a:t>
             </a:r>
             <a:r>
-              <a:rPr lang="en-US" sz="1400" b="1" dirty="0" smtClean="0">
+              <a:rPr lang="en-US" sz="1400" b="1" dirty="0">
                 <a:solidFill>
                   <a:srgbClr val="3C5790"/>
                 </a:solidFill>
@@ -6609,7 +6329,7 @@
               <a:t>-</a:t>
             </a:r>
             <a:r>
-              <a:rPr lang="en-US" sz="1400" b="1" dirty="0" err="1" smtClean="0">
+              <a:rPr lang="en-US" sz="1400" b="1" dirty="0" err="1">
                 <a:solidFill>
                   <a:srgbClr val="3C5790"/>
                 </a:solidFill>
@@ -6617,7 +6337,7 @@
               <a:t>i</a:t>
             </a:r>
             <a:r>
-              <a:rPr lang="en-US" sz="1400" dirty="0" smtClean="0">
+              <a:rPr lang="en-US" sz="1400" dirty="0">
                 <a:solidFill>
                   <a:srgbClr val="3C5790"/>
                 </a:solidFill>
@@ -6627,7 +6347,7 @@
           </a:p>
           <a:p>
             <a:r>
-              <a:rPr lang="en-US" sz="1400" dirty="0" smtClean="0">
+              <a:rPr lang="en-US" sz="1400" dirty="0">
                 <a:solidFill>
                   <a:srgbClr val="3C5790"/>
                 </a:solidFill>
@@ -6635,7 +6355,7 @@
               <a:t>The </a:t>
             </a:r>
             <a:r>
-              <a:rPr lang="en-US" sz="1400" b="1" dirty="0" smtClean="0">
+              <a:rPr lang="en-US" sz="1400" b="1" dirty="0">
                 <a:solidFill>
                   <a:srgbClr val="3C5790"/>
                 </a:solidFill>
@@ -6643,22 +6363,212 @@
               <a:t>-d</a:t>
             </a:r>
             <a:r>
-              <a:rPr lang="en-US" sz="1400" dirty="0" smtClean="0">
-                <a:solidFill>
-                  <a:srgbClr val="3C5790"/>
-                </a:solidFill>
-              </a:rPr>
-              <a:t> flag will run the container in the background</a:t>
-            </a:r>
-            <a:r>
-              <a:rPr lang="en-US" sz="1400" dirty="0" smtClean="0">
-                <a:solidFill>
-                  <a:srgbClr val="3C5790"/>
-                </a:solidFill>
-              </a:rPr>
-              <a:t>.</a:t>
-            </a:r>
-            <a:endParaRPr lang="en-US" sz="1400" dirty="0" smtClean="0">
+              <a:rPr lang="en-US" sz="1400" dirty="0">
+                <a:solidFill>
+                  <a:srgbClr val="3C5790"/>
+                </a:solidFill>
+              </a:rPr>
+              <a:t> flag will run the container in the background.</a:t>
+            </a:r>
+          </a:p>
+          <a:p>
+            <a:r>
+              <a:rPr lang="en-US" sz="1400" dirty="0" err="1">
+                <a:solidFill>
+                  <a:srgbClr val="3C5790"/>
+                </a:solidFill>
+              </a:rPr>
+              <a:t>docker</a:t>
+            </a:r>
+            <a:r>
+              <a:rPr lang="en-US" sz="1400" dirty="0">
+                <a:solidFill>
+                  <a:srgbClr val="3C5790"/>
+                </a:solidFill>
+              </a:rPr>
+              <a:t> run -</a:t>
+            </a:r>
+            <a:r>
+              <a:rPr lang="en-US" sz="1400" dirty="0" err="1">
+                <a:solidFill>
+                  <a:srgbClr val="3C5790"/>
+                </a:solidFill>
+              </a:rPr>
+              <a:t>i</a:t>
+            </a:r>
+            <a:r>
+              <a:rPr lang="en-US" sz="1400" dirty="0">
+                <a:solidFill>
+                  <a:srgbClr val="3C5790"/>
+                </a:solidFill>
+              </a:rPr>
+              <a:t> -t </a:t>
+            </a:r>
+            <a:r>
+              <a:rPr lang="en-US" sz="1400" dirty="0" err="1">
+                <a:solidFill>
+                  <a:srgbClr val="3C5790"/>
+                </a:solidFill>
+              </a:rPr>
+              <a:t>busybox</a:t>
+            </a:r>
+            <a:r>
+              <a:rPr lang="en-US" sz="1400" dirty="0">
+                <a:solidFill>
+                  <a:srgbClr val="3C5790"/>
+                </a:solidFill>
+              </a:rPr>
+              <a:t> /bin/</a:t>
+            </a:r>
+            <a:r>
+              <a:rPr lang="en-US" sz="1400" dirty="0" err="1">
+                <a:solidFill>
+                  <a:srgbClr val="3C5790"/>
+                </a:solidFill>
+              </a:rPr>
+              <a:t>sh</a:t>
+            </a:r>
+            <a:r>
+              <a:rPr lang="en-US" sz="1400" dirty="0">
+                <a:solidFill>
+                  <a:srgbClr val="3C5790"/>
+                </a:solidFill>
+              </a:rPr>
+              <a:t> --&gt; will download </a:t>
+            </a:r>
+            <a:r>
+              <a:rPr lang="en-US" sz="1400" dirty="0" err="1">
+                <a:solidFill>
+                  <a:srgbClr val="3C5790"/>
+                </a:solidFill>
+              </a:rPr>
+              <a:t>busybox</a:t>
+            </a:r>
+            <a:r>
+              <a:rPr lang="en-US" sz="1400" dirty="0">
+                <a:solidFill>
+                  <a:srgbClr val="3C5790"/>
+                </a:solidFill>
+              </a:rPr>
+              <a:t> image and start a container with </a:t>
+            </a:r>
+            <a:r>
+              <a:rPr lang="en-US" sz="1400" dirty="0" err="1">
+                <a:solidFill>
+                  <a:srgbClr val="3C5790"/>
+                </a:solidFill>
+              </a:rPr>
+              <a:t>sh</a:t>
+            </a:r>
+            <a:r>
+              <a:rPr lang="en-US" sz="1400" dirty="0">
+                <a:solidFill>
+                  <a:srgbClr val="3C5790"/>
+                </a:solidFill>
+              </a:rPr>
+              <a:t> shell.</a:t>
+            </a:r>
+          </a:p>
+          <a:p>
+            <a:r>
+              <a:rPr lang="en-US" sz="1400" dirty="0" err="1">
+                <a:solidFill>
+                  <a:srgbClr val="3C5790"/>
+                </a:solidFill>
+              </a:rPr>
+              <a:t>docker</a:t>
+            </a:r>
+            <a:r>
+              <a:rPr lang="en-US" sz="1400" dirty="0">
+                <a:solidFill>
+                  <a:srgbClr val="3C5790"/>
+                </a:solidFill>
+              </a:rPr>
+              <a:t> </a:t>
+            </a:r>
+            <a:r>
+              <a:rPr lang="en-US" sz="1400" dirty="0" err="1">
+                <a:solidFill>
+                  <a:srgbClr val="3C5790"/>
+                </a:solidFill>
+              </a:rPr>
+              <a:t>ps</a:t>
+            </a:r>
+            <a:r>
+              <a:rPr lang="en-US" sz="1400" dirty="0">
+                <a:solidFill>
+                  <a:srgbClr val="3C5790"/>
+                </a:solidFill>
+              </a:rPr>
+              <a:t> –a --&gt; shows created containers.</a:t>
+            </a:r>
+          </a:p>
+          <a:p>
+            <a:r>
+              <a:rPr lang="en-US" sz="1400" dirty="0" err="1">
+                <a:solidFill>
+                  <a:srgbClr val="3C5790"/>
+                </a:solidFill>
+              </a:rPr>
+              <a:t>docker</a:t>
+            </a:r>
+            <a:r>
+              <a:rPr lang="en-US" sz="1400" dirty="0">
+                <a:solidFill>
+                  <a:srgbClr val="3C5790"/>
+                </a:solidFill>
+              </a:rPr>
+              <a:t> run -</a:t>
+            </a:r>
+            <a:r>
+              <a:rPr lang="en-US" sz="1400" dirty="0" err="1">
+                <a:solidFill>
+                  <a:srgbClr val="3C5790"/>
+                </a:solidFill>
+              </a:rPr>
+              <a:t>i</a:t>
+            </a:r>
+            <a:r>
+              <a:rPr lang="en-US" sz="1400" dirty="0">
+                <a:solidFill>
+                  <a:srgbClr val="3C5790"/>
+                </a:solidFill>
+              </a:rPr>
+              <a:t> –t centos /bin/</a:t>
+            </a:r>
+            <a:r>
+              <a:rPr lang="en-US" sz="1400" dirty="0" err="1">
+                <a:solidFill>
+                  <a:srgbClr val="3C5790"/>
+                </a:solidFill>
+              </a:rPr>
+              <a:t>sh</a:t>
+            </a:r>
+            <a:r>
+              <a:rPr lang="en-US" sz="1400" dirty="0">
+                <a:solidFill>
+                  <a:srgbClr val="3C5790"/>
+                </a:solidFill>
+              </a:rPr>
+              <a:t> --&gt; will download centos image and start the container with </a:t>
+            </a:r>
+            <a:r>
+              <a:rPr lang="en-US" sz="1400" dirty="0" err="1">
+                <a:solidFill>
+                  <a:srgbClr val="3C5790"/>
+                </a:solidFill>
+              </a:rPr>
+              <a:t>sh</a:t>
+            </a:r>
+            <a:r>
+              <a:rPr lang="en-US" sz="1400" dirty="0">
+                <a:solidFill>
+                  <a:srgbClr val="3C5790"/>
+                </a:solidFill>
+              </a:rPr>
+              <a:t> shell.</a:t>
+            </a:r>
+            <a:endParaRPr lang="ro-RO" sz="1400" dirty="0">
               <a:solidFill>
                 <a:srgbClr val="3C5790"/>
               </a:solidFill>
@@ -6666,7 +6576,15 @@
           </a:p>
           <a:p>
             <a:r>
-              <a:rPr lang="en-US" sz="1400" dirty="0" err="1" smtClean="0">
+              <a:rPr lang="en-US" sz="1400" dirty="0">
+                <a:solidFill>
+                  <a:srgbClr val="3C5790"/>
+                </a:solidFill>
+              </a:rPr>
+              <a:t>The </a:t>
+            </a:r>
+            <a:r>
+              <a:rPr lang="en-US" sz="1400" b="1" dirty="0" err="1">
                 <a:solidFill>
                   <a:srgbClr val="3C5790"/>
                 </a:solidFill>
@@ -6674,237 +6592,13 @@
               <a:t>docker</a:t>
             </a:r>
             <a:r>
-              <a:rPr lang="en-US" sz="1400" dirty="0" smtClean="0">
-                <a:solidFill>
-                  <a:srgbClr val="3C5790"/>
-                </a:solidFill>
-              </a:rPr>
-              <a:t> run -</a:t>
-            </a:r>
-            <a:r>
-              <a:rPr lang="en-US" sz="1400" dirty="0" err="1" smtClean="0">
-                <a:solidFill>
-                  <a:srgbClr val="3C5790"/>
-                </a:solidFill>
-              </a:rPr>
-              <a:t>i</a:t>
-            </a:r>
-            <a:r>
-              <a:rPr lang="en-US" sz="1400" dirty="0" smtClean="0">
-                <a:solidFill>
-                  <a:srgbClr val="3C5790"/>
-                </a:solidFill>
-              </a:rPr>
-              <a:t> -t </a:t>
-            </a:r>
-            <a:r>
-              <a:rPr lang="en-US" sz="1400" dirty="0" err="1" smtClean="0">
-                <a:solidFill>
-                  <a:srgbClr val="3C5790"/>
-                </a:solidFill>
-              </a:rPr>
-              <a:t>busybox</a:t>
-            </a:r>
-            <a:r>
-              <a:rPr lang="en-US" sz="1400" dirty="0" smtClean="0">
-                <a:solidFill>
-                  <a:srgbClr val="3C5790"/>
-                </a:solidFill>
-              </a:rPr>
-              <a:t> /bin/</a:t>
-            </a:r>
-            <a:r>
-              <a:rPr lang="en-US" sz="1400" dirty="0" err="1" smtClean="0">
-                <a:solidFill>
-                  <a:srgbClr val="3C5790"/>
-                </a:solidFill>
-              </a:rPr>
-              <a:t>sh</a:t>
-            </a:r>
-            <a:r>
-              <a:rPr lang="en-US" sz="1400" dirty="0" smtClean="0">
-                <a:solidFill>
-                  <a:srgbClr val="3C5790"/>
-                </a:solidFill>
-              </a:rPr>
-              <a:t> --&gt; will download </a:t>
-            </a:r>
-            <a:r>
-              <a:rPr lang="en-US" sz="1400" dirty="0" err="1" smtClean="0">
-                <a:solidFill>
-                  <a:srgbClr val="3C5790"/>
-                </a:solidFill>
-              </a:rPr>
-              <a:t>busybox</a:t>
-            </a:r>
-            <a:r>
-              <a:rPr lang="en-US" sz="1400" dirty="0" smtClean="0">
-                <a:solidFill>
-                  <a:srgbClr val="3C5790"/>
-                </a:solidFill>
-              </a:rPr>
-              <a:t> image and start a container with </a:t>
-            </a:r>
-            <a:r>
-              <a:rPr lang="en-US" sz="1400" dirty="0" err="1" smtClean="0">
-                <a:solidFill>
-                  <a:srgbClr val="3C5790"/>
-                </a:solidFill>
-              </a:rPr>
-              <a:t>sh</a:t>
-            </a:r>
-            <a:r>
-              <a:rPr lang="en-US" sz="1400" dirty="0" smtClean="0">
-                <a:solidFill>
-                  <a:srgbClr val="3C5790"/>
-                </a:solidFill>
-              </a:rPr>
-              <a:t> shell.</a:t>
-            </a:r>
-          </a:p>
-          <a:p>
-            <a:r>
-              <a:rPr lang="en-US" sz="1400" dirty="0" err="1" smtClean="0">
-                <a:solidFill>
-                  <a:srgbClr val="3C5790"/>
-                </a:solidFill>
-              </a:rPr>
-              <a:t>docker</a:t>
-            </a:r>
-            <a:r>
-              <a:rPr lang="en-US" sz="1400" dirty="0" smtClean="0">
-                <a:solidFill>
-                  <a:srgbClr val="3C5790"/>
-                </a:solidFill>
-              </a:rPr>
-              <a:t> </a:t>
-            </a:r>
-            <a:r>
-              <a:rPr lang="en-US" sz="1400" dirty="0" err="1" smtClean="0">
-                <a:solidFill>
-                  <a:srgbClr val="3C5790"/>
-                </a:solidFill>
-              </a:rPr>
-              <a:t>ps</a:t>
-            </a:r>
-            <a:r>
-              <a:rPr lang="en-US" sz="1400" dirty="0" smtClean="0">
-                <a:solidFill>
-                  <a:srgbClr val="3C5790"/>
-                </a:solidFill>
-              </a:rPr>
-              <a:t> –a --&gt; shows created containers.</a:t>
-            </a:r>
-          </a:p>
-          <a:p>
-            <a:r>
-              <a:rPr lang="en-US" sz="1400" dirty="0" err="1" smtClean="0">
-                <a:solidFill>
-                  <a:srgbClr val="3C5790"/>
-                </a:solidFill>
-              </a:rPr>
-              <a:t>docker</a:t>
-            </a:r>
-            <a:r>
-              <a:rPr lang="en-US" sz="1400" dirty="0" smtClean="0">
-                <a:solidFill>
-                  <a:srgbClr val="3C5790"/>
-                </a:solidFill>
-              </a:rPr>
-              <a:t> run -</a:t>
-            </a:r>
-            <a:r>
-              <a:rPr lang="en-US" sz="1400" dirty="0" err="1" smtClean="0">
-                <a:solidFill>
-                  <a:srgbClr val="3C5790"/>
-                </a:solidFill>
-              </a:rPr>
-              <a:t>i</a:t>
-            </a:r>
-            <a:r>
-              <a:rPr lang="en-US" sz="1400" dirty="0" smtClean="0">
-                <a:solidFill>
-                  <a:srgbClr val="3C5790"/>
-                </a:solidFill>
-              </a:rPr>
-              <a:t> –t centos /bin/</a:t>
-            </a:r>
-            <a:r>
-              <a:rPr lang="en-US" sz="1400" dirty="0" err="1" smtClean="0">
-                <a:solidFill>
-                  <a:srgbClr val="3C5790"/>
-                </a:solidFill>
-              </a:rPr>
-              <a:t>sh</a:t>
-            </a:r>
-            <a:r>
-              <a:rPr lang="en-US" sz="1400" dirty="0" smtClean="0">
-                <a:solidFill>
-                  <a:srgbClr val="3C5790"/>
-                </a:solidFill>
-              </a:rPr>
-              <a:t> --&gt; will download centos image and start the container with </a:t>
-            </a:r>
-            <a:r>
-              <a:rPr lang="en-US" sz="1400" dirty="0" err="1" smtClean="0">
-                <a:solidFill>
-                  <a:srgbClr val="3C5790"/>
-                </a:solidFill>
-              </a:rPr>
-              <a:t>sh</a:t>
-            </a:r>
-            <a:r>
-              <a:rPr lang="en-US" sz="1400" dirty="0" smtClean="0">
-                <a:solidFill>
-                  <a:srgbClr val="3C5790"/>
-                </a:solidFill>
-              </a:rPr>
-              <a:t> shell</a:t>
-            </a:r>
-            <a:r>
-              <a:rPr lang="en-US" sz="1400" dirty="0" smtClean="0">
-                <a:solidFill>
-                  <a:srgbClr val="3C5790"/>
-                </a:solidFill>
-              </a:rPr>
-              <a:t>.</a:t>
-            </a:r>
-            <a:endParaRPr lang="ro-RO" sz="1400" dirty="0" smtClean="0">
-              <a:solidFill>
-                <a:srgbClr val="3C5790"/>
-              </a:solidFill>
-            </a:endParaRPr>
-          </a:p>
-          <a:p>
-            <a:r>
-              <a:rPr lang="en-US" sz="1400" dirty="0" smtClean="0">
-                <a:solidFill>
-                  <a:srgbClr val="3C5790"/>
-                </a:solidFill>
-              </a:rPr>
-              <a:t>The </a:t>
-            </a:r>
-            <a:r>
-              <a:rPr lang="en-US" sz="1400" b="1" dirty="0" err="1" smtClean="0">
-                <a:solidFill>
-                  <a:srgbClr val="3C5790"/>
-                </a:solidFill>
-              </a:rPr>
-              <a:t>docker</a:t>
-            </a:r>
-            <a:r>
-              <a:rPr lang="en-US" sz="1400" dirty="0" smtClean="0">
+              <a:rPr lang="en-US" sz="1400" dirty="0">
                 <a:solidFill>
                   <a:srgbClr val="3C5790"/>
                 </a:solidFill>
               </a:rPr>
               <a:t> command will list all the commands.</a:t>
             </a:r>
-            <a:endParaRPr lang="en-US" sz="1400" dirty="0" smtClean="0">
-              <a:solidFill>
-                <a:srgbClr val="3C5790"/>
-              </a:solidFill>
-            </a:endParaRPr>
           </a:p>
         </p:txBody>
       </p:sp>
@@ -6913,13 +6607,6 @@
   <p:clrMapOvr>
     <a:masterClrMapping/>
   </p:clrMapOvr>
-  <p:timing>
-    <p:tnLst>
-      <p:par>
-        <p:cTn id="1" dur="indefinite" restart="never" nodeType="tmRoot"/>
-      </p:par>
-    </p:tnLst>
-  </p:timing>
 </p:sld>
 </file>
 
@@ -6974,7 +6661,7 @@
           <a:p>
             <a:pPr lvl="1"/>
             <a:r>
-              <a:rPr lang="en-US" dirty="0" smtClean="0">
+              <a:rPr lang="en-US" dirty="0">
                 <a:solidFill>
                   <a:schemeClr val="bg1"/>
                 </a:solidFill>
@@ -6982,14 +6669,14 @@
               <a:t>Co</a:t>
             </a:r>
             <a:r>
-              <a:rPr lang="ro-RO" dirty="0" smtClean="0">
+              <a:rPr lang="ro-RO" dirty="0">
                 <a:solidFill>
                   <a:schemeClr val="bg1"/>
                 </a:solidFill>
               </a:rPr>
               <a:t>re (cont.)</a:t>
             </a:r>
-            <a:endParaRPr lang="fr-CA" dirty="0" smtClean="0">
+            <a:endParaRPr lang="fr-CA" dirty="0">
               <a:solidFill>
                 <a:schemeClr val="bg1"/>
               </a:solidFill>
@@ -7018,7 +6705,7 @@
           <a:lstStyle/>
           <a:p>
             <a:r>
-              <a:rPr lang="en-US" sz="1400" dirty="0" err="1" smtClean="0">
+              <a:rPr lang="en-US" sz="1400" dirty="0" err="1">
                 <a:solidFill>
                   <a:srgbClr val="3C5790"/>
                 </a:solidFill>
@@ -7026,7 +6713,7 @@
               <a:t>Docker</a:t>
             </a:r>
             <a:r>
-              <a:rPr lang="en-US" sz="1400" dirty="0" smtClean="0">
+              <a:rPr lang="en-US" sz="1400" dirty="0">
                 <a:solidFill>
                   <a:srgbClr val="3C5790"/>
                 </a:solidFill>
@@ -7036,7 +6723,7 @@
           </a:p>
           <a:p>
             <a:r>
-              <a:rPr lang="en-US" sz="1400" dirty="0" smtClean="0">
+              <a:rPr lang="en-US" sz="1400" dirty="0">
                 <a:solidFill>
                   <a:srgbClr val="3C5790"/>
                 </a:solidFill>
@@ -7044,7 +6731,7 @@
               <a:t>All the images downloaded from the </a:t>
             </a:r>
             <a:r>
-              <a:rPr lang="en-US" sz="1400" dirty="0" err="1" smtClean="0">
+              <a:rPr lang="en-US" sz="1400" dirty="0" err="1">
                 <a:solidFill>
                   <a:srgbClr val="3C5790"/>
                 </a:solidFill>
@@ -7052,7 +6739,7 @@
               <a:t>Docker</a:t>
             </a:r>
             <a:r>
-              <a:rPr lang="en-US" sz="1400" dirty="0" smtClean="0">
+              <a:rPr lang="en-US" sz="1400" dirty="0">
                 <a:solidFill>
                   <a:srgbClr val="3C5790"/>
                 </a:solidFill>
@@ -7060,7 +6747,7 @@
               <a:t> hub reside in the </a:t>
             </a:r>
             <a:r>
-              <a:rPr lang="en-US" sz="1400" dirty="0" err="1" smtClean="0">
+              <a:rPr lang="en-US" sz="1400" dirty="0" err="1">
                 <a:solidFill>
                   <a:srgbClr val="3C5790"/>
                 </a:solidFill>
@@ -7068,7 +6755,7 @@
               <a:t>Docker</a:t>
             </a:r>
             <a:r>
-              <a:rPr lang="en-US" sz="1400" dirty="0" smtClean="0">
+              <a:rPr lang="en-US" sz="1400" dirty="0">
                 <a:solidFill>
                   <a:srgbClr val="3C5790"/>
                 </a:solidFill>
@@ -7078,7 +6765,7 @@
           </a:p>
           <a:p>
             <a:r>
-              <a:rPr lang="en-US" sz="1400" dirty="0" smtClean="0">
+              <a:rPr lang="en-US" sz="1400" dirty="0">
                 <a:solidFill>
                   <a:srgbClr val="3C5790"/>
                 </a:solidFill>
@@ -7086,7 +6773,7 @@
               <a:t>In an image specified by the </a:t>
             </a:r>
             <a:r>
-              <a:rPr lang="en-US" sz="1400" dirty="0" err="1" smtClean="0">
+              <a:rPr lang="en-US" sz="1400" dirty="0" err="1">
                 <a:solidFill>
                   <a:srgbClr val="3C5790"/>
                 </a:solidFill>
@@ -7094,7 +6781,7 @@
               <a:t>Docker</a:t>
             </a:r>
             <a:r>
-              <a:rPr lang="en-US" sz="1400" dirty="0" smtClean="0">
+              <a:rPr lang="en-US" sz="1400" dirty="0">
                 <a:solidFill>
                   <a:srgbClr val="3C5790"/>
                 </a:solidFill>
@@ -7102,7 +6789,7 @@
               <a:t> run command isn't present in the </a:t>
             </a:r>
             <a:r>
-              <a:rPr lang="en-US" sz="1400" dirty="0" err="1" smtClean="0">
+              <a:rPr lang="en-US" sz="1400" dirty="0" err="1">
                 <a:solidFill>
                   <a:srgbClr val="3C5790"/>
                 </a:solidFill>
@@ -7110,23 +6797,15 @@
               <a:t>Docker</a:t>
             </a:r>
             <a:r>
-              <a:rPr lang="en-US" sz="1400" dirty="0" smtClean="0">
-                <a:solidFill>
-                  <a:srgbClr val="3C5790"/>
-                </a:solidFill>
-              </a:rPr>
-              <a:t> host </a:t>
-            </a:r>
-            <a:r>
-              <a:rPr lang="en-US" sz="1400" dirty="0" smtClean="0">
-                <a:solidFill>
-                  <a:srgbClr val="3C5790"/>
-                </a:solidFill>
-              </a:rPr>
-              <a:t>b</a:t>
-            </a:r>
-            <a:r>
-              <a:rPr lang="ro-RO" sz="1400" dirty="0" smtClean="0">
+              <a:rPr lang="en-US" sz="1400" dirty="0">
+                <a:solidFill>
+                  <a:srgbClr val="3C5790"/>
+                </a:solidFill>
+              </a:rPr>
+              <a:t> host b</a:t>
+            </a:r>
+            <a:r>
+              <a:rPr lang="ro-RO" sz="1400" dirty="0">
                 <a:solidFill>
                   <a:srgbClr val="3C5790"/>
                 </a:solidFill>
@@ -7134,23 +6813,15 @@
               <a:t>y</a:t>
             </a:r>
             <a:r>
-              <a:rPr lang="en-US" sz="1400" dirty="0" smtClean="0">
-                <a:solidFill>
-                  <a:srgbClr val="3C5790"/>
-                </a:solidFill>
-              </a:rPr>
-              <a:t> </a:t>
-            </a:r>
-            <a:r>
-              <a:rPr lang="en-US" sz="1400" dirty="0" smtClean="0">
-                <a:solidFill>
-                  <a:srgbClr val="3C5790"/>
-                </a:solidFill>
-              </a:rPr>
-              <a:t>default, the </a:t>
-            </a:r>
-            <a:r>
-              <a:rPr lang="en-US" sz="1400" dirty="0" err="1" smtClean="0">
+              <a:rPr lang="en-US" sz="1400" dirty="0">
+                <a:solidFill>
+                  <a:srgbClr val="3C5790"/>
+                </a:solidFill>
+              </a:rPr>
+              <a:t> default, the </a:t>
+            </a:r>
+            <a:r>
+              <a:rPr lang="en-US" sz="1400" dirty="0" err="1">
                 <a:solidFill>
                   <a:srgbClr val="3C5790"/>
                 </a:solidFill>
@@ -7158,7 +6829,7 @@
               <a:t>Docker</a:t>
             </a:r>
             <a:r>
-              <a:rPr lang="en-US" sz="1400" dirty="0" smtClean="0">
+              <a:rPr lang="en-US" sz="1400" dirty="0">
                 <a:solidFill>
                   <a:srgbClr val="3C5790"/>
                 </a:solidFill>
@@ -7166,7 +6837,7 @@
               <a:t> daemon will download the image from the </a:t>
             </a:r>
             <a:r>
-              <a:rPr lang="en-US" sz="1400" dirty="0" err="1" smtClean="0">
+              <a:rPr lang="en-US" sz="1400" dirty="0" err="1">
                 <a:solidFill>
                   <a:srgbClr val="3C5790"/>
                 </a:solidFill>
@@ -7174,7 +6845,7 @@
               <a:t>Docker</a:t>
             </a:r>
             <a:r>
-              <a:rPr lang="en-US" sz="1400" dirty="0" smtClean="0">
+              <a:rPr lang="en-US" sz="1400" dirty="0">
                 <a:solidFill>
                   <a:srgbClr val="3C5790"/>
                 </a:solidFill>
@@ -7184,7 +6855,7 @@
           </a:p>
           <a:p>
             <a:r>
-              <a:rPr lang="en-US" sz="1400" dirty="0" smtClean="0">
+              <a:rPr lang="en-US" sz="1400" dirty="0">
                 <a:solidFill>
                   <a:srgbClr val="3C5790"/>
                 </a:solidFill>
@@ -7192,7 +6863,7 @@
               <a:t>Container is </a:t>
             </a:r>
             <a:r>
-              <a:rPr lang="en-US" sz="1400" dirty="0" err="1" smtClean="0">
+              <a:rPr lang="en-US" sz="1400" dirty="0" err="1">
                 <a:solidFill>
                   <a:srgbClr val="3C5790"/>
                 </a:solidFill>
@@ -7200,7 +6871,7 @@
               <a:t>awritable</a:t>
             </a:r>
             <a:r>
-              <a:rPr lang="en-US" sz="1400" dirty="0" smtClean="0">
+              <a:rPr lang="en-US" sz="1400" dirty="0">
                 <a:solidFill>
                   <a:srgbClr val="3C5790"/>
                 </a:solidFill>
@@ -7210,7 +6881,7 @@
           </a:p>
           <a:p>
             <a:r>
-              <a:rPr lang="en-US" sz="1400" dirty="0" smtClean="0">
+              <a:rPr lang="en-US" sz="1400" dirty="0">
                 <a:solidFill>
                   <a:srgbClr val="3C5790"/>
                 </a:solidFill>
@@ -7218,7 +6889,7 @@
               <a:t>We can list the </a:t>
             </a:r>
             <a:r>
-              <a:rPr lang="en-US" sz="1400" dirty="0" err="1" smtClean="0">
+              <a:rPr lang="en-US" sz="1400" dirty="0" err="1">
                 <a:solidFill>
                   <a:srgbClr val="3C5790"/>
                 </a:solidFill>
@@ -7226,7 +6897,7 @@
               <a:t>Docker</a:t>
             </a:r>
             <a:r>
-              <a:rPr lang="en-US" sz="1400" dirty="0" smtClean="0">
+              <a:rPr lang="en-US" sz="1400" dirty="0">
                 <a:solidFill>
                   <a:srgbClr val="3C5790"/>
                 </a:solidFill>
@@ -7234,7 +6905,7 @@
               <a:t> images by running "</a:t>
             </a:r>
             <a:r>
-              <a:rPr lang="en-US" sz="1400" b="1" dirty="0" err="1" smtClean="0">
+              <a:rPr lang="en-US" sz="1400" b="1" dirty="0" err="1">
                 <a:solidFill>
                   <a:srgbClr val="3C5790"/>
                 </a:solidFill>
@@ -7242,7 +6913,7 @@
               <a:t>docker</a:t>
             </a:r>
             <a:r>
-              <a:rPr lang="en-US" sz="1400" b="1" dirty="0" smtClean="0">
+              <a:rPr lang="en-US" sz="1400" b="1" dirty="0">
                 <a:solidFill>
                   <a:srgbClr val="3C5790"/>
                 </a:solidFill>
@@ -7250,18 +6921,13 @@
               <a:t> images</a:t>
             </a:r>
             <a:r>
-              <a:rPr lang="en-US" sz="1400" dirty="0" smtClean="0">
+              <a:rPr lang="en-US" sz="1400" dirty="0">
                 <a:solidFill>
                   <a:srgbClr val="3C5790"/>
                 </a:solidFill>
               </a:rPr>
               <a:t>" command.</a:t>
             </a:r>
-            <a:endParaRPr lang="en-US" sz="1400" dirty="0" smtClean="0">
-              <a:solidFill>
-                <a:srgbClr val="3C5790"/>
-              </a:solidFill>
-            </a:endParaRPr>
           </a:p>
         </p:txBody>
       </p:sp>
@@ -7270,13 +6936,6 @@
   <p:clrMapOvr>
     <a:masterClrMapping/>
   </p:clrMapOvr>
-  <p:timing>
-    <p:tnLst>
-      <p:par>
-        <p:cTn id="1" dur="indefinite" restart="never" nodeType="tmRoot"/>
-      </p:par>
-    </p:tnLst>
-  </p:timing>
 </p:sld>
 </file>
 
@@ -7331,7 +6990,7 @@
           <a:p>
             <a:pPr lvl="1"/>
             <a:r>
-              <a:rPr lang="en-US" dirty="0" smtClean="0">
+              <a:rPr lang="en-US" dirty="0">
                 <a:solidFill>
                   <a:schemeClr val="bg1"/>
                 </a:solidFill>
@@ -7339,14 +6998,14 @@
               <a:t>Co</a:t>
             </a:r>
             <a:r>
-              <a:rPr lang="ro-RO" dirty="0" smtClean="0">
+              <a:rPr lang="ro-RO" dirty="0">
                 <a:solidFill>
                   <a:schemeClr val="bg1"/>
                 </a:solidFill>
               </a:rPr>
               <a:t>re (cont.)</a:t>
             </a:r>
-            <a:endParaRPr lang="fr-CA" dirty="0" smtClean="0">
+            <a:endParaRPr lang="fr-CA" dirty="0">
               <a:solidFill>
                 <a:schemeClr val="bg1"/>
               </a:solidFill>
@@ -7375,7 +7034,7 @@
           <a:lstStyle/>
           <a:p>
             <a:r>
-              <a:rPr lang="en-US" sz="1400" dirty="0" err="1" smtClean="0">
+              <a:rPr lang="en-US" sz="1400" dirty="0" err="1">
                 <a:solidFill>
                   <a:srgbClr val="3C5790"/>
                 </a:solidFill>
@@ -7383,7 +7042,7 @@
               <a:t>Docker</a:t>
             </a:r>
             <a:r>
-              <a:rPr lang="en-US" sz="1400" dirty="0" smtClean="0">
+              <a:rPr lang="en-US" sz="1400" dirty="0">
                 <a:solidFill>
                   <a:srgbClr val="3C5790"/>
                 </a:solidFill>
@@ -7393,7 +7052,7 @@
           </a:p>
           <a:p>
             <a:r>
-              <a:rPr lang="en-US" sz="1400" dirty="0" smtClean="0">
+              <a:rPr lang="en-US" sz="1400" dirty="0">
                 <a:solidFill>
                   <a:srgbClr val="3C5790"/>
                 </a:solidFill>
@@ -7403,7 +7062,7 @@
           </a:p>
           <a:p>
             <a:r>
-              <a:rPr lang="en-US" sz="1400" dirty="0" smtClean="0">
+              <a:rPr lang="en-US" sz="1400" dirty="0">
                 <a:solidFill>
                   <a:srgbClr val="3C5790"/>
                 </a:solidFill>
@@ -7413,7 +7072,7 @@
           </a:p>
           <a:p>
             <a:r>
-              <a:rPr lang="en-US" sz="1400" dirty="0" smtClean="0">
+              <a:rPr lang="en-US" sz="1400" dirty="0">
                 <a:solidFill>
                   <a:srgbClr val="3C5790"/>
                 </a:solidFill>
@@ -7421,7 +7080,7 @@
               <a:t>Images can be searched using Web Interface: </a:t>
             </a:r>
             <a:r>
-              <a:rPr lang="en-US" sz="1400" b="1" dirty="0" smtClean="0">
+              <a:rPr lang="en-US" sz="1400" b="1" dirty="0">
                 <a:solidFill>
                   <a:srgbClr val="3C5790"/>
                 </a:solidFill>
@@ -7429,7 +7088,7 @@
               <a:t>https://registry.hub.docker.com/</a:t>
             </a:r>
             <a:r>
-              <a:rPr lang="en-US" sz="1400" dirty="0" smtClean="0">
+              <a:rPr lang="en-US" sz="1400" dirty="0">
                 <a:solidFill>
                   <a:srgbClr val="3C5790"/>
                 </a:solidFill>
@@ -7437,7 +7096,7 @@
               <a:t> or using the command line: "</a:t>
             </a:r>
             <a:r>
-              <a:rPr lang="en-US" sz="1400" b="1" dirty="0" err="1" smtClean="0">
+              <a:rPr lang="en-US" sz="1400" b="1" dirty="0" err="1">
                 <a:solidFill>
                   <a:srgbClr val="3C5790"/>
                 </a:solidFill>
@@ -7445,37 +7104,29 @@
               <a:t>Docker</a:t>
             </a:r>
             <a:r>
-              <a:rPr lang="en-US" sz="1400" b="1" dirty="0" smtClean="0">
-                <a:solidFill>
-                  <a:srgbClr val="3C5790"/>
-                </a:solidFill>
-              </a:rPr>
-              <a:t> search [image name</a:t>
-            </a:r>
-            <a:r>
-              <a:rPr lang="en-US" sz="1400" b="1" dirty="0" smtClean="0">
-                <a:solidFill>
-                  <a:srgbClr val="3C5790"/>
-                </a:solidFill>
-              </a:rPr>
-              <a:t>]</a:t>
-            </a:r>
-            <a:r>
-              <a:rPr lang="en-US" sz="1400" dirty="0" smtClean="0">
+              <a:rPr lang="en-US" sz="1400" b="1" dirty="0">
+                <a:solidFill>
+                  <a:srgbClr val="3C5790"/>
+                </a:solidFill>
+              </a:rPr>
+              <a:t> search [image name]</a:t>
+            </a:r>
+            <a:r>
+              <a:rPr lang="en-US" sz="1400" dirty="0">
                 <a:solidFill>
                   <a:srgbClr val="3C5790"/>
                 </a:solidFill>
               </a:rPr>
               <a:t>".</a:t>
             </a:r>
-            <a:endParaRPr lang="ro-RO" sz="1400" dirty="0" smtClean="0">
+            <a:endParaRPr lang="ro-RO" sz="1400" dirty="0">
               <a:solidFill>
                 <a:srgbClr val="3C5790"/>
               </a:solidFill>
             </a:endParaRPr>
           </a:p>
           <a:p>
-            <a:endParaRPr lang="en-US" sz="1400" dirty="0" smtClean="0">
+            <a:endParaRPr lang="en-US" sz="1400" dirty="0">
               <a:solidFill>
                 <a:srgbClr val="3C5790"/>
               </a:solidFill>
@@ -7488,13 +7139,6 @@
   <p:clrMapOvr>
     <a:masterClrMapping/>
   </p:clrMapOvr>
-  <p:timing>
-    <p:tnLst>
-      <p:par>
-        <p:cTn id="1" dur="indefinite" restart="never" nodeType="tmRoot"/>
-      </p:par>
-    </p:tnLst>
-  </p:timing>
 </p:sld>
 </file>
 
@@ -7549,7 +7193,7 @@
           <a:p>
             <a:pPr lvl="1"/>
             <a:r>
-              <a:rPr lang="en-US" dirty="0" smtClean="0">
+              <a:rPr lang="en-US" dirty="0">
                 <a:solidFill>
                   <a:schemeClr val="bg1"/>
                 </a:solidFill>
@@ -7557,14 +7201,14 @@
               <a:t>Co</a:t>
             </a:r>
             <a:r>
-              <a:rPr lang="ro-RO" dirty="0" smtClean="0">
+              <a:rPr lang="ro-RO" dirty="0">
                 <a:solidFill>
                   <a:schemeClr val="bg1"/>
                 </a:solidFill>
               </a:rPr>
               <a:t>re (cont.)</a:t>
             </a:r>
-            <a:endParaRPr lang="fr-CA" dirty="0" smtClean="0">
+            <a:endParaRPr lang="fr-CA" dirty="0">
               <a:solidFill>
                 <a:schemeClr val="bg1"/>
               </a:solidFill>
@@ -7593,7 +7237,7 @@
           <a:lstStyle/>
           <a:p>
             <a:r>
-              <a:rPr lang="en-US" sz="1400" dirty="0" err="1" smtClean="0">
+              <a:rPr lang="en-US" sz="1400" dirty="0" err="1">
                 <a:solidFill>
                   <a:srgbClr val="3C5790"/>
                 </a:solidFill>
@@ -7601,7 +7245,7 @@
               <a:t>Dockerfile</a:t>
             </a:r>
             <a:r>
-              <a:rPr lang="en-US" sz="1400" dirty="0" smtClean="0">
+              <a:rPr lang="en-US" sz="1400" dirty="0">
                 <a:solidFill>
                   <a:srgbClr val="3C5790"/>
                 </a:solidFill>
@@ -7611,23 +7255,15 @@
           </a:p>
           <a:p>
             <a:r>
-              <a:rPr lang="en-US" sz="1400" dirty="0" smtClean="0">
-                <a:solidFill>
-                  <a:srgbClr val="3C5790"/>
-                </a:solidFill>
-              </a:rPr>
-              <a:t>Instructions include tasks such as creating a directory, copying file from host to container</a:t>
-            </a:r>
-            <a:r>
-              <a:rPr lang="en-US" sz="1400" dirty="0" smtClean="0">
-                <a:solidFill>
-                  <a:srgbClr val="3C5790"/>
-                </a:solidFill>
-              </a:rPr>
-              <a:t>,</a:t>
-            </a:r>
-            <a:r>
-              <a:rPr lang="ro-RO" sz="1400" dirty="0" smtClean="0">
+              <a:rPr lang="en-US" sz="1400" dirty="0">
+                <a:solidFill>
+                  <a:srgbClr val="3C5790"/>
+                </a:solidFill>
+              </a:rPr>
+              <a:t>Instructions include tasks such as creating a directory, copying file from host to container,</a:t>
+            </a:r>
+            <a:r>
+              <a:rPr lang="ro-RO" sz="1400" dirty="0">
                 <a:solidFill>
                   <a:srgbClr val="3C5790"/>
                 </a:solidFill>
@@ -7635,98 +7271,66 @@
               <a:t> </a:t>
             </a:r>
             <a:r>
-              <a:rPr lang="en-US" sz="1400" dirty="0" smtClean="0">
-                <a:solidFill>
-                  <a:srgbClr val="3C5790"/>
-                </a:solidFill>
-              </a:rPr>
-              <a:t>etc</a:t>
-            </a:r>
-            <a:r>
-              <a:rPr lang="en-US" sz="1400" dirty="0" smtClean="0">
+              <a:rPr lang="en-US" sz="1400" dirty="0">
+                <a:solidFill>
+                  <a:srgbClr val="3C5790"/>
+                </a:solidFill>
+              </a:rPr>
+              <a:t>etc.</a:t>
+            </a:r>
+          </a:p>
+          <a:p>
+            <a:r>
+              <a:rPr lang="en-US" sz="1400" dirty="0">
+                <a:solidFill>
+                  <a:srgbClr val="3C5790"/>
+                </a:solidFill>
+              </a:rPr>
+              <a:t>Every line in a </a:t>
+            </a:r>
+            <a:r>
+              <a:rPr lang="en-US" sz="1400" dirty="0" err="1">
+                <a:solidFill>
+                  <a:srgbClr val="3C5790"/>
+                </a:solidFill>
+              </a:rPr>
+              <a:t>Dockrefile</a:t>
+            </a:r>
+            <a:r>
+              <a:rPr lang="en-US" sz="1400" dirty="0">
+                <a:solidFill>
+                  <a:srgbClr val="3C5790"/>
+                </a:solidFill>
+              </a:rPr>
+              <a:t> starts with an instruction followed by a statement.</a:t>
+            </a:r>
+          </a:p>
+          <a:p>
+            <a:r>
+              <a:rPr lang="en-US" sz="1400" dirty="0">
+                <a:solidFill>
+                  <a:srgbClr val="3C5790"/>
+                </a:solidFill>
+              </a:rPr>
+              <a:t>Every instruction creates a layer on the image when the image gets build from the </a:t>
+            </a:r>
+            <a:r>
+              <a:rPr lang="en-US" sz="1400" dirty="0" err="1">
+                <a:solidFill>
+                  <a:srgbClr val="3C5790"/>
+                </a:solidFill>
+              </a:rPr>
+              <a:t>Dockerfile</a:t>
+            </a:r>
+            <a:r>
+              <a:rPr lang="en-US" sz="1400" dirty="0">
                 <a:solidFill>
                   <a:srgbClr val="3C5790"/>
                 </a:solidFill>
               </a:rPr>
               <a:t>.</a:t>
             </a:r>
-          </a:p>
-          <a:p>
-            <a:r>
-              <a:rPr lang="en-US" sz="1400" dirty="0" smtClean="0">
-                <a:solidFill>
-                  <a:srgbClr val="3C5790"/>
-                </a:solidFill>
-              </a:rPr>
-              <a:t>Every </a:t>
-            </a:r>
-            <a:r>
-              <a:rPr lang="en-US" sz="1400" dirty="0" smtClean="0">
-                <a:solidFill>
-                  <a:srgbClr val="3C5790"/>
-                </a:solidFill>
-              </a:rPr>
-              <a:t>line in a </a:t>
-            </a:r>
-            <a:r>
-              <a:rPr lang="en-US" sz="1400" dirty="0" err="1" smtClean="0">
-                <a:solidFill>
-                  <a:srgbClr val="3C5790"/>
-                </a:solidFill>
-              </a:rPr>
-              <a:t>Dockrefile</a:t>
-            </a:r>
-            <a:r>
-              <a:rPr lang="en-US" sz="1400" dirty="0" smtClean="0">
-                <a:solidFill>
-                  <a:srgbClr val="3C5790"/>
-                </a:solidFill>
-              </a:rPr>
-              <a:t> starts with an instruction followed by a statement.</a:t>
-            </a:r>
-          </a:p>
-          <a:p>
-            <a:r>
-              <a:rPr lang="en-US" sz="1400" dirty="0" smtClean="0">
-                <a:solidFill>
-                  <a:srgbClr val="3C5790"/>
-                </a:solidFill>
-              </a:rPr>
-              <a:t>Every instruction creates a layer on the image when the </a:t>
-            </a:r>
-            <a:r>
-              <a:rPr lang="en-US" sz="1400" dirty="0" smtClean="0">
-                <a:solidFill>
-                  <a:srgbClr val="3C5790"/>
-                </a:solidFill>
-              </a:rPr>
-              <a:t>image </a:t>
-            </a:r>
-            <a:r>
-              <a:rPr lang="en-US" sz="1400" dirty="0" smtClean="0">
-                <a:solidFill>
-                  <a:srgbClr val="3C5790"/>
-                </a:solidFill>
-              </a:rPr>
-              <a:t>gets build from the </a:t>
-            </a:r>
-            <a:r>
-              <a:rPr lang="en-US" sz="1400" dirty="0" err="1" smtClean="0">
-                <a:solidFill>
-                  <a:srgbClr val="3C5790"/>
-                </a:solidFill>
-              </a:rPr>
-              <a:t>Dockerfile</a:t>
-            </a:r>
-            <a:r>
-              <a:rPr lang="en-US" sz="1400" dirty="0" smtClean="0">
-                <a:solidFill>
-                  <a:srgbClr val="3C5790"/>
-                </a:solidFill>
-              </a:rPr>
-              <a:t>.</a:t>
-            </a:r>
-            <a:endParaRPr lang="ro-RO" sz="1400" dirty="0" smtClean="0">
+            <a:endParaRPr lang="ro-RO" sz="1400" dirty="0">
               <a:solidFill>
                 <a:srgbClr val="3C5790"/>
               </a:solidFill>
@@ -7734,7 +7338,7 @@
           </a:p>
           <a:p>
             <a:r>
-              <a:rPr lang="ro-RO" sz="1400" dirty="0" smtClean="0">
+              <a:rPr lang="ro-RO" sz="1400" dirty="0">
                 <a:solidFill>
                   <a:srgbClr val="3C5790"/>
                 </a:solidFill>
@@ -7744,25 +7348,17 @@
           </a:p>
           <a:p>
             <a:r>
-              <a:rPr lang="en-US" sz="1400" dirty="0" smtClean="0">
-                <a:solidFill>
-                  <a:srgbClr val="3C5790"/>
-                </a:solidFill>
-              </a:rPr>
-              <a:t>FROM </a:t>
-            </a:r>
-            <a:r>
-              <a:rPr lang="en-US" sz="1400" dirty="0" smtClean="0">
-                <a:solidFill>
-                  <a:srgbClr val="3C5790"/>
-                </a:solidFill>
-              </a:rPr>
-              <a:t>ubuntu:14.04</a:t>
-            </a:r>
-          </a:p>
-          <a:p>
-            <a:r>
-              <a:rPr lang="en-US" sz="1400" dirty="0" smtClean="0">
+              <a:rPr lang="en-US" sz="1400" dirty="0">
+                <a:solidFill>
+                  <a:srgbClr val="3C5790"/>
+                </a:solidFill>
+              </a:rPr>
+              <a:t>FROM ubuntu:14.04</a:t>
+            </a:r>
+          </a:p>
+          <a:p>
+            <a:r>
+              <a:rPr lang="en-US" sz="1400" dirty="0">
                 <a:solidFill>
                   <a:srgbClr val="3C5790"/>
                 </a:solidFill>
@@ -7770,7 +7366,7 @@
               <a:t>MAINTAINER </a:t>
             </a:r>
             <a:r>
-              <a:rPr lang="en-US" sz="1400" dirty="0" err="1" smtClean="0">
+              <a:rPr lang="en-US" sz="1400" dirty="0" err="1">
                 <a:solidFill>
                   <a:srgbClr val="3C5790"/>
                 </a:solidFill>
@@ -7778,7 +7374,7 @@
               <a:t>bibin</a:t>
             </a:r>
             <a:r>
-              <a:rPr lang="en-US" sz="1400" dirty="0" smtClean="0">
+              <a:rPr lang="en-US" sz="1400" dirty="0">
                 <a:solidFill>
                   <a:srgbClr val="3C5790"/>
                 </a:solidFill>
@@ -7786,7 +7382,7 @@
               <a:t> </a:t>
             </a:r>
             <a:r>
-              <a:rPr lang="en-US" sz="1400" dirty="0" err="1" smtClean="0">
+              <a:rPr lang="en-US" sz="1400" dirty="0" err="1">
                 <a:solidFill>
                   <a:srgbClr val="3C5790"/>
                 </a:solidFill>
@@ -7794,7 +7390,7 @@
               <a:t>wilson</a:t>
             </a:r>
             <a:r>
-              <a:rPr lang="en-US" sz="1400" dirty="0" smtClean="0">
+              <a:rPr lang="en-US" sz="1400" dirty="0">
                 <a:solidFill>
                   <a:srgbClr val="3C5790"/>
                 </a:solidFill>
@@ -7804,7 +7400,7 @@
           </a:p>
           <a:p>
             <a:r>
-              <a:rPr lang="en-US" sz="1400" dirty="0" smtClean="0">
+              <a:rPr lang="en-US" sz="1400" dirty="0">
                 <a:solidFill>
                   <a:srgbClr val="3C5790"/>
                 </a:solidFill>
@@ -7812,7 +7408,7 @@
               <a:t>RUN apt-get update &amp;&amp; apt-get install -y ruby </a:t>
             </a:r>
             <a:r>
-              <a:rPr lang="en-US" sz="1400" dirty="0" err="1" smtClean="0">
+              <a:rPr lang="en-US" sz="1400" dirty="0" err="1">
                 <a:solidFill>
                   <a:srgbClr val="3C5790"/>
                 </a:solidFill>
@@ -7820,7 +7416,7 @@
               <a:t>ruby</a:t>
             </a:r>
             <a:r>
-              <a:rPr lang="en-US" sz="1400" dirty="0" smtClean="0">
+              <a:rPr lang="en-US" sz="1400" dirty="0">
                 <a:solidFill>
                   <a:srgbClr val="3C5790"/>
                 </a:solidFill>
@@ -7830,7 +7426,7 @@
           </a:p>
           <a:p>
             <a:r>
-              <a:rPr lang="en-US" sz="1400" dirty="0" smtClean="0">
+              <a:rPr lang="en-US" sz="1400" dirty="0">
                 <a:solidFill>
                   <a:srgbClr val="3C5790"/>
                 </a:solidFill>
@@ -7838,21 +7434,21 @@
               <a:t>RUN gem install </a:t>
             </a:r>
             <a:r>
-              <a:rPr lang="en-US" sz="1400" dirty="0" err="1" smtClean="0">
+              <a:rPr lang="en-US" sz="1400" dirty="0" err="1">
                 <a:solidFill>
                   <a:srgbClr val="3C5790"/>
                 </a:solidFill>
               </a:rPr>
               <a:t>sinatra</a:t>
             </a:r>
-            <a:endParaRPr lang="en-US" sz="1400" dirty="0" smtClean="0">
+            <a:endParaRPr lang="en-US" sz="1400" dirty="0">
               <a:solidFill>
                 <a:srgbClr val="3C5790"/>
               </a:solidFill>
             </a:endParaRPr>
           </a:p>
           <a:p>
-            <a:endParaRPr lang="en-US" sz="1400" dirty="0" smtClean="0">
+            <a:endParaRPr lang="en-US" sz="1400" dirty="0">
               <a:solidFill>
                 <a:srgbClr val="3C5790"/>
               </a:solidFill>
@@ -7865,13 +7461,6 @@
   <p:clrMapOvr>
     <a:masterClrMapping/>
   </p:clrMapOvr>
-  <p:timing>
-    <p:tnLst>
-      <p:par>
-        <p:cTn id="1" dur="indefinite" restart="never" nodeType="tmRoot"/>
-      </p:par>
-    </p:tnLst>
-  </p:timing>
 </p:sld>
 </file>
 
@@ -7926,14 +7515,14 @@
           <a:p>
             <a:pPr lvl="1"/>
             <a:r>
-              <a:rPr lang="ro-RO" dirty="0" smtClean="0">
+              <a:rPr lang="ro-RO" dirty="0">
                 <a:solidFill>
                   <a:schemeClr val="bg1"/>
                 </a:solidFill>
               </a:rPr>
               <a:t>Building Containers</a:t>
             </a:r>
-            <a:endParaRPr lang="fr-CA" dirty="0" smtClean="0">
+            <a:endParaRPr lang="fr-CA" dirty="0">
               <a:solidFill>
                 <a:schemeClr val="bg1"/>
               </a:solidFill>
@@ -7962,7 +7551,7 @@
           <a:lstStyle/>
           <a:p>
             <a:r>
-              <a:rPr lang="en-US" sz="1400" dirty="0" smtClean="0">
+              <a:rPr lang="en-US" sz="1400" dirty="0">
                 <a:solidFill>
                   <a:srgbClr val="3C5790"/>
                 </a:solidFill>
@@ -7970,7 +7559,7 @@
               <a:t>Building </a:t>
             </a:r>
             <a:r>
-              <a:rPr lang="en-US" sz="1400" dirty="0" err="1" smtClean="0">
+              <a:rPr lang="en-US" sz="1400" dirty="0" err="1">
                 <a:solidFill>
                   <a:srgbClr val="3C5790"/>
                 </a:solidFill>
@@ -7978,7 +7567,7 @@
               <a:t>docker</a:t>
             </a:r>
             <a:r>
-              <a:rPr lang="en-US" sz="1400" dirty="0" smtClean="0">
+              <a:rPr lang="en-US" sz="1400" dirty="0">
                 <a:solidFill>
                   <a:srgbClr val="3C5790"/>
                 </a:solidFill>
@@ -7988,7 +7577,7 @@
           </a:p>
           <a:p>
             <a:r>
-              <a:rPr lang="en-US" sz="1400" dirty="0" smtClean="0">
+              <a:rPr lang="en-US" sz="1400" dirty="0">
                 <a:solidFill>
                   <a:srgbClr val="3C5790"/>
                 </a:solidFill>
@@ -7996,7 +7585,7 @@
               <a:t>There is no need for creating images manually when it can be automated using </a:t>
             </a:r>
             <a:r>
-              <a:rPr lang="en-US" sz="1400" dirty="0" err="1" smtClean="0">
+              <a:rPr lang="en-US" sz="1400" dirty="0" err="1">
                 <a:solidFill>
                   <a:srgbClr val="3C5790"/>
                 </a:solidFill>
@@ -8004,7 +7593,7 @@
               <a:t>dockerfile</a:t>
             </a:r>
             <a:r>
-              <a:rPr lang="en-US" sz="1400" dirty="0" smtClean="0">
+              <a:rPr lang="en-US" sz="1400" dirty="0">
                 <a:solidFill>
                   <a:srgbClr val="3C5790"/>
                 </a:solidFill>
@@ -8014,7 +7603,7 @@
           </a:p>
           <a:p>
             <a:r>
-              <a:rPr lang="en-US" sz="1400" dirty="0" err="1" smtClean="0">
+              <a:rPr lang="en-US" sz="1400" dirty="0" err="1">
                 <a:solidFill>
                   <a:srgbClr val="3C5790"/>
                 </a:solidFill>
@@ -8022,7 +7611,7 @@
               <a:t>Dockerfile</a:t>
             </a:r>
             <a:r>
-              <a:rPr lang="en-US" sz="1400" dirty="0" smtClean="0">
+              <a:rPr lang="en-US" sz="1400" dirty="0">
                 <a:solidFill>
                   <a:srgbClr val="3C5790"/>
                 </a:solidFill>
@@ -8032,7 +7621,7 @@
           </a:p>
           <a:p>
             <a:r>
-              <a:rPr lang="en-US" sz="1400" dirty="0" err="1" smtClean="0">
+              <a:rPr lang="en-US" sz="1400" dirty="0" err="1">
                 <a:solidFill>
                   <a:srgbClr val="3C5790"/>
                 </a:solidFill>
@@ -8040,7 +7629,7 @@
               <a:t>Dockerfile</a:t>
             </a:r>
             <a:r>
-              <a:rPr lang="en-US" sz="1400" dirty="0" smtClean="0">
+              <a:rPr lang="en-US" sz="1400" dirty="0">
                 <a:solidFill>
                   <a:srgbClr val="3C5790"/>
                 </a:solidFill>
@@ -8051,7 +7640,7 @@
           <a:p>
             <a:pPr lvl="1"/>
             <a:r>
-              <a:rPr lang="en-US" sz="1200" dirty="0" smtClean="0">
+              <a:rPr lang="en-US" sz="1200" dirty="0">
                 <a:solidFill>
                   <a:srgbClr val="3C5790"/>
                 </a:solidFill>
@@ -8062,7 +7651,7 @@
           <a:p>
             <a:pPr lvl="1"/>
             <a:r>
-              <a:rPr lang="en-US" sz="1200" dirty="0" smtClean="0">
+              <a:rPr lang="en-US" sz="1200" dirty="0">
                 <a:solidFill>
                   <a:srgbClr val="3C5790"/>
                 </a:solidFill>
@@ -8073,14 +7662,14 @@
           <a:p>
             <a:pPr lvl="1"/>
             <a:r>
-              <a:rPr lang="en-US" sz="1200" dirty="0" err="1" smtClean="0">
+              <a:rPr lang="en-US" sz="1200" dirty="0" err="1">
                 <a:solidFill>
                   <a:srgbClr val="3C5790"/>
                 </a:solidFill>
               </a:rPr>
               <a:t>RUn</a:t>
             </a:r>
-            <a:endParaRPr lang="en-US" sz="1200" dirty="0" smtClean="0">
+            <a:endParaRPr lang="en-US" sz="1200" dirty="0">
               <a:solidFill>
                 <a:srgbClr val="3C5790"/>
               </a:solidFill>
@@ -8089,7 +7678,7 @@
           <a:p>
             <a:pPr lvl="1"/>
             <a:r>
-              <a:rPr lang="en-US" sz="1200" dirty="0" smtClean="0">
+              <a:rPr lang="en-US" sz="1200" dirty="0">
                 <a:solidFill>
                   <a:srgbClr val="3C5790"/>
                 </a:solidFill>
@@ -8100,7 +7689,7 @@
           <a:p>
             <a:pPr lvl="1"/>
             <a:r>
-              <a:rPr lang="en-US" sz="1200" dirty="0" smtClean="0">
+              <a:rPr lang="en-US" sz="1200" dirty="0">
                 <a:solidFill>
                   <a:srgbClr val="3C5790"/>
                 </a:solidFill>
@@ -8111,7 +7700,7 @@
           <a:p>
             <a:pPr lvl="1"/>
             <a:r>
-              <a:rPr lang="en-US" sz="1200" dirty="0" smtClean="0">
+              <a:rPr lang="en-US" sz="1200" dirty="0">
                 <a:solidFill>
                   <a:srgbClr val="3C5790"/>
                 </a:solidFill>
@@ -8122,7 +7711,7 @@
           <a:p>
             <a:pPr lvl="1"/>
             <a:r>
-              <a:rPr lang="en-US" sz="1200" dirty="0" smtClean="0">
+              <a:rPr lang="en-US" sz="1200" dirty="0">
                 <a:solidFill>
                   <a:srgbClr val="3C5790"/>
                 </a:solidFill>
@@ -8133,7 +7722,7 @@
           <a:p>
             <a:pPr lvl="1"/>
             <a:r>
-              <a:rPr lang="en-US" sz="1200" dirty="0" smtClean="0">
+              <a:rPr lang="en-US" sz="1200" dirty="0">
                 <a:solidFill>
                   <a:srgbClr val="3C5790"/>
                 </a:solidFill>
@@ -8144,7 +7733,7 @@
           <a:p>
             <a:pPr lvl="1"/>
             <a:r>
-              <a:rPr lang="en-US" sz="1200" dirty="0" smtClean="0">
+              <a:rPr lang="en-US" sz="1200" dirty="0">
                 <a:solidFill>
                   <a:srgbClr val="3C5790"/>
                 </a:solidFill>
@@ -8155,7 +7744,7 @@
           <a:p>
             <a:pPr lvl="1"/>
             <a:r>
-              <a:rPr lang="en-US" sz="1200" dirty="0" smtClean="0">
+              <a:rPr lang="en-US" sz="1200" dirty="0">
                 <a:solidFill>
                   <a:srgbClr val="3C5790"/>
                 </a:solidFill>
@@ -8166,18 +7755,13 @@
           <a:p>
             <a:pPr lvl="1"/>
             <a:r>
-              <a:rPr lang="en-US" sz="1200" dirty="0" smtClean="0">
+              <a:rPr lang="en-US" sz="1200" dirty="0">
                 <a:solidFill>
                   <a:srgbClr val="3C5790"/>
                 </a:solidFill>
               </a:rPr>
               <a:t>WORKDIR</a:t>
             </a:r>
-            <a:endParaRPr lang="en-US" sz="1200" dirty="0" smtClean="0">
-              <a:solidFill>
-                <a:srgbClr val="3C5790"/>
-              </a:solidFill>
-            </a:endParaRPr>
           </a:p>
         </p:txBody>
       </p:sp>
@@ -8186,13 +7770,6 @@
   <p:clrMapOvr>
     <a:masterClrMapping/>
   </p:clrMapOvr>
-  <p:timing>
-    <p:tnLst>
-      <p:par>
-        <p:cTn id="1" dur="indefinite" restart="never" nodeType="tmRoot"/>
-      </p:par>
-    </p:tnLst>
-  </p:timing>
 </p:sld>
 </file>
 
@@ -8247,22 +7824,14 @@
           <a:p>
             <a:pPr lvl="1"/>
             <a:r>
-              <a:rPr lang="ro-RO" dirty="0" smtClean="0">
+              <a:rPr lang="ro-RO" dirty="0">
                 <a:solidFill>
                   <a:schemeClr val="bg1"/>
                 </a:solidFill>
               </a:rPr>
-              <a:t>Building Containers </a:t>
-            </a:r>
-            <a:r>
-              <a:rPr lang="ro-RO" dirty="0" smtClean="0">
-                <a:solidFill>
-                  <a:schemeClr val="bg1"/>
-                </a:solidFill>
-              </a:rPr>
-              <a:t>(cont.)</a:t>
-            </a:r>
-            <a:endParaRPr lang="fr-CA" dirty="0" smtClean="0">
+              <a:t>Building Containers (cont.)</a:t>
+            </a:r>
+            <a:endParaRPr lang="fr-CA" dirty="0">
               <a:solidFill>
                 <a:schemeClr val="bg1"/>
               </a:solidFill>
@@ -8291,7 +7860,7 @@
           <a:lstStyle/>
           <a:p>
             <a:r>
-              <a:rPr lang="en-US" sz="1400" dirty="0" smtClean="0">
+              <a:rPr lang="en-US" sz="1400" dirty="0">
                 <a:solidFill>
                   <a:srgbClr val="3C5790"/>
                 </a:solidFill>
@@ -8299,7 +7868,7 @@
               <a:t>FROM: every </a:t>
             </a:r>
             <a:r>
-              <a:rPr lang="en-US" sz="1400" dirty="0" err="1" smtClean="0">
+              <a:rPr lang="en-US" sz="1400" dirty="0" err="1">
                 <a:solidFill>
                   <a:srgbClr val="3C5790"/>
                 </a:solidFill>
@@ -8307,7 +7876,7 @@
               <a:t>dockerfile</a:t>
             </a:r>
             <a:r>
-              <a:rPr lang="en-US" sz="1400" dirty="0" smtClean="0">
+              <a:rPr lang="en-US" sz="1400" dirty="0">
                 <a:solidFill>
                   <a:srgbClr val="3C5790"/>
                 </a:solidFill>
@@ -8317,7 +7886,7 @@
           </a:p>
           <a:p>
             <a:r>
-              <a:rPr lang="en-US" sz="1400" dirty="0" smtClean="0">
+              <a:rPr lang="en-US" sz="1400" dirty="0">
                 <a:solidFill>
                   <a:srgbClr val="3C5790"/>
                 </a:solidFill>
@@ -8327,7 +7896,7 @@
           </a:p>
           <a:p>
             <a:r>
-              <a:rPr lang="en-US" sz="1400" dirty="0" smtClean="0">
+              <a:rPr lang="en-US" sz="1400" dirty="0">
                 <a:solidFill>
                   <a:srgbClr val="3C5790"/>
                 </a:solidFill>
@@ -8337,7 +7906,7 @@
           </a:p>
           <a:p>
             <a:r>
-              <a:rPr lang="en-US" sz="1400" dirty="0" smtClean="0">
+              <a:rPr lang="en-US" sz="1400" dirty="0">
                 <a:solidFill>
                   <a:srgbClr val="3C5790"/>
                 </a:solidFill>
@@ -8345,7 +7914,7 @@
               <a:t>ENV set the </a:t>
             </a:r>
             <a:r>
-              <a:rPr lang="en-US" sz="1400" dirty="0" err="1" smtClean="0">
+              <a:rPr lang="en-US" sz="1400" dirty="0" err="1">
                 <a:solidFill>
                   <a:srgbClr val="3C5790"/>
                 </a:solidFill>
@@ -8353,7 +7922,7 @@
               <a:t>evirnoment</a:t>
             </a:r>
             <a:r>
-              <a:rPr lang="en-US" sz="1400" dirty="0" smtClean="0">
+              <a:rPr lang="en-US" sz="1400" dirty="0">
                 <a:solidFill>
                   <a:srgbClr val="3C5790"/>
                 </a:solidFill>
@@ -8363,7 +7932,7 @@
           </a:p>
           <a:p>
             <a:r>
-              <a:rPr lang="en-US" sz="1400" dirty="0" smtClean="0">
+              <a:rPr lang="en-US" sz="1400" dirty="0">
                 <a:solidFill>
                   <a:srgbClr val="3C5790"/>
                 </a:solidFill>
@@ -8371,7 +7940,7 @@
               <a:t>CMD, like RUN can execute a specific command. The </a:t>
             </a:r>
             <a:r>
-              <a:rPr lang="en-US" sz="1400" dirty="0" err="1" smtClean="0">
+              <a:rPr lang="en-US" sz="1400" dirty="0" err="1">
                 <a:solidFill>
                   <a:srgbClr val="3C5790"/>
                 </a:solidFill>
@@ -8379,7 +7948,7 @@
               <a:t>diference</a:t>
             </a:r>
             <a:r>
-              <a:rPr lang="en-US" sz="1400" dirty="0" smtClean="0">
+              <a:rPr lang="en-US" sz="1400" dirty="0">
                 <a:solidFill>
                   <a:srgbClr val="3C5790"/>
                 </a:solidFill>
@@ -8389,7 +7958,7 @@
           </a:p>
           <a:p>
             <a:r>
-              <a:rPr lang="en-US" sz="1400" dirty="0" smtClean="0">
+              <a:rPr lang="en-US" sz="1400" dirty="0">
                 <a:solidFill>
                   <a:srgbClr val="3C5790"/>
                 </a:solidFill>
@@ -8399,18 +7968,13 @@
           </a:p>
           <a:p>
             <a:r>
-              <a:rPr lang="en-US" sz="1400" dirty="0" smtClean="0">
+              <a:rPr lang="en-US" sz="1400" dirty="0">
                 <a:solidFill>
                   <a:srgbClr val="3C5790"/>
                 </a:solidFill>
               </a:rPr>
               <a:t>COPY is used for copying files and folders from a source to the destination.</a:t>
             </a:r>
-            <a:endParaRPr lang="en-US" sz="1400" dirty="0" smtClean="0">
-              <a:solidFill>
-                <a:srgbClr val="3C5790"/>
-              </a:solidFill>
-            </a:endParaRPr>
           </a:p>
         </p:txBody>
       </p:sp>
@@ -8419,13 +7983,6 @@
   <p:clrMapOvr>
     <a:masterClrMapping/>
   </p:clrMapOvr>
-  <p:timing>
-    <p:tnLst>
-      <p:par>
-        <p:cTn id="1" dur="indefinite" restart="never" nodeType="tmRoot"/>
-      </p:par>
-    </p:tnLst>
-  </p:timing>
 </p:sld>
 </file>
 
@@ -8480,22 +8037,14 @@
           <a:p>
             <a:pPr lvl="1"/>
             <a:r>
-              <a:rPr lang="ro-RO" dirty="0" smtClean="0">
+              <a:rPr lang="ro-RO" dirty="0">
                 <a:solidFill>
                   <a:schemeClr val="bg1"/>
                 </a:solidFill>
               </a:rPr>
-              <a:t>Building Containers </a:t>
-            </a:r>
-            <a:r>
-              <a:rPr lang="ro-RO" dirty="0" smtClean="0">
-                <a:solidFill>
-                  <a:schemeClr val="bg1"/>
-                </a:solidFill>
-              </a:rPr>
-              <a:t>(cont.)</a:t>
-            </a:r>
-            <a:endParaRPr lang="fr-CA" dirty="0" smtClean="0">
+              <a:t>Building Containers (cont.)</a:t>
+            </a:r>
+            <a:endParaRPr lang="fr-CA" dirty="0">
               <a:solidFill>
                 <a:schemeClr val="bg1"/>
               </a:solidFill>
@@ -8524,7 +8073,7 @@
           <a:lstStyle/>
           <a:p>
             <a:r>
-              <a:rPr lang="en-US" sz="1400" dirty="0" smtClean="0">
+              <a:rPr lang="en-US" sz="1400" dirty="0">
                 <a:solidFill>
                   <a:srgbClr val="3C5790"/>
                 </a:solidFill>
@@ -8532,7 +8081,7 @@
               <a:t>The </a:t>
             </a:r>
             <a:r>
-              <a:rPr lang="en-US" sz="1400" b="1" dirty="0" smtClean="0">
+              <a:rPr lang="en-US" sz="1400" b="1" dirty="0">
                 <a:solidFill>
                   <a:srgbClr val="3C5790"/>
                 </a:solidFill>
@@ -8540,7 +8089,7 @@
               <a:t>.</a:t>
             </a:r>
             <a:r>
-              <a:rPr lang="en-US" sz="1400" b="1" dirty="0" err="1" smtClean="0">
+              <a:rPr lang="en-US" sz="1400" b="1" dirty="0" err="1">
                 <a:solidFill>
                   <a:srgbClr val="3C5790"/>
                 </a:solidFill>
@@ -8548,7 +8097,7 @@
               <a:t>dockerignorefile</a:t>
             </a:r>
             <a:r>
-              <a:rPr lang="en-US" sz="1400" dirty="0" smtClean="0">
+              <a:rPr lang="en-US" sz="1400" dirty="0">
                 <a:solidFill>
                   <a:srgbClr val="3C5790"/>
                 </a:solidFill>
@@ -8558,7 +8107,7 @@
           </a:p>
           <a:p>
             <a:r>
-              <a:rPr lang="en-US" sz="1400" dirty="0" smtClean="0">
+              <a:rPr lang="en-US" sz="1400" dirty="0">
                 <a:solidFill>
                   <a:srgbClr val="3C5790"/>
                 </a:solidFill>
@@ -8568,7 +8117,7 @@
           </a:p>
           <a:p>
             <a:r>
-              <a:rPr lang="en-US" sz="1400" dirty="0" smtClean="0">
+              <a:rPr lang="en-US" sz="1400" dirty="0">
                 <a:solidFill>
                   <a:srgbClr val="3C5790"/>
                 </a:solidFill>
@@ -8576,14 +8125,14 @@
               <a:t>FROM </a:t>
             </a:r>
             <a:r>
-              <a:rPr lang="en-US" sz="1400" dirty="0" err="1" smtClean="0">
+              <a:rPr lang="en-US" sz="1400" dirty="0" err="1">
                 <a:solidFill>
                   <a:srgbClr val="3C5790"/>
                 </a:solidFill>
               </a:rPr>
               <a:t>ubuntu</a:t>
             </a:r>
-            <a:endParaRPr lang="en-US" sz="1400" dirty="0" smtClean="0">
+            <a:endParaRPr lang="en-US" sz="1400" dirty="0">
               <a:solidFill>
                 <a:srgbClr val="3C5790"/>
               </a:solidFill>
@@ -8591,7 +8140,7 @@
           </a:p>
           <a:p>
             <a:r>
-              <a:rPr lang="en-US" sz="1400" dirty="0" smtClean="0">
+              <a:rPr lang="en-US" sz="1400" dirty="0">
                 <a:solidFill>
                   <a:srgbClr val="3C5790"/>
                 </a:solidFill>
@@ -8599,7 +8148,7 @@
               <a:t>MAINTAINER </a:t>
             </a:r>
             <a:r>
-              <a:rPr lang="en-US" sz="1400" dirty="0" err="1" smtClean="0">
+              <a:rPr lang="en-US" sz="1400" dirty="0" err="1">
                 <a:solidFill>
                   <a:srgbClr val="3C5790"/>
                 </a:solidFill>
@@ -8607,7 +8156,7 @@
               <a:t>Bibin</a:t>
             </a:r>
             <a:r>
-              <a:rPr lang="en-US" sz="1400" dirty="0" smtClean="0">
+              <a:rPr lang="en-US" sz="1400" dirty="0">
                 <a:solidFill>
                   <a:srgbClr val="3C5790"/>
                 </a:solidFill>
@@ -8617,7 +8166,7 @@
           </a:p>
           <a:p>
             <a:r>
-              <a:rPr lang="en-US" sz="1400" dirty="0" smtClean="0">
+              <a:rPr lang="en-US" sz="1400" dirty="0">
                 <a:solidFill>
                   <a:srgbClr val="3C5790"/>
                 </a:solidFill>
@@ -8625,7 +8174,7 @@
               <a:t>RUN apt-key adv —</a:t>
             </a:r>
             <a:r>
-              <a:rPr lang="en-US" sz="1400" dirty="0" err="1" smtClean="0">
+              <a:rPr lang="en-US" sz="1400" dirty="0" err="1">
                 <a:solidFill>
                   <a:srgbClr val="3C5790"/>
                 </a:solidFill>
@@ -8633,7 +8182,7 @@
               <a:t>keyserver</a:t>
             </a:r>
             <a:r>
-              <a:rPr lang="en-US" sz="1400" dirty="0" smtClean="0">
+              <a:rPr lang="en-US" sz="1400" dirty="0">
                 <a:solidFill>
                   <a:srgbClr val="3C5790"/>
                 </a:solidFill>
@@ -8641,7 +8190,7 @@
               <a:t> keyserver.ubuntu.com —</a:t>
             </a:r>
             <a:r>
-              <a:rPr lang="en-US" sz="1400" dirty="0" err="1" smtClean="0">
+              <a:rPr lang="en-US" sz="1400" dirty="0" err="1">
                 <a:solidFill>
                   <a:srgbClr val="3C5790"/>
                 </a:solidFill>
@@ -8649,7 +8198,7 @@
               <a:t>recv</a:t>
             </a:r>
             <a:r>
-              <a:rPr lang="en-US" sz="1400" dirty="0" smtClean="0">
+              <a:rPr lang="en-US" sz="1400" dirty="0">
                 <a:solidFill>
                   <a:srgbClr val="3C5790"/>
                 </a:solidFill>
@@ -8659,7 +8208,7 @@
           </a:p>
           <a:p>
             <a:r>
-              <a:rPr lang="en-US" sz="1400" dirty="0" smtClean="0">
+              <a:rPr lang="en-US" sz="1400" dirty="0">
                 <a:solidFill>
                   <a:srgbClr val="3C5790"/>
                 </a:solidFill>
@@ -8667,7 +8216,7 @@
               <a:t>RUN echo “</a:t>
             </a:r>
             <a:r>
-              <a:rPr lang="en-US" sz="1400" dirty="0" err="1" smtClean="0">
+              <a:rPr lang="en-US" sz="1400" dirty="0" err="1">
                 <a:solidFill>
                   <a:srgbClr val="3C5790"/>
                 </a:solidFill>
@@ -8675,7 +8224,7 @@
               <a:t>deb</a:t>
             </a:r>
             <a:r>
-              <a:rPr lang="en-US" sz="1400" dirty="0" smtClean="0">
+              <a:rPr lang="en-US" sz="1400" dirty="0">
                 <a:solidFill>
                   <a:srgbClr val="3C5790"/>
                 </a:solidFill>
@@ -8683,7 +8232,7 @@
               <a:t> http://downloads-distro.mongodb.org/repo/ubuntu-upstart dist 10gen” | tee -a /etc/apt/</a:t>
             </a:r>
             <a:r>
-              <a:rPr lang="en-US" sz="1400" dirty="0" err="1" smtClean="0">
+              <a:rPr lang="en-US" sz="1400" dirty="0" err="1">
                 <a:solidFill>
                   <a:srgbClr val="3C5790"/>
                 </a:solidFill>
@@ -8691,7 +8240,7 @@
               <a:t>sources.list.d</a:t>
             </a:r>
             <a:r>
-              <a:rPr lang="en-US" sz="1400" dirty="0" smtClean="0">
+              <a:rPr lang="en-US" sz="1400" dirty="0">
                 <a:solidFill>
                   <a:srgbClr val="3C5790"/>
                 </a:solidFill>
@@ -8701,7 +8250,7 @@
           </a:p>
           <a:p>
             <a:r>
-              <a:rPr lang="en-US" sz="1400" dirty="0" smtClean="0">
+              <a:rPr lang="en-US" sz="1400" dirty="0">
                 <a:solidFill>
                   <a:srgbClr val="3C5790"/>
                 </a:solidFill>
@@ -8711,7 +8260,7 @@
           </a:p>
           <a:p>
             <a:r>
-              <a:rPr lang="en-US" sz="1400" dirty="0" smtClean="0">
+              <a:rPr lang="en-US" sz="1400" dirty="0">
                 <a:solidFill>
                   <a:srgbClr val="3C5790"/>
                 </a:solidFill>
@@ -8719,14 +8268,14 @@
               <a:t>RUN apt-get -y install apt-</a:t>
             </a:r>
             <a:r>
-              <a:rPr lang="en-US" sz="1400" dirty="0" err="1" smtClean="0">
+              <a:rPr lang="en-US" sz="1400" dirty="0" err="1">
                 <a:solidFill>
                   <a:srgbClr val="3C5790"/>
                 </a:solidFill>
               </a:rPr>
               <a:t>utils</a:t>
             </a:r>
-            <a:endParaRPr lang="en-US" sz="1400" dirty="0" smtClean="0">
+            <a:endParaRPr lang="en-US" sz="1400" dirty="0">
               <a:solidFill>
                 <a:srgbClr val="3C5790"/>
               </a:solidFill>
@@ -8734,7 +8283,7 @@
           </a:p>
           <a:p>
             <a:r>
-              <a:rPr lang="en-US" sz="1400" dirty="0" smtClean="0">
+              <a:rPr lang="en-US" sz="1400" dirty="0">
                 <a:solidFill>
                   <a:srgbClr val="3C5790"/>
                 </a:solidFill>
@@ -8744,7 +8293,7 @@
           </a:p>
           <a:p>
             <a:r>
-              <a:rPr lang="en-US" sz="1400" dirty="0" smtClean="0">
+              <a:rPr lang="en-US" sz="1400" dirty="0">
                 <a:solidFill>
                   <a:srgbClr val="3C5790"/>
                 </a:solidFill>
@@ -8752,7 +8301,7 @@
               <a:t>CMD [“/</a:t>
             </a:r>
             <a:r>
-              <a:rPr lang="en-US" sz="1400" dirty="0" err="1" smtClean="0">
+              <a:rPr lang="en-US" sz="1400" dirty="0" err="1">
                 <a:solidFill>
                   <a:srgbClr val="3C5790"/>
                 </a:solidFill>
@@ -8760,7 +8309,7 @@
               <a:t>usr</a:t>
             </a:r>
             <a:r>
-              <a:rPr lang="en-US" sz="1400" dirty="0" smtClean="0">
+              <a:rPr lang="en-US" sz="1400" dirty="0">
                 <a:solidFill>
                   <a:srgbClr val="3C5790"/>
                 </a:solidFill>
@@ -8768,7 +8317,7 @@
               <a:t>/bin/</a:t>
             </a:r>
             <a:r>
-              <a:rPr lang="en-US" sz="1400" dirty="0" err="1" smtClean="0">
+              <a:rPr lang="en-US" sz="1400" dirty="0" err="1">
                 <a:solidFill>
                   <a:srgbClr val="3C5790"/>
                 </a:solidFill>
@@ -8776,7 +8325,7 @@
               <a:t>mongod</a:t>
             </a:r>
             <a:r>
-              <a:rPr lang="en-US" sz="1400" dirty="0" smtClean="0">
+              <a:rPr lang="en-US" sz="1400" dirty="0">
                 <a:solidFill>
                   <a:srgbClr val="3C5790"/>
                 </a:solidFill>
@@ -8784,7 +8333,7 @@
               <a:t>”, “—</a:t>
             </a:r>
             <a:r>
-              <a:rPr lang="en-US" sz="1400" dirty="0" err="1" smtClean="0">
+              <a:rPr lang="en-US" sz="1400" dirty="0" err="1">
                 <a:solidFill>
                   <a:srgbClr val="3C5790"/>
                 </a:solidFill>
@@ -8792,7 +8341,7 @@
               <a:t>config</a:t>
             </a:r>
             <a:r>
-              <a:rPr lang="en-US" sz="1400" dirty="0" smtClean="0">
+              <a:rPr lang="en-US" sz="1400" dirty="0">
                 <a:solidFill>
                   <a:srgbClr val="3C5790"/>
                 </a:solidFill>
@@ -8800,7 +8349,7 @@
               <a:t>”, “/etc/</a:t>
             </a:r>
             <a:r>
-              <a:rPr lang="en-US" sz="1400" dirty="0" err="1" smtClean="0">
+              <a:rPr lang="en-US" sz="1400" dirty="0" err="1">
                 <a:solidFill>
                   <a:srgbClr val="3C5790"/>
                 </a:solidFill>
@@ -8808,18 +8357,13 @@
               <a:t>mongodb.conf</a:t>
             </a:r>
             <a:r>
-              <a:rPr lang="en-US" sz="1400" dirty="0" smtClean="0">
+              <a:rPr lang="en-US" sz="1400" dirty="0">
                 <a:solidFill>
                   <a:srgbClr val="3C5790"/>
                 </a:solidFill>
               </a:rPr>
               <a:t>”]</a:t>
             </a:r>
-            <a:endParaRPr lang="en-US" sz="1400" dirty="0" smtClean="0">
-              <a:solidFill>
-                <a:srgbClr val="3C5790"/>
-              </a:solidFill>
-            </a:endParaRPr>
           </a:p>
         </p:txBody>
       </p:sp>
@@ -8828,13 +8372,6 @@
   <p:clrMapOvr>
     <a:masterClrMapping/>
   </p:clrMapOvr>
-  <p:timing>
-    <p:tnLst>
-      <p:par>
-        <p:cTn id="1" dur="indefinite" restart="never" nodeType="tmRoot"/>
-      </p:par>
-    </p:tnLst>
-  </p:timing>
 </p:sld>
 </file>
 
@@ -8889,22 +8426,14 @@
           <a:p>
             <a:pPr lvl="1"/>
             <a:r>
-              <a:rPr lang="ro-RO" dirty="0" smtClean="0">
+              <a:rPr lang="ro-RO" dirty="0">
                 <a:solidFill>
                   <a:schemeClr val="bg1"/>
                 </a:solidFill>
               </a:rPr>
-              <a:t>Building Containers </a:t>
-            </a:r>
-            <a:r>
-              <a:rPr lang="ro-RO" dirty="0" smtClean="0">
-                <a:solidFill>
-                  <a:schemeClr val="bg1"/>
-                </a:solidFill>
-              </a:rPr>
-              <a:t>(cont.)</a:t>
-            </a:r>
-            <a:endParaRPr lang="fr-CA" dirty="0" smtClean="0">
+              <a:t>Building Containers (cont.)</a:t>
+            </a:r>
+            <a:endParaRPr lang="fr-CA" dirty="0">
               <a:solidFill>
                 <a:schemeClr val="bg1"/>
               </a:solidFill>
@@ -8933,7 +8462,7 @@
           <a:lstStyle/>
           <a:p>
             <a:r>
-              <a:rPr lang="en-US" sz="1400" dirty="0" smtClean="0">
+              <a:rPr lang="en-US" sz="1400" dirty="0">
                 <a:solidFill>
                   <a:srgbClr val="3C5790"/>
                 </a:solidFill>
@@ -8941,7 +8470,7 @@
               <a:t>EXPOSE associates the specified port for enabling networking between a </a:t>
             </a:r>
             <a:r>
-              <a:rPr lang="en-US" sz="1400" dirty="0" err="1" smtClean="0">
+              <a:rPr lang="en-US" sz="1400" dirty="0" err="1">
                 <a:solidFill>
                   <a:srgbClr val="3C5790"/>
                 </a:solidFill>
@@ -8949,7 +8478,7 @@
               <a:t>docker</a:t>
             </a:r>
             <a:r>
-              <a:rPr lang="en-US" sz="1400" dirty="0" smtClean="0">
+              <a:rPr lang="en-US" sz="1400" dirty="0">
                 <a:solidFill>
                   <a:srgbClr val="3C5790"/>
                 </a:solidFill>
@@ -8957,7 +8486,7 @@
               <a:t> </a:t>
             </a:r>
             <a:r>
-              <a:rPr lang="en-US" sz="1400" dirty="0" err="1" smtClean="0">
+              <a:rPr lang="en-US" sz="1400" dirty="0" err="1">
                 <a:solidFill>
                   <a:srgbClr val="3C5790"/>
                 </a:solidFill>
@@ -8965,7 +8494,7 @@
               <a:t>coantainer</a:t>
             </a:r>
             <a:r>
-              <a:rPr lang="en-US" sz="1400" dirty="0" smtClean="0">
+              <a:rPr lang="en-US" sz="1400" dirty="0">
                 <a:solidFill>
                   <a:srgbClr val="3C5790"/>
                 </a:solidFill>
@@ -8975,7 +8504,7 @@
           </a:p>
           <a:p>
             <a:r>
-              <a:rPr lang="en-US" sz="1400" dirty="0" smtClean="0">
+              <a:rPr lang="en-US" sz="1400" dirty="0">
                 <a:solidFill>
                   <a:srgbClr val="3C5790"/>
                 </a:solidFill>
@@ -8985,7 +8514,7 @@
           </a:p>
           <a:p>
             <a:r>
-              <a:rPr lang="en-US" sz="1400" dirty="0" smtClean="0">
+              <a:rPr lang="en-US" sz="1400" dirty="0">
                 <a:solidFill>
                   <a:srgbClr val="3C5790"/>
                 </a:solidFill>
@@ -8995,7 +8524,7 @@
           </a:p>
           <a:p>
             <a:r>
-              <a:rPr lang="en-US" sz="1400" dirty="0" smtClean="0">
+              <a:rPr lang="en-US" sz="1400" dirty="0">
                 <a:solidFill>
                   <a:srgbClr val="3C5790"/>
                 </a:solidFill>
@@ -9005,18 +8534,13 @@
           </a:p>
           <a:p>
             <a:r>
-              <a:rPr lang="en-US" sz="1400" dirty="0" smtClean="0">
+              <a:rPr lang="en-US" sz="1400" dirty="0">
                 <a:solidFill>
                   <a:srgbClr val="3C5790"/>
                 </a:solidFill>
               </a:rPr>
               <a:t>WORKDIR sets the working directory for the RUN, CMD and ENTRYPOINT instructions.</a:t>
             </a:r>
-            <a:endParaRPr lang="en-US" sz="1400" dirty="0" smtClean="0">
-              <a:solidFill>
-                <a:srgbClr val="3C5790"/>
-              </a:solidFill>
-            </a:endParaRPr>
           </a:p>
         </p:txBody>
       </p:sp>
@@ -9025,13 +8549,6 @@
   <p:clrMapOvr>
     <a:masterClrMapping/>
   </p:clrMapOvr>
-  <p:timing>
-    <p:tnLst>
-      <p:par>
-        <p:cTn id="1" dur="indefinite" restart="never" nodeType="tmRoot"/>
-      </p:par>
-    </p:tnLst>
-  </p:timing>
 </p:sld>
 </file>
 
@@ -9086,22 +8603,14 @@
           <a:p>
             <a:pPr lvl="1"/>
             <a:r>
-              <a:rPr lang="ro-RO" dirty="0" smtClean="0">
+              <a:rPr lang="ro-RO" dirty="0">
                 <a:solidFill>
                   <a:schemeClr val="bg1"/>
                 </a:solidFill>
               </a:rPr>
-              <a:t>Building Containers </a:t>
-            </a:r>
-            <a:r>
-              <a:rPr lang="ro-RO" dirty="0" smtClean="0">
-                <a:solidFill>
-                  <a:schemeClr val="bg1"/>
-                </a:solidFill>
-              </a:rPr>
-              <a:t>(cont.)</a:t>
-            </a:r>
-            <a:endParaRPr lang="fr-CA" dirty="0" smtClean="0">
+              <a:t>Building Containers (cont.)</a:t>
+            </a:r>
+            <a:endParaRPr lang="fr-CA" dirty="0">
               <a:solidFill>
                 <a:schemeClr val="bg1"/>
               </a:solidFill>
@@ -9130,14 +8639,14 @@
           <a:lstStyle/>
           <a:p>
             <a:r>
-              <a:rPr lang="ro-RO" sz="1400" dirty="0" smtClean="0">
+              <a:rPr lang="ro-RO" sz="1400" dirty="0">
                 <a:solidFill>
                   <a:srgbClr val="3C5790"/>
                 </a:solidFill>
               </a:rPr>
               <a:t>Docker can be used with Jenkins.</a:t>
             </a:r>
-            <a:endParaRPr lang="en-US" sz="1400" dirty="0" smtClean="0">
+            <a:endParaRPr lang="en-US" sz="1400" dirty="0">
               <a:solidFill>
                 <a:srgbClr val="3C5790"/>
               </a:solidFill>
@@ -9182,13 +8691,6 @@
   <p:clrMapOvr>
     <a:masterClrMapping/>
   </p:clrMapOvr>
-  <p:timing>
-    <p:tnLst>
-      <p:par>
-        <p:cTn id="1" dur="indefinite" restart="never" nodeType="tmRoot"/>
-      </p:par>
-    </p:tnLst>
-  </p:timing>
 </p:sld>
 </file>
 
@@ -9237,7 +8739,7 @@
           <a:lstStyle/>
           <a:p>
             <a:r>
-              <a:rPr lang="fr-CA" sz="4000" dirty="0" err="1" smtClean="0">
+              <a:rPr lang="fr-CA" sz="4000" dirty="0" err="1">
                 <a:solidFill>
                   <a:schemeClr val="bg1">
                     <a:lumMod val="95000"/>
@@ -9246,7 +8748,7 @@
               </a:rPr>
               <a:t>Bibliography</a:t>
             </a:r>
-            <a:endParaRPr lang="fr-CA" sz="4000" dirty="0" smtClean="0">
+            <a:endParaRPr lang="fr-CA" sz="4000" dirty="0">
               <a:solidFill>
                 <a:schemeClr val="bg1">
                   <a:lumMod val="95000"/>
@@ -9277,22 +8779,14 @@
           <a:lstStyle/>
           <a:p>
             <a:r>
-              <a:rPr lang="en-US" sz="1600" dirty="0" smtClean="0">
+              <a:rPr lang="en-US" sz="1600" dirty="0">
                 <a:solidFill>
                   <a:schemeClr val="bg1"/>
                 </a:solidFill>
               </a:rPr>
-              <a:t>http://en.wikipedia.org/wiki/Docker_%</a:t>
-            </a:r>
-            <a:r>
-              <a:rPr lang="en-US" sz="1600" dirty="0" smtClean="0">
-                <a:solidFill>
-                  <a:schemeClr val="bg1"/>
-                </a:solidFill>
-              </a:rPr>
-              <a:t>28software%29</a:t>
-            </a:r>
-            <a:endParaRPr lang="ro-RO" sz="1600" dirty="0" smtClean="0">
+              <a:t>http://en.wikipedia.org/wiki/Docker_%28software%29</a:t>
+            </a:r>
+            <a:endParaRPr lang="ro-RO" sz="1600" dirty="0">
               <a:solidFill>
                 <a:schemeClr val="bg1"/>
               </a:solidFill>
@@ -9300,7 +8794,7 @@
           </a:p>
           <a:p>
             <a:r>
-              <a:rPr lang="fr-CA" sz="1600" dirty="0" smtClean="0">
+              <a:rPr lang="fr-CA" sz="1600" dirty="0">
                 <a:solidFill>
                   <a:schemeClr val="bg1"/>
                 </a:solidFill>
@@ -9308,7 +8802,7 @@
               <a:t>Docker</a:t>
             </a:r>
             <a:r>
-              <a:rPr lang="ro-RO" sz="1600" dirty="0" smtClean="0">
+              <a:rPr lang="ro-RO" sz="1600" dirty="0">
                 <a:solidFill>
                   <a:schemeClr val="bg1"/>
                 </a:solidFill>
@@ -9316,7 +8810,7 @@
               <a:t> </a:t>
             </a:r>
             <a:r>
-              <a:rPr lang="fr-CA" sz="1600" dirty="0" smtClean="0">
+              <a:rPr lang="fr-CA" sz="1600" dirty="0">
                 <a:solidFill>
                   <a:schemeClr val="bg1"/>
                 </a:solidFill>
@@ -9324,7 +8818,7 @@
               <a:t>Hands</a:t>
             </a:r>
             <a:r>
-              <a:rPr lang="ro-RO" sz="1600" dirty="0" smtClean="0">
+              <a:rPr lang="ro-RO" sz="1600" dirty="0">
                 <a:solidFill>
                   <a:schemeClr val="bg1"/>
                 </a:solidFill>
@@ -9332,7 +8826,7 @@
               <a:t> </a:t>
             </a:r>
             <a:r>
-              <a:rPr lang="fr-CA" sz="1600" dirty="0" smtClean="0">
+              <a:rPr lang="fr-CA" sz="1600" dirty="0">
                 <a:solidFill>
                   <a:schemeClr val="bg1"/>
                 </a:solidFill>
@@ -9340,7 +8834,7 @@
               <a:t>on</a:t>
             </a:r>
             <a:r>
-              <a:rPr lang="ro-RO" sz="1600" dirty="0" smtClean="0">
+              <a:rPr lang="ro-RO" sz="1600" dirty="0">
                 <a:solidFill>
                   <a:schemeClr val="bg1"/>
                 </a:solidFill>
@@ -9348,7 +8842,7 @@
               <a:t> </a:t>
             </a:r>
             <a:r>
-              <a:rPr lang="fr-CA" sz="1600" dirty="0" err="1" smtClean="0">
+              <a:rPr lang="fr-CA" sz="1600" dirty="0" err="1">
                 <a:solidFill>
                   <a:schemeClr val="bg1"/>
                 </a:solidFill>
@@ -9356,7 +8850,7 @@
               <a:t>Deploy</a:t>
             </a:r>
             <a:r>
-              <a:rPr lang="ro-RO" sz="1600" dirty="0" smtClean="0">
+              <a:rPr lang="ro-RO" sz="1600" dirty="0">
                 <a:solidFill>
                   <a:schemeClr val="bg1"/>
                 </a:solidFill>
@@ -9364,7 +8858,7 @@
               <a:t> </a:t>
             </a:r>
             <a:r>
-              <a:rPr lang="fr-CA" sz="1600" dirty="0" err="1" smtClean="0">
+              <a:rPr lang="fr-CA" sz="1600" dirty="0" err="1">
                 <a:solidFill>
                   <a:schemeClr val="bg1"/>
                 </a:solidFill>
@@ -9372,7 +8866,7 @@
               <a:t>Administer</a:t>
             </a:r>
             <a:r>
-              <a:rPr lang="ro-RO" sz="1600" dirty="0" smtClean="0">
+              <a:rPr lang="ro-RO" sz="1600" dirty="0">
                 <a:solidFill>
                   <a:schemeClr val="bg1"/>
                 </a:solidFill>
@@ -9380,7 +8874,7 @@
               <a:t> </a:t>
             </a:r>
             <a:r>
-              <a:rPr lang="fr-CA" sz="1600" dirty="0" smtClean="0">
+              <a:rPr lang="fr-CA" sz="1600" dirty="0">
                 <a:solidFill>
                   <a:schemeClr val="bg1"/>
                 </a:solidFill>
@@ -9388,7 +8882,7 @@
               <a:t>Docker</a:t>
             </a:r>
             <a:r>
-              <a:rPr lang="ro-RO" sz="1600" dirty="0" smtClean="0">
+              <a:rPr lang="ro-RO" sz="1600" dirty="0">
                 <a:solidFill>
                   <a:schemeClr val="bg1"/>
                 </a:solidFill>
@@ -9396,21 +8890,16 @@
               <a:t> </a:t>
             </a:r>
             <a:r>
-              <a:rPr lang="fr-CA" sz="1600" dirty="0" smtClean="0">
+              <a:rPr lang="fr-CA" sz="1600" dirty="0">
                 <a:solidFill>
                   <a:schemeClr val="bg1"/>
                 </a:solidFill>
               </a:rPr>
               <a:t>Platform</a:t>
             </a:r>
-            <a:endParaRPr lang="fr-CA" sz="1600" dirty="0" smtClean="0">
-              <a:solidFill>
-                <a:schemeClr val="bg1"/>
-              </a:solidFill>
-            </a:endParaRPr>
-          </a:p>
-          <a:p>
-            <a:endParaRPr lang="fr-CA" sz="1600" dirty="0" smtClean="0">
+          </a:p>
+          <a:p>
+            <a:endParaRPr lang="fr-CA" sz="1600" dirty="0">
               <a:solidFill>
                 <a:schemeClr val="bg1"/>
               </a:solidFill>
@@ -9423,13 +8912,6 @@
   <p:clrMapOvr>
     <a:masterClrMapping/>
   </p:clrMapOvr>
-  <p:timing>
-    <p:tnLst>
-      <p:par>
-        <p:cTn id="1" dur="indefinite" restart="never" nodeType="tmRoot"/>
-      </p:par>
-    </p:tnLst>
-  </p:timing>
 </p:sld>
 </file>
 
@@ -9478,7 +8960,7 @@
           <a:lstStyle/>
           <a:p>
             <a:r>
-              <a:rPr lang="fr-CA" dirty="0" err="1" smtClean="0">
+              <a:rPr lang="fr-CA" dirty="0" err="1">
                 <a:solidFill>
                   <a:schemeClr val="bg1"/>
                 </a:solidFill>
@@ -9486,7 +8968,7 @@
               <a:t>What</a:t>
             </a:r>
             <a:r>
-              <a:rPr lang="fr-CA" dirty="0" smtClean="0">
+              <a:rPr lang="fr-CA" dirty="0">
                 <a:solidFill>
                   <a:schemeClr val="bg1"/>
                 </a:solidFill>
@@ -9494,7 +8976,7 @@
               <a:t> </a:t>
             </a:r>
             <a:r>
-              <a:rPr lang="fr-CA" dirty="0" err="1" smtClean="0">
+              <a:rPr lang="fr-CA" dirty="0" err="1">
                 <a:solidFill>
                   <a:schemeClr val="bg1"/>
                 </a:solidFill>
@@ -9502,7 +8984,7 @@
               <a:t>is</a:t>
             </a:r>
             <a:r>
-              <a:rPr lang="fr-CA" dirty="0" smtClean="0">
+              <a:rPr lang="fr-CA" dirty="0">
                 <a:solidFill>
                   <a:schemeClr val="bg1"/>
                 </a:solidFill>
@@ -9510,7 +8992,7 @@
               <a:t> </a:t>
             </a:r>
             <a:r>
-              <a:rPr lang="ro-RO" dirty="0" smtClean="0">
+              <a:rPr lang="ro-RO" dirty="0">
                 <a:solidFill>
                   <a:schemeClr val="bg1"/>
                 </a:solidFill>
@@ -9518,18 +9000,13 @@
               <a:t>Docker</a:t>
             </a:r>
             <a:r>
-              <a:rPr lang="fr-CA" dirty="0" smtClean="0">
+              <a:rPr lang="fr-CA" dirty="0">
                 <a:solidFill>
                   <a:schemeClr val="bg1"/>
                 </a:solidFill>
               </a:rPr>
               <a:t>?</a:t>
             </a:r>
-            <a:endParaRPr lang="fr-CA" dirty="0" smtClean="0">
-              <a:solidFill>
-                <a:schemeClr val="bg1"/>
-              </a:solidFill>
-            </a:endParaRPr>
           </a:p>
         </p:txBody>
       </p:sp>
@@ -9554,7 +9031,7 @@
           <a:lstStyle/>
           <a:p>
             <a:r>
-              <a:rPr lang="en-US" sz="1500" dirty="0" err="1" smtClean="0">
+              <a:rPr lang="en-US" sz="1500" dirty="0" err="1">
                 <a:solidFill>
                   <a:srgbClr val="3C5790"/>
                 </a:solidFill>
@@ -9562,23 +9039,15 @@
               <a:t>Docker</a:t>
             </a:r>
             <a:r>
-              <a:rPr lang="en-US" sz="1500" dirty="0" smtClean="0">
-                <a:solidFill>
-                  <a:srgbClr val="3C5790"/>
-                </a:solidFill>
-              </a:rPr>
-              <a:t> is an open-source project that </a:t>
-            </a:r>
-            <a:r>
-              <a:rPr lang="en-US" sz="1500" dirty="0" smtClean="0">
-                <a:solidFill>
-                  <a:srgbClr val="3C5790"/>
-                </a:solidFill>
-              </a:rPr>
-              <a:t>au</a:t>
-            </a:r>
-            <a:r>
-              <a:rPr lang="ro-RO" sz="1500" dirty="0" smtClean="0">
+              <a:rPr lang="en-US" sz="1500" dirty="0">
+                <a:solidFill>
+                  <a:srgbClr val="3C5790"/>
+                </a:solidFill>
+              </a:rPr>
+              <a:t> is an open-source project that au</a:t>
+            </a:r>
+            <a:r>
+              <a:rPr lang="ro-RO" sz="1500" dirty="0">
                 <a:solidFill>
                   <a:srgbClr val="3C5790"/>
                 </a:solidFill>
@@ -9586,7 +9055,7 @@
               <a:t>t</a:t>
             </a:r>
             <a:r>
-              <a:rPr lang="en-US" sz="1500" dirty="0" err="1" smtClean="0">
+              <a:rPr lang="en-US" sz="1500" dirty="0" err="1">
                 <a:solidFill>
                   <a:srgbClr val="3C5790"/>
                 </a:solidFill>
@@ -9594,25 +9063,17 @@
               <a:t>omates</a:t>
             </a:r>
             <a:r>
-              <a:rPr lang="en-US" sz="1500" dirty="0" smtClean="0">
-                <a:solidFill>
-                  <a:srgbClr val="3C5790"/>
-                </a:solidFill>
-              </a:rPr>
-              <a:t> </a:t>
-            </a:r>
-            <a:r>
-              <a:rPr lang="en-US" sz="1500" dirty="0" smtClean="0">
-                <a:solidFill>
-                  <a:srgbClr val="3C5790"/>
-                </a:solidFill>
-              </a:rPr>
-              <a:t>the deployment of applications inside software containers by providing an additional layer of abstraction and automation of OS virtualization.</a:t>
-            </a:r>
-          </a:p>
-          <a:p>
-            <a:r>
-              <a:rPr lang="en-US" sz="1500" dirty="0" err="1" smtClean="0">
+              <a:rPr lang="en-US" sz="1500" dirty="0">
+                <a:solidFill>
+                  <a:srgbClr val="3C5790"/>
+                </a:solidFill>
+              </a:rPr>
+              <a:t> the deployment of applications inside software containers by providing an additional layer of abstraction and automation of OS virtualization.</a:t>
+            </a:r>
+          </a:p>
+          <a:p>
+            <a:r>
+              <a:rPr lang="en-US" sz="1500" dirty="0" err="1">
                 <a:solidFill>
                   <a:srgbClr val="3C5790"/>
                 </a:solidFill>
@@ -9620,7 +9081,7 @@
               <a:t>Docker</a:t>
             </a:r>
             <a:r>
-              <a:rPr lang="en-US" sz="1500" dirty="0" smtClean="0">
+              <a:rPr lang="en-US" sz="1500" dirty="0">
                 <a:solidFill>
                   <a:srgbClr val="3C5790"/>
                 </a:solidFill>
@@ -9630,7 +9091,7 @@
           </a:p>
           <a:p>
             <a:r>
-              <a:rPr lang="en-US" sz="1500" dirty="0" err="1" smtClean="0">
+              <a:rPr lang="en-US" sz="1500" dirty="0" err="1">
                 <a:solidFill>
                   <a:srgbClr val="3C5790"/>
                 </a:solidFill>
@@ -9638,7 +9099,7 @@
               <a:t>Docker</a:t>
             </a:r>
             <a:r>
-              <a:rPr lang="en-US" sz="1500" dirty="0" smtClean="0">
+              <a:rPr lang="en-US" sz="1500" dirty="0">
                 <a:solidFill>
                   <a:srgbClr val="3C5790"/>
                 </a:solidFill>
@@ -9648,7 +9109,7 @@
           </a:p>
           <a:p>
             <a:r>
-              <a:rPr lang="en-US" sz="1500" dirty="0" smtClean="0">
+              <a:rPr lang="en-US" sz="1500" dirty="0">
                 <a:solidFill>
                   <a:srgbClr val="3C5790"/>
                 </a:solidFill>
@@ -9656,7 +9117,7 @@
               <a:t>It is build on top of facilities provided by Linux </a:t>
             </a:r>
             <a:r>
-              <a:rPr lang="en-US" sz="1500" dirty="0" err="1" smtClean="0">
+              <a:rPr lang="en-US" sz="1500" dirty="0" err="1">
                 <a:solidFill>
                   <a:srgbClr val="3C5790"/>
                 </a:solidFill>
@@ -9664,7 +9125,7 @@
               <a:t>kerne</a:t>
             </a:r>
             <a:r>
-              <a:rPr lang="ro-RO" sz="1500" dirty="0" smtClean="0">
+              <a:rPr lang="ro-RO" sz="1500" dirty="0">
                 <a:solidFill>
                   <a:srgbClr val="3C5790"/>
                 </a:solidFill>
@@ -9672,7 +9133,7 @@
               <a:t>l</a:t>
             </a:r>
             <a:r>
-              <a:rPr lang="en-US" sz="1500" dirty="0" smtClean="0">
+              <a:rPr lang="en-US" sz="1500" dirty="0">
                 <a:solidFill>
                   <a:srgbClr val="3C5790"/>
                 </a:solidFill>
@@ -9680,7 +9141,7 @@
               <a:t>(</a:t>
             </a:r>
             <a:r>
-              <a:rPr lang="en-US" sz="1500" dirty="0" err="1" smtClean="0">
+              <a:rPr lang="en-US" sz="1500" dirty="0" err="1">
                 <a:solidFill>
                   <a:srgbClr val="3C5790"/>
                 </a:solidFill>
@@ -9688,22 +9149,14 @@
               <a:t>cgroups</a:t>
             </a:r>
             <a:r>
-              <a:rPr lang="en-US" sz="1500" dirty="0" smtClean="0">
-                <a:solidFill>
-                  <a:srgbClr val="3C5790"/>
-                </a:solidFill>
-              </a:rPr>
-              <a:t> </a:t>
-            </a:r>
-            <a:r>
-              <a:rPr lang="en-US" sz="1500" dirty="0" smtClean="0">
-                <a:solidFill>
-                  <a:srgbClr val="3C5790"/>
-                </a:solidFill>
-              </a:rPr>
-              <a:t>and namespaces) and it doesn't require or include a separate operating system.</a:t>
-            </a:r>
-            <a:endParaRPr lang="fr-CA" sz="1400" dirty="0" smtClean="0">
+              <a:rPr lang="en-US" sz="1500" dirty="0">
+                <a:solidFill>
+                  <a:srgbClr val="3C5790"/>
+                </a:solidFill>
+              </a:rPr>
+              <a:t> and namespaces) and it doesn't require or include a separate operating system.</a:t>
+            </a:r>
+            <a:endParaRPr lang="fr-CA" sz="1400" dirty="0">
               <a:solidFill>
                 <a:srgbClr val="3C5790"/>
               </a:solidFill>
@@ -9716,13 +9169,6 @@
   <p:clrMapOvr>
     <a:masterClrMapping/>
   </p:clrMapOvr>
-  <p:timing>
-    <p:tnLst>
-      <p:par>
-        <p:cTn id="1" dur="indefinite" restart="never" nodeType="tmRoot"/>
-      </p:par>
-    </p:tnLst>
-  </p:timing>
 </p:sld>
 </file>
 
@@ -9771,14 +9217,14 @@
           <a:lstStyle/>
           <a:p>
             <a:r>
-              <a:rPr lang="ro-RO" smtClean="0">
+              <a:rPr lang="ro-RO">
                 <a:solidFill>
                   <a:schemeClr val="bg1"/>
                 </a:solidFill>
               </a:rPr>
               <a:t>Architecture</a:t>
             </a:r>
-            <a:endParaRPr lang="fr-CA" dirty="0" smtClean="0">
+            <a:endParaRPr lang="fr-CA" dirty="0">
               <a:solidFill>
                 <a:schemeClr val="bg1"/>
               </a:solidFill>
@@ -9807,7 +9253,7 @@
           <a:lstStyle/>
           <a:p>
             <a:r>
-              <a:rPr lang="en-US" sz="1400" dirty="0" err="1" smtClean="0">
+              <a:rPr lang="en-US" sz="1400" dirty="0" err="1">
                 <a:solidFill>
                   <a:srgbClr val="3C5790"/>
                 </a:solidFill>
@@ -9815,25 +9261,17 @@
               <a:t>Docker</a:t>
             </a:r>
             <a:r>
-              <a:rPr lang="en-US" sz="1400" dirty="0" smtClean="0">
-                <a:solidFill>
-                  <a:srgbClr val="3C5790"/>
-                </a:solidFill>
-              </a:rPr>
-              <a:t> </a:t>
-            </a:r>
-            <a:r>
-              <a:rPr lang="en-US" sz="1400" dirty="0" smtClean="0">
-                <a:solidFill>
-                  <a:srgbClr val="3C5790"/>
-                </a:solidFill>
-              </a:rPr>
-              <a:t>is a way of managing multiple containers on a single machine.</a:t>
-            </a:r>
-          </a:p>
-          <a:p>
-            <a:r>
-              <a:rPr lang="en-US" sz="1400" dirty="0" smtClean="0">
+              <a:rPr lang="en-US" sz="1400" dirty="0">
+                <a:solidFill>
+                  <a:srgbClr val="3C5790"/>
+                </a:solidFill>
+              </a:rPr>
+              <a:t> is a way of managing multiple containers on a single machine.</a:t>
+            </a:r>
+          </a:p>
+          <a:p>
+            <a:r>
+              <a:rPr lang="en-US" sz="1400" dirty="0">
                 <a:solidFill>
                   <a:srgbClr val="3C5790"/>
                 </a:solidFill>
@@ -9843,23 +9281,15 @@
           </a:p>
           <a:p>
             <a:r>
-              <a:rPr lang="en-US" sz="1400" dirty="0" smtClean="0">
-                <a:solidFill>
-                  <a:srgbClr val="3C5790"/>
-                </a:solidFill>
-              </a:rPr>
-              <a:t>LXC </a:t>
-            </a:r>
-            <a:r>
-              <a:rPr lang="en-US" sz="1400" dirty="0" smtClean="0">
-                <a:solidFill>
-                  <a:srgbClr val="3C5790"/>
-                </a:solidFill>
-              </a:rPr>
-              <a:t>is based on Linux control groups (</a:t>
-            </a:r>
-            <a:r>
-              <a:rPr lang="en-US" sz="1400" dirty="0" err="1" smtClean="0">
+              <a:rPr lang="en-US" sz="1400" dirty="0">
+                <a:solidFill>
+                  <a:srgbClr val="3C5790"/>
+                </a:solidFill>
+              </a:rPr>
+              <a:t>LXC is based on Linux control groups (</a:t>
+            </a:r>
+            <a:r>
+              <a:rPr lang="en-US" sz="1400" dirty="0" err="1">
                 <a:solidFill>
                   <a:srgbClr val="3C5790"/>
                 </a:solidFill>
@@ -9867,7 +9297,7 @@
               <a:t>cgroups</a:t>
             </a:r>
             <a:r>
-              <a:rPr lang="en-US" sz="1400" dirty="0" smtClean="0">
+              <a:rPr lang="en-US" sz="1400" dirty="0">
                 <a:solidFill>
                   <a:srgbClr val="3C5790"/>
                 </a:solidFill>
@@ -9914,13 +9344,6 @@
   <p:clrMapOvr>
     <a:masterClrMapping/>
   </p:clrMapOvr>
-  <p:timing>
-    <p:tnLst>
-      <p:par>
-        <p:cTn id="1" dur="indefinite" restart="never" nodeType="tmRoot"/>
-      </p:par>
-    </p:tnLst>
-  </p:timing>
 </p:sld>
 </file>
 
@@ -9969,14 +9392,14 @@
           <a:lstStyle/>
           <a:p>
             <a:r>
-              <a:rPr lang="ro-RO" dirty="0" smtClean="0">
+              <a:rPr lang="ro-RO" dirty="0">
                 <a:solidFill>
                   <a:schemeClr val="bg1"/>
                 </a:solidFill>
               </a:rPr>
               <a:t>Architecture (cont.)</a:t>
             </a:r>
-            <a:endParaRPr lang="fr-CA" dirty="0" smtClean="0">
+            <a:endParaRPr lang="fr-CA" dirty="0">
               <a:solidFill>
                 <a:schemeClr val="bg1"/>
               </a:solidFill>
@@ -10005,7 +9428,7 @@
           <a:lstStyle/>
           <a:p>
             <a:r>
-              <a:rPr lang="en-US" sz="1400" dirty="0" err="1" smtClean="0">
+              <a:rPr lang="en-US" sz="1400" dirty="0" err="1">
                 <a:solidFill>
                   <a:srgbClr val="3C5790"/>
                 </a:solidFill>
@@ -10013,7 +9436,7 @@
               <a:t>Docker</a:t>
             </a:r>
             <a:r>
-              <a:rPr lang="en-US" sz="1400" dirty="0" smtClean="0">
+              <a:rPr lang="en-US" sz="1400" dirty="0">
                 <a:solidFill>
                   <a:srgbClr val="3C5790"/>
                 </a:solidFill>
@@ -10023,7 +9446,7 @@
           </a:p>
           <a:p>
             <a:r>
-              <a:rPr lang="en-US" sz="1400" dirty="0" smtClean="0">
+              <a:rPr lang="en-US" sz="1400" dirty="0">
                 <a:solidFill>
                   <a:srgbClr val="3C5790"/>
                 </a:solidFill>
@@ -10031,7 +9454,7 @@
               <a:t>The </a:t>
             </a:r>
             <a:r>
-              <a:rPr lang="en-US" sz="1400" dirty="0" err="1" smtClean="0">
+              <a:rPr lang="en-US" sz="1400" dirty="0" err="1">
                 <a:solidFill>
                   <a:srgbClr val="3C5790"/>
                 </a:solidFill>
@@ -10039,7 +9462,7 @@
               <a:t>Docker</a:t>
             </a:r>
             <a:r>
-              <a:rPr lang="en-US" sz="1400" dirty="0" smtClean="0">
+              <a:rPr lang="en-US" sz="1400" dirty="0">
                 <a:solidFill>
                   <a:srgbClr val="3C5790"/>
                 </a:solidFill>
@@ -10047,7 +9470,7 @@
               <a:t> client instructs the </a:t>
             </a:r>
             <a:r>
-              <a:rPr lang="en-US" sz="1400" dirty="0" err="1" smtClean="0">
+              <a:rPr lang="en-US" sz="1400" dirty="0" err="1">
                 <a:solidFill>
                   <a:srgbClr val="3C5790"/>
                 </a:solidFill>
@@ -10055,7 +9478,7 @@
               <a:t>Docker</a:t>
             </a:r>
             <a:r>
-              <a:rPr lang="en-US" sz="1400" dirty="0" smtClean="0">
+              <a:rPr lang="en-US" sz="1400" dirty="0">
                 <a:solidFill>
                   <a:srgbClr val="3C5790"/>
                 </a:solidFill>
@@ -10065,22 +9488,14 @@
           </a:p>
           <a:p>
             <a:r>
-              <a:rPr lang="en-US" sz="1400" dirty="0" smtClean="0">
-                <a:solidFill>
-                  <a:srgbClr val="3C5790"/>
-                </a:solidFill>
-              </a:rPr>
-              <a:t>The communication between them is done by REST API</a:t>
-            </a:r>
-            <a:r>
-              <a:rPr lang="en-US" sz="1400" dirty="0" smtClean="0">
-                <a:solidFill>
-                  <a:srgbClr val="3C5790"/>
-                </a:solidFill>
-              </a:rPr>
-              <a:t>.</a:t>
-            </a:r>
-            <a:endParaRPr lang="ro-RO" sz="1400" dirty="0" smtClean="0">
+              <a:rPr lang="en-US" sz="1400" dirty="0">
+                <a:solidFill>
+                  <a:srgbClr val="3C5790"/>
+                </a:solidFill>
+              </a:rPr>
+              <a:t>The communication between them is done by REST API.</a:t>
+            </a:r>
+            <a:endParaRPr lang="ro-RO" sz="1400" dirty="0">
               <a:solidFill>
                 <a:srgbClr val="3C5790"/>
               </a:solidFill>
@@ -10088,7 +9503,7 @@
           </a:p>
           <a:p>
             <a:r>
-              <a:rPr lang="en-US" sz="1400" dirty="0" err="1" smtClean="0">
+              <a:rPr lang="en-US" sz="1400" dirty="0" err="1">
                 <a:solidFill>
                   <a:srgbClr val="3C5790"/>
                 </a:solidFill>
@@ -10096,7 +9511,7 @@
               <a:t>Docker</a:t>
             </a:r>
             <a:r>
-              <a:rPr lang="en-US" sz="1400" dirty="0" smtClean="0">
+              <a:rPr lang="en-US" sz="1400" dirty="0">
                 <a:solidFill>
                   <a:srgbClr val="3C5790"/>
                 </a:solidFill>
@@ -10104,7 +9519,7 @@
               <a:t> client and </a:t>
             </a:r>
             <a:r>
-              <a:rPr lang="en-US" sz="1400" dirty="0" err="1" smtClean="0">
+              <a:rPr lang="en-US" sz="1400" dirty="0" err="1">
                 <a:solidFill>
                   <a:srgbClr val="3C5790"/>
                 </a:solidFill>
@@ -10112,7 +9527,7 @@
               <a:t>Docker</a:t>
             </a:r>
             <a:r>
-              <a:rPr lang="en-US" sz="1400" dirty="0" smtClean="0">
+              <a:rPr lang="en-US" sz="1400" dirty="0">
                 <a:solidFill>
                   <a:srgbClr val="3C5790"/>
                 </a:solidFill>
@@ -10159,13 +9574,6 @@
   <p:clrMapOvr>
     <a:masterClrMapping/>
   </p:clrMapOvr>
-  <p:timing>
-    <p:tnLst>
-      <p:par>
-        <p:cTn id="1" dur="indefinite" restart="never" nodeType="tmRoot"/>
-      </p:par>
-    </p:tnLst>
-  </p:timing>
 </p:sld>
 </file>
 
@@ -10214,14 +9622,14 @@
           <a:lstStyle/>
           <a:p>
             <a:r>
-              <a:rPr lang="ro-RO" dirty="0" smtClean="0">
+              <a:rPr lang="ro-RO" dirty="0">
                 <a:solidFill>
                   <a:schemeClr val="bg1"/>
                 </a:solidFill>
               </a:rPr>
               <a:t>Architecture (cont.)</a:t>
             </a:r>
-            <a:endParaRPr lang="fr-CA" dirty="0" smtClean="0">
+            <a:endParaRPr lang="fr-CA" dirty="0">
               <a:solidFill>
                 <a:schemeClr val="bg1"/>
               </a:solidFill>
@@ -10250,7 +9658,7 @@
           <a:lstStyle/>
           <a:p>
             <a:r>
-              <a:rPr lang="en-US" sz="1400" dirty="0" err="1" smtClean="0">
+              <a:rPr lang="en-US" sz="1400" dirty="0" err="1">
                 <a:solidFill>
                   <a:srgbClr val="3C5790"/>
                 </a:solidFill>
@@ -10258,7 +9666,7 @@
               <a:t>Docker</a:t>
             </a:r>
             <a:r>
-              <a:rPr lang="en-US" sz="1400" dirty="0" smtClean="0">
+              <a:rPr lang="en-US" sz="1400" dirty="0">
                 <a:solidFill>
                   <a:srgbClr val="3C5790"/>
                 </a:solidFill>
@@ -10268,7 +9676,7 @@
           </a:p>
           <a:p>
             <a:r>
-              <a:rPr lang="en-US" sz="1400" dirty="0" err="1" smtClean="0">
+              <a:rPr lang="en-US" sz="1400" dirty="0" err="1">
                 <a:solidFill>
                   <a:srgbClr val="3C5790"/>
                 </a:solidFill>
@@ -10276,7 +9684,7 @@
               <a:t>Docker</a:t>
             </a:r>
             <a:r>
-              <a:rPr lang="en-US" sz="1400" dirty="0" smtClean="0">
+              <a:rPr lang="en-US" sz="1400" dirty="0">
                 <a:solidFill>
                   <a:srgbClr val="3C5790"/>
                 </a:solidFill>
@@ -10284,7 +9692,7 @@
               <a:t> client can either be installed on the same host as </a:t>
             </a:r>
             <a:r>
-              <a:rPr lang="en-US" sz="1400" dirty="0" err="1" smtClean="0">
+              <a:rPr lang="en-US" sz="1400" dirty="0" err="1">
                 <a:solidFill>
                   <a:srgbClr val="3C5790"/>
                 </a:solidFill>
@@ -10292,7 +9700,7 @@
               <a:t>Docker</a:t>
             </a:r>
             <a:r>
-              <a:rPr lang="en-US" sz="1400" dirty="0" smtClean="0">
+              <a:rPr lang="en-US" sz="1400" dirty="0">
                 <a:solidFill>
                   <a:srgbClr val="3C5790"/>
                 </a:solidFill>
@@ -10302,7 +9710,7 @@
           </a:p>
           <a:p>
             <a:r>
-              <a:rPr lang="en-US" sz="1400" dirty="0" err="1" smtClean="0">
+              <a:rPr lang="en-US" sz="1400" dirty="0" err="1">
                 <a:solidFill>
                   <a:srgbClr val="3C5790"/>
                 </a:solidFill>
@@ -10310,7 +9718,7 @@
               <a:t>Docker</a:t>
             </a:r>
             <a:r>
-              <a:rPr lang="en-US" sz="1400" dirty="0" smtClean="0">
+              <a:rPr lang="en-US" sz="1400" dirty="0">
                 <a:solidFill>
                   <a:srgbClr val="3C5790"/>
                 </a:solidFill>
@@ -10320,7 +9728,7 @@
           </a:p>
           <a:p>
             <a:r>
-              <a:rPr lang="en-US" sz="1400" b="1" dirty="0" smtClean="0">
+              <a:rPr lang="en-US" sz="1400" b="1" dirty="0">
                 <a:solidFill>
                   <a:srgbClr val="3C5790"/>
                 </a:solidFill>
@@ -10328,7 +9736,7 @@
               <a:t>1. </a:t>
             </a:r>
             <a:r>
-              <a:rPr lang="en-US" sz="1400" b="1" dirty="0" err="1" smtClean="0">
+              <a:rPr lang="en-US" sz="1400" b="1" dirty="0" err="1">
                 <a:solidFill>
                   <a:srgbClr val="3C5790"/>
                 </a:solidFill>
@@ -10336,7 +9744,7 @@
               <a:t>Docker</a:t>
             </a:r>
             <a:r>
-              <a:rPr lang="en-US" sz="1400" b="1" dirty="0" smtClean="0">
+              <a:rPr lang="en-US" sz="1400" b="1" dirty="0">
                 <a:solidFill>
                   <a:srgbClr val="3C5790"/>
                 </a:solidFill>
@@ -10346,7 +9754,7 @@
           </a:p>
           <a:p>
             <a:r>
-              <a:rPr lang="en-US" sz="1400" b="1" dirty="0" smtClean="0">
+              <a:rPr lang="en-US" sz="1400" b="1" dirty="0">
                 <a:solidFill>
                   <a:srgbClr val="3C5790"/>
                 </a:solidFill>
@@ -10354,7 +9762,7 @@
               <a:t>2. </a:t>
             </a:r>
             <a:r>
-              <a:rPr lang="en-US" sz="1400" b="1" dirty="0" err="1" smtClean="0">
+              <a:rPr lang="en-US" sz="1400" b="1" dirty="0" err="1">
                 <a:solidFill>
                   <a:srgbClr val="3C5790"/>
                 </a:solidFill>
@@ -10362,7 +9770,7 @@
               <a:t>Docker</a:t>
             </a:r>
             <a:r>
-              <a:rPr lang="en-US" sz="1400" b="1" dirty="0" smtClean="0">
+              <a:rPr lang="en-US" sz="1400" b="1" dirty="0">
                 <a:solidFill>
                   <a:srgbClr val="3C5790"/>
                 </a:solidFill>
@@ -10372,7 +9780,7 @@
           </a:p>
           <a:p>
             <a:r>
-              <a:rPr lang="en-US" sz="1400" b="1" dirty="0" smtClean="0">
+              <a:rPr lang="en-US" sz="1400" b="1" dirty="0">
                 <a:solidFill>
                   <a:srgbClr val="3C5790"/>
                 </a:solidFill>
@@ -10380,7 +9788,7 @@
               <a:t>3. </a:t>
             </a:r>
             <a:r>
-              <a:rPr lang="en-US" sz="1400" b="1" dirty="0" err="1" smtClean="0">
+              <a:rPr lang="en-US" sz="1400" b="1" dirty="0" err="1">
                 <a:solidFill>
                   <a:srgbClr val="3C5790"/>
                 </a:solidFill>
@@ -10388,7 +9796,7 @@
               <a:t>Docker</a:t>
             </a:r>
             <a:r>
-              <a:rPr lang="en-US" sz="1400" b="1" dirty="0" smtClean="0">
+              <a:rPr lang="en-US" sz="1400" b="1" dirty="0">
                 <a:solidFill>
                   <a:srgbClr val="3C5790"/>
                 </a:solidFill>
@@ -10435,13 +9843,6 @@
   <p:clrMapOvr>
     <a:masterClrMapping/>
   </p:clrMapOvr>
-  <p:timing>
-    <p:tnLst>
-      <p:par>
-        <p:cTn id="1" dur="indefinite" restart="never" nodeType="tmRoot"/>
-      </p:par>
-    </p:tnLst>
-  </p:timing>
 </p:sld>
 </file>
 
@@ -10490,14 +9891,14 @@
           <a:lstStyle/>
           <a:p>
             <a:r>
-              <a:rPr lang="ro-RO" dirty="0" smtClean="0">
+              <a:rPr lang="ro-RO" dirty="0">
                 <a:solidFill>
                   <a:schemeClr val="bg1"/>
                 </a:solidFill>
               </a:rPr>
               <a:t>Architecture (cont.)</a:t>
             </a:r>
-            <a:endParaRPr lang="fr-CA" dirty="0" smtClean="0">
+            <a:endParaRPr lang="fr-CA" dirty="0">
               <a:solidFill>
                 <a:schemeClr val="bg1"/>
               </a:solidFill>
@@ -10526,7 +9927,7 @@
           <a:lstStyle/>
           <a:p>
             <a:r>
-              <a:rPr lang="en-US" sz="1400" b="1" dirty="0" err="1" smtClean="0">
+              <a:rPr lang="en-US" sz="1400" b="1" dirty="0" err="1">
                 <a:solidFill>
                   <a:srgbClr val="3C5790"/>
                 </a:solidFill>
@@ -10534,7 +9935,7 @@
               <a:t>Docker</a:t>
             </a:r>
             <a:r>
-              <a:rPr lang="en-US" sz="1400" b="1" dirty="0" smtClean="0">
+              <a:rPr lang="en-US" sz="1400" b="1" dirty="0">
                 <a:solidFill>
                   <a:srgbClr val="3C5790"/>
                 </a:solidFill>
@@ -10545,7 +9946,7 @@
           <a:p>
             <a:pPr lvl="1"/>
             <a:r>
-              <a:rPr lang="en-US" sz="1200" dirty="0" smtClean="0">
+              <a:rPr lang="en-US" sz="1200" dirty="0">
                 <a:solidFill>
                   <a:srgbClr val="3C5790"/>
                 </a:solidFill>
@@ -10553,7 +9954,7 @@
               <a:t>The </a:t>
             </a:r>
             <a:r>
-              <a:rPr lang="en-US" sz="1200" dirty="0" err="1" smtClean="0">
+              <a:rPr lang="en-US" sz="1200" dirty="0" err="1">
                 <a:solidFill>
                   <a:srgbClr val="3C5790"/>
                 </a:solidFill>
@@ -10561,7 +9962,7 @@
               <a:t>Docker</a:t>
             </a:r>
             <a:r>
-              <a:rPr lang="en-US" sz="1200" dirty="0" smtClean="0">
+              <a:rPr lang="en-US" sz="1200" dirty="0">
                 <a:solidFill>
                   <a:srgbClr val="3C5790"/>
                 </a:solidFill>
@@ -10569,7 +9970,7 @@
               <a:t> image is a template that consists of OS(</a:t>
             </a:r>
             <a:r>
-              <a:rPr lang="en-US" sz="1200" dirty="0" err="1" smtClean="0">
+              <a:rPr lang="en-US" sz="1200" dirty="0" err="1">
                 <a:solidFill>
                   <a:srgbClr val="3C5790"/>
                 </a:solidFill>
@@ -10577,34 +9978,18 @@
               <a:t>Ubuntu,etc</a:t>
             </a:r>
             <a:r>
-              <a:rPr lang="en-US" sz="1200" dirty="0" smtClean="0">
-                <a:solidFill>
-                  <a:srgbClr val="3C5790"/>
-                </a:solidFill>
-              </a:rPr>
-              <a:t>) and </a:t>
-            </a:r>
-            <a:r>
-              <a:rPr lang="en-US" sz="1200" dirty="0" smtClean="0">
-                <a:solidFill>
-                  <a:srgbClr val="3C5790"/>
-                </a:solidFill>
-              </a:rPr>
-              <a:t>applications </a:t>
-            </a:r>
-            <a:r>
-              <a:rPr lang="en-US" sz="1200" dirty="0" smtClean="0">
-                <a:solidFill>
-                  <a:srgbClr val="3C5790"/>
-                </a:solidFill>
-              </a:rPr>
-              <a:t>installed on it.</a:t>
+              <a:rPr lang="en-US" sz="1200" dirty="0">
+                <a:solidFill>
+                  <a:srgbClr val="3C5790"/>
+                </a:solidFill>
+              </a:rPr>
+              <a:t>) and applications installed on it.</a:t>
             </a:r>
           </a:p>
           <a:p>
             <a:pPr lvl="1"/>
             <a:r>
-              <a:rPr lang="en-US" sz="1200" dirty="0" smtClean="0">
+              <a:rPr lang="en-US" sz="1200" dirty="0">
                 <a:solidFill>
                   <a:srgbClr val="3C5790"/>
                 </a:solidFill>
@@ -10612,7 +9997,7 @@
               <a:t>A </a:t>
             </a:r>
             <a:r>
-              <a:rPr lang="en-US" sz="1200" dirty="0" err="1" smtClean="0">
+              <a:rPr lang="en-US" sz="1200" dirty="0" err="1">
                 <a:solidFill>
                   <a:srgbClr val="3C5790"/>
                 </a:solidFill>
@@ -10620,7 +10005,7 @@
               <a:t>Docker</a:t>
             </a:r>
             <a:r>
-              <a:rPr lang="en-US" sz="1200" dirty="0" smtClean="0">
+              <a:rPr lang="en-US" sz="1200" dirty="0">
                 <a:solidFill>
                   <a:srgbClr val="3C5790"/>
                 </a:solidFill>
@@ -10628,7 +10013,7 @@
               <a:t> base image is the building block of a </a:t>
             </a:r>
             <a:r>
-              <a:rPr lang="en-US" sz="1200" dirty="0" err="1" smtClean="0">
+              <a:rPr lang="en-US" sz="1200" dirty="0" err="1">
                 <a:solidFill>
                   <a:srgbClr val="3C5790"/>
                 </a:solidFill>
@@ -10636,46 +10021,22 @@
               <a:t>Docker</a:t>
             </a:r>
             <a:r>
-              <a:rPr lang="en-US" sz="1200" dirty="0" smtClean="0">
-                <a:solidFill>
-                  <a:srgbClr val="3C5790"/>
-                </a:solidFill>
-              </a:rPr>
-              <a:t> </a:t>
-            </a:r>
-            <a:r>
-              <a:rPr lang="en-US" sz="1200" dirty="0" smtClean="0">
-                <a:solidFill>
-                  <a:srgbClr val="3C5790"/>
-                </a:solidFill>
-              </a:rPr>
-              <a:t>container </a:t>
-            </a:r>
-            <a:r>
-              <a:rPr lang="en-US" sz="1200" dirty="0" smtClean="0">
-                <a:solidFill>
-                  <a:srgbClr val="3C5790"/>
-                </a:solidFill>
-              </a:rPr>
-              <a:t>from where container is </a:t>
-            </a:r>
-            <a:r>
-              <a:rPr lang="en-US" sz="1200" dirty="0" smtClean="0">
-                <a:solidFill>
-                  <a:srgbClr val="3C5790"/>
-                </a:solidFill>
-              </a:rPr>
-              <a:t>created</a:t>
-            </a:r>
-            <a:r>
-              <a:rPr lang="ro-RO" sz="1200" dirty="0" smtClean="0">
+              <a:rPr lang="en-US" sz="1200" dirty="0">
+                <a:solidFill>
+                  <a:srgbClr val="3C5790"/>
+                </a:solidFill>
+              </a:rPr>
+              <a:t> container from where container is created</a:t>
+            </a:r>
+            <a:r>
+              <a:rPr lang="ro-RO" sz="1200" dirty="0">
                 <a:solidFill>
                   <a:srgbClr val="3C5790"/>
                 </a:solidFill>
               </a:rPr>
               <a:t>.</a:t>
             </a:r>
-            <a:endParaRPr lang="en-US" sz="1200" dirty="0" smtClean="0">
+            <a:endParaRPr lang="en-US" sz="1200" dirty="0">
               <a:solidFill>
                 <a:srgbClr val="3C5790"/>
               </a:solidFill>
@@ -10683,7 +10044,7 @@
           </a:p>
           <a:p>
             <a:r>
-              <a:rPr lang="en-US" sz="1400" b="1" dirty="0" err="1" smtClean="0">
+              <a:rPr lang="en-US" sz="1400" b="1" dirty="0" err="1">
                 <a:solidFill>
                   <a:srgbClr val="3C5790"/>
                 </a:solidFill>
@@ -10691,26 +10052,18 @@
               <a:t>Docker</a:t>
             </a:r>
             <a:r>
-              <a:rPr lang="en-US" sz="1400" b="1" dirty="0" smtClean="0">
-                <a:solidFill>
-                  <a:srgbClr val="3C5790"/>
-                </a:solidFill>
-              </a:rPr>
-              <a:t> </a:t>
-            </a:r>
-            <a:r>
-              <a:rPr lang="en-US" sz="1400" b="1" dirty="0" smtClean="0">
-                <a:solidFill>
-                  <a:srgbClr val="3C5790"/>
-                </a:solidFill>
-              </a:rPr>
-              <a:t>registry:</a:t>
+              <a:rPr lang="en-US" sz="1400" b="1" dirty="0">
+                <a:solidFill>
+                  <a:srgbClr val="3C5790"/>
+                </a:solidFill>
+              </a:rPr>
+              <a:t> registry:</a:t>
             </a:r>
           </a:p>
           <a:p>
             <a:pPr lvl="1"/>
             <a:r>
-              <a:rPr lang="en-US" sz="1200" dirty="0" err="1" smtClean="0">
+              <a:rPr lang="en-US" sz="1200" dirty="0" err="1">
                 <a:solidFill>
                   <a:srgbClr val="3C5790"/>
                 </a:solidFill>
@@ -10718,7 +10071,7 @@
               <a:t>Docker</a:t>
             </a:r>
             <a:r>
-              <a:rPr lang="en-US" sz="1200" dirty="0" smtClean="0">
+              <a:rPr lang="en-US" sz="1200" dirty="0">
                 <a:solidFill>
                   <a:srgbClr val="3C5790"/>
                 </a:solidFill>
@@ -10726,7 +10079,7 @@
               <a:t> registry is a repository for </a:t>
             </a:r>
             <a:r>
-              <a:rPr lang="en-US" sz="1200" dirty="0" err="1" smtClean="0">
+              <a:rPr lang="en-US" sz="1200" dirty="0" err="1">
                 <a:solidFill>
                   <a:srgbClr val="3C5790"/>
                 </a:solidFill>
@@ -10734,7 +10087,7 @@
               <a:t>Docker</a:t>
             </a:r>
             <a:r>
-              <a:rPr lang="en-US" sz="1200" dirty="0" smtClean="0">
+              <a:rPr lang="en-US" sz="1200" dirty="0">
                 <a:solidFill>
                   <a:srgbClr val="3C5790"/>
                 </a:solidFill>
@@ -10745,7 +10098,7 @@
           <a:p>
             <a:pPr lvl="1"/>
             <a:r>
-              <a:rPr lang="en-US" sz="1200" dirty="0" smtClean="0">
+              <a:rPr lang="en-US" sz="1200" dirty="0">
                 <a:solidFill>
                   <a:srgbClr val="3C5790"/>
                 </a:solidFill>
@@ -10753,7 +10106,7 @@
               <a:t>It can be public(</a:t>
             </a:r>
             <a:r>
-              <a:rPr lang="en-US" sz="1200" dirty="0" err="1" smtClean="0">
+              <a:rPr lang="en-US" sz="1200" dirty="0" err="1">
                 <a:solidFill>
                   <a:srgbClr val="3C5790"/>
                 </a:solidFill>
@@ -10761,7 +10114,7 @@
               <a:t>Docker</a:t>
             </a:r>
             <a:r>
-              <a:rPr lang="en-US" sz="1200" dirty="0" smtClean="0">
+              <a:rPr lang="en-US" sz="1200" dirty="0">
                 <a:solidFill>
                   <a:srgbClr val="3C5790"/>
                 </a:solidFill>
@@ -10772,7 +10125,7 @@
           <a:p>
             <a:pPr lvl="1"/>
             <a:r>
-              <a:rPr lang="en-US" sz="1200" dirty="0" smtClean="0">
+              <a:rPr lang="en-US" sz="1200" dirty="0">
                 <a:solidFill>
                   <a:srgbClr val="3C5790"/>
                 </a:solidFill>
@@ -10780,7 +10133,7 @@
               <a:t>The public </a:t>
             </a:r>
             <a:r>
-              <a:rPr lang="en-US" sz="1200" dirty="0" err="1" smtClean="0">
+              <a:rPr lang="en-US" sz="1200" dirty="0" err="1">
                 <a:solidFill>
                   <a:srgbClr val="3C5790"/>
                 </a:solidFill>
@@ -10788,7 +10141,7 @@
               <a:t>Docker</a:t>
             </a:r>
             <a:r>
-              <a:rPr lang="en-US" sz="1200" dirty="0" smtClean="0">
+              <a:rPr lang="en-US" sz="1200" dirty="0">
                 <a:solidFill>
                   <a:srgbClr val="3C5790"/>
                 </a:solidFill>
@@ -10798,7 +10151,7 @@
           </a:p>
           <a:p>
             <a:r>
-              <a:rPr lang="en-US" sz="1400" b="1" dirty="0" err="1" smtClean="0">
+              <a:rPr lang="en-US" sz="1400" b="1" dirty="0" err="1">
                 <a:solidFill>
                   <a:srgbClr val="3C5790"/>
                 </a:solidFill>
@@ -10806,60 +10159,36 @@
               <a:t>Docker</a:t>
             </a:r>
             <a:r>
-              <a:rPr lang="en-US" sz="1400" b="1" dirty="0" smtClean="0">
-                <a:solidFill>
-                  <a:srgbClr val="3C5790"/>
-                </a:solidFill>
-              </a:rPr>
-              <a:t> </a:t>
-            </a:r>
-            <a:r>
-              <a:rPr lang="en-US" sz="1400" b="1" dirty="0" smtClean="0">
-                <a:solidFill>
-                  <a:srgbClr val="3C5790"/>
-                </a:solidFill>
-              </a:rPr>
-              <a:t>container:</a:t>
+              <a:rPr lang="en-US" sz="1400" b="1" dirty="0">
+                <a:solidFill>
+                  <a:srgbClr val="3C5790"/>
+                </a:solidFill>
+              </a:rPr>
+              <a:t> container:</a:t>
             </a:r>
           </a:p>
           <a:p>
             <a:pPr lvl="1"/>
             <a:r>
-              <a:rPr lang="en-US" sz="1200" dirty="0" smtClean="0">
-                <a:solidFill>
-                  <a:srgbClr val="3C5790"/>
-                </a:solidFill>
-              </a:rPr>
-              <a:t>A container contains the execution </a:t>
-            </a:r>
-            <a:r>
-              <a:rPr lang="en-US" sz="1200" dirty="0" smtClean="0">
-                <a:solidFill>
-                  <a:srgbClr val="3C5790"/>
-                </a:solidFill>
-              </a:rPr>
-              <a:t>environment </a:t>
-            </a:r>
-            <a:r>
-              <a:rPr lang="en-US" sz="1200" dirty="0" smtClean="0">
-                <a:solidFill>
-                  <a:srgbClr val="3C5790"/>
-                </a:solidFill>
-              </a:rPr>
-              <a:t>for applications.</a:t>
+              <a:rPr lang="en-US" sz="1200" dirty="0">
+                <a:solidFill>
+                  <a:srgbClr val="3C5790"/>
+                </a:solidFill>
+              </a:rPr>
+              <a:t>A container contains the execution environment for applications.</a:t>
             </a:r>
           </a:p>
           <a:p>
             <a:pPr lvl="1"/>
             <a:r>
-              <a:rPr lang="en-US" sz="1200" dirty="0" smtClean="0">
+              <a:rPr lang="en-US" sz="1200" dirty="0">
                 <a:solidFill>
                   <a:srgbClr val="3C5790"/>
                 </a:solidFill>
               </a:rPr>
               <a:t>Each container has its own user space, network, security settings associated with it.</a:t>
             </a:r>
-            <a:endParaRPr lang="en-US" sz="1200" b="1" dirty="0" smtClean="0">
+            <a:endParaRPr lang="en-US" sz="1200" b="1" dirty="0">
               <a:solidFill>
                 <a:srgbClr val="3C5790"/>
               </a:solidFill>
@@ -10872,13 +10201,6 @@
   <p:clrMapOvr>
     <a:masterClrMapping/>
   </p:clrMapOvr>
-  <p:timing>
-    <p:tnLst>
-      <p:par>
-        <p:cTn id="1" dur="indefinite" restart="never" nodeType="tmRoot"/>
-      </p:par>
-    </p:tnLst>
-  </p:timing>
 </p:sld>
 </file>
 
@@ -10927,14 +10249,14 @@
           <a:lstStyle/>
           <a:p>
             <a:r>
-              <a:rPr lang="ro-RO" dirty="0" smtClean="0">
+              <a:rPr lang="ro-RO" dirty="0">
                 <a:solidFill>
                   <a:schemeClr val="bg1"/>
                 </a:solidFill>
               </a:rPr>
               <a:t>Linux Containers</a:t>
             </a:r>
-            <a:endParaRPr lang="fr-CA" dirty="0" smtClean="0">
+            <a:endParaRPr lang="fr-CA" dirty="0">
               <a:solidFill>
                 <a:schemeClr val="bg1"/>
               </a:solidFill>
@@ -10963,25 +10285,17 @@
           <a:lstStyle/>
           <a:p>
             <a:r>
-              <a:rPr lang="en-US" sz="1400" dirty="0" smtClean="0">
-                <a:solidFill>
-                  <a:srgbClr val="3C5790"/>
-                </a:solidFill>
-              </a:rPr>
-              <a:t>Virtualization </a:t>
-            </a:r>
-            <a:r>
-              <a:rPr lang="en-US" sz="1400" dirty="0" smtClean="0">
-                <a:solidFill>
-                  <a:srgbClr val="3C5790"/>
-                </a:solidFill>
-              </a:rPr>
-              <a:t>refers to the creation of virtual machines which have an independent OS.</a:t>
-            </a:r>
-          </a:p>
-          <a:p>
-            <a:r>
-              <a:rPr lang="en-US" sz="1400" dirty="0" smtClean="0">
+              <a:rPr lang="en-US" sz="1400" dirty="0">
+                <a:solidFill>
+                  <a:srgbClr val="3C5790"/>
+                </a:solidFill>
+              </a:rPr>
+              <a:t>Virtualization refers to the creation of virtual machines which have an independent OS.</a:t>
+            </a:r>
+          </a:p>
+          <a:p>
+            <a:r>
+              <a:rPr lang="en-US" sz="1400" dirty="0">
                 <a:solidFill>
                   <a:srgbClr val="3C5790"/>
                 </a:solidFill>
@@ -10991,7 +10305,7 @@
           </a:p>
           <a:p>
             <a:r>
-              <a:rPr lang="en-US" sz="1400" dirty="0" smtClean="0">
+              <a:rPr lang="en-US" sz="1400" dirty="0">
                 <a:solidFill>
                   <a:srgbClr val="3C5790"/>
                 </a:solidFill>
@@ -11001,7 +10315,7 @@
           </a:p>
           <a:p>
             <a:r>
-              <a:rPr lang="en-US" sz="1400" dirty="0" smtClean="0">
+              <a:rPr lang="en-US" sz="1400" dirty="0">
                 <a:solidFill>
                   <a:srgbClr val="3C5790"/>
                 </a:solidFill>
@@ -11009,7 +10323,7 @@
               <a:t>Popular hypervisor platforms are VMware, </a:t>
             </a:r>
             <a:r>
-              <a:rPr lang="en-US" sz="1400" dirty="0" err="1" smtClean="0">
+              <a:rPr lang="en-US" sz="1400" dirty="0" err="1">
                 <a:solidFill>
                   <a:srgbClr val="3C5790"/>
                 </a:solidFill>
@@ -11017,7 +10331,7 @@
               <a:t>HyperV</a:t>
             </a:r>
             <a:r>
-              <a:rPr lang="en-US" sz="1400" dirty="0" smtClean="0">
+              <a:rPr lang="en-US" sz="1400" dirty="0">
                 <a:solidFill>
                   <a:srgbClr val="3C5790"/>
                 </a:solidFill>
@@ -11025,7 +10339,7 @@
               <a:t>, </a:t>
             </a:r>
             <a:r>
-              <a:rPr lang="en-US" sz="1400" dirty="0" err="1" smtClean="0">
+              <a:rPr lang="en-US" sz="1400" dirty="0" err="1">
                 <a:solidFill>
                   <a:srgbClr val="3C5790"/>
                 </a:solidFill>
@@ -11033,14 +10347,14 @@
               <a:t>Xen</a:t>
             </a:r>
             <a:r>
-              <a:rPr lang="en-US" sz="1400" dirty="0" smtClean="0">
+              <a:rPr lang="en-US" sz="1400" dirty="0">
                 <a:solidFill>
                   <a:srgbClr val="3C5790"/>
                 </a:solidFill>
               </a:rPr>
               <a:t> and KVM</a:t>
             </a:r>
-            <a:endParaRPr lang="en-US" sz="1200" dirty="0" smtClean="0">
+            <a:endParaRPr lang="en-US" sz="1200" dirty="0">
               <a:solidFill>
                 <a:srgbClr val="3C5790"/>
               </a:solidFill>
@@ -11053,13 +10367,6 @@
   <p:clrMapOvr>
     <a:masterClrMapping/>
   </p:clrMapOvr>
-  <p:timing>
-    <p:tnLst>
-      <p:par>
-        <p:cTn id="1" dur="indefinite" restart="never" nodeType="tmRoot"/>
-      </p:par>
-    </p:tnLst>
-  </p:timing>
 </p:sld>
 </file>
 
@@ -11108,14 +10415,14 @@
           <a:lstStyle/>
           <a:p>
             <a:r>
-              <a:rPr lang="ro-RO" dirty="0" smtClean="0">
+              <a:rPr lang="ro-RO" dirty="0">
                 <a:solidFill>
                   <a:schemeClr val="bg1"/>
                 </a:solidFill>
               </a:rPr>
               <a:t>Linux Containers (cont.)</a:t>
             </a:r>
-            <a:endParaRPr lang="fr-CA" dirty="0" smtClean="0">
+            <a:endParaRPr lang="fr-CA" dirty="0">
               <a:solidFill>
                 <a:schemeClr val="bg1"/>
               </a:solidFill>
@@ -11144,7 +10451,7 @@
           <a:lstStyle/>
           <a:p>
             <a:r>
-              <a:rPr lang="en-US" sz="1400" dirty="0" err="1" smtClean="0">
+              <a:rPr lang="en-US" sz="1400" dirty="0" err="1">
                 <a:solidFill>
                   <a:srgbClr val="3C5790"/>
                 </a:solidFill>
@@ -11152,7 +10459,7 @@
               <a:t>Docker</a:t>
             </a:r>
             <a:r>
-              <a:rPr lang="en-US" sz="1400" dirty="0" smtClean="0">
+              <a:rPr lang="en-US" sz="1400" dirty="0">
                 <a:solidFill>
                   <a:srgbClr val="3C5790"/>
                 </a:solidFill>
@@ -11162,14 +10469,14 @@
           </a:p>
           <a:p>
             <a:r>
-              <a:rPr lang="en-US" sz="1400" dirty="0" smtClean="0">
+              <a:rPr lang="en-US" sz="1400" dirty="0">
                 <a:solidFill>
                   <a:srgbClr val="3C5790"/>
                 </a:solidFill>
               </a:rPr>
               <a:t>Linux containers are light weight virtualization system running on top of an operating system.</a:t>
             </a:r>
-            <a:endParaRPr lang="en-US" sz="1200" dirty="0" smtClean="0">
+            <a:endParaRPr lang="en-US" sz="1200" dirty="0">
               <a:solidFill>
                 <a:srgbClr val="3C5790"/>
               </a:solidFill>
@@ -11214,13 +10521,6 @@
   <p:clrMapOvr>
     <a:masterClrMapping/>
   </p:clrMapOvr>
-  <p:timing>
-    <p:tnLst>
-      <p:par>
-        <p:cTn id="1" dur="indefinite" restart="never" nodeType="tmRoot"/>
-      </p:par>
-    </p:tnLst>
-  </p:timing>
 </p:sld>
 </file>
 
